--- a/RAG - Concluidos 2018.pptx
+++ b/RAG - Concluidos 2018.pptx
@@ -8,18 +8,16 @@
     <p:sldMasterId id="2147483686" r:id="rId4"/>
   </p:sldMasterIdLst>
   <p:notesMasterIdLst>
-    <p:notesMasterId r:id="rId14"/>
+    <p:notesMasterId r:id="rId12"/>
   </p:notesMasterIdLst>
   <p:sldIdLst>
     <p:sldId id="257" r:id="rId5"/>
-    <p:sldId id="302" r:id="rId6"/>
-    <p:sldId id="314" r:id="rId7"/>
-    <p:sldId id="326" r:id="rId8"/>
-    <p:sldId id="318" r:id="rId9"/>
-    <p:sldId id="324" r:id="rId10"/>
-    <p:sldId id="329" r:id="rId11"/>
-    <p:sldId id="317" r:id="rId12"/>
-    <p:sldId id="286" r:id="rId13"/>
+    <p:sldId id="314" r:id="rId6"/>
+    <p:sldId id="326" r:id="rId7"/>
+    <p:sldId id="318" r:id="rId8"/>
+    <p:sldId id="324" r:id="rId9"/>
+    <p:sldId id="329" r:id="rId10"/>
+    <p:sldId id="317" r:id="rId11"/>
   </p:sldIdLst>
   <p:sldSz cx="9144000" cy="6858000" type="screen4x3"/>
   <p:notesSz cx="6888163" cy="10020300"/>
@@ -41,9 +39,9 @@
     </p:custShow>
     <p:custShow name="Nova Sede" id="5">
       <p:sldLst>
+        <p:sld r:id="rId6"/>
         <p:sld r:id="rId7"/>
         <p:sld r:id="rId8"/>
-        <p:sld r:id="rId9"/>
       </p:sldLst>
     </p:custShow>
     <p:custShow name="Rastreabilidade" id="6">
@@ -57,14 +55,13 @@
     </p:custShow>
     <p:custShow name="Fórum de Roubo de Carga" id="9">
       <p:sldLst>
+        <p:sld r:id="rId9"/>
         <p:sld r:id="rId10"/>
-        <p:sld r:id="rId11"/>
       </p:sldLst>
     </p:custShow>
     <p:custShow name="Concluidas" id="10">
       <p:sldLst>
-        <p:sld r:id="rId12"/>
-        <p:sld r:id="rId13"/>
+        <p:sld r:id="rId11"/>
       </p:sldLst>
     </p:custShow>
   </p:custShowLst>
@@ -224,6 +221,10 @@
     </p:ext>
   </p:extLst>
 </p:presentation>
+</file>
+
+<file path=ppt/revisionInfo.xml><?xml version="1.0" encoding="utf-8"?>
+<p1510:revInfo xmlns:a="http://schemas.openxmlformats.org/drawingml/2006/main" xmlns:r="http://schemas.openxmlformats.org/officeDocument/2006/relationships" xmlns:p1510="http://schemas.microsoft.com/office/powerpoint/2015/10/main"/>
 </file>
 
 <file path=ppt/changesInfos/changesInfo1.xml><?xml version="1.0" encoding="utf-8"?>
@@ -536,7 +537,7 @@
           <c:order val="0"/>
           <c:tx>
             <c:strRef>
-              <c:f>Plan1!$B$2</c:f>
+              <c:f>Plan1!$B$1</c:f>
               <c:strCache>
                 <c:ptCount val="1"/>
                 <c:pt idx="0">
@@ -589,7 +590,7 @@
             </c:spPr>
             <c:extLst>
               <c:ext xmlns:c16="http://schemas.microsoft.com/office/drawing/2014/chart" uri="{C3380CC4-5D6E-409C-BE32-E72D297353CC}">
-                <c16:uniqueId val="{00000001-2093-4709-A380-6D9CEF087B7D}"/>
+                <c16:uniqueId val="{00000001-C7B8-4DCE-802F-99FD6FE2A64E}"/>
               </c:ext>
             </c:extLst>
           </c:dPt>
@@ -631,7 +632,7 @@
             </c:spPr>
             <c:extLst>
               <c:ext xmlns:c16="http://schemas.microsoft.com/office/drawing/2014/chart" uri="{C3380CC4-5D6E-409C-BE32-E72D297353CC}">
-                <c16:uniqueId val="{00000003-2093-4709-A380-6D9CEF087B7D}"/>
+                <c16:uniqueId val="{00000003-C7B8-4DCE-802F-99FD6FE2A64E}"/>
               </c:ext>
             </c:extLst>
           </c:dPt>
@@ -670,7 +671,7 @@
             </c:spPr>
             <c:extLst>
               <c:ext xmlns:c16="http://schemas.microsoft.com/office/drawing/2014/chart" uri="{C3380CC4-5D6E-409C-BE32-E72D297353CC}">
-                <c16:uniqueId val="{00000005-2093-4709-A380-6D9CEF087B7D}"/>
+                <c16:uniqueId val="{00000005-C7B8-4DCE-802F-99FD6FE2A64E}"/>
               </c:ext>
             </c:extLst>
           </c:dPt>
@@ -692,7 +693,7 @@
               <c:extLst>
                 <c:ext xmlns:c15="http://schemas.microsoft.com/office/drawing/2012/chart" uri="{CE6537A1-D6FC-4f65-9D91-7224C49458BB}"/>
                 <c:ext xmlns:c16="http://schemas.microsoft.com/office/drawing/2014/chart" uri="{C3380CC4-5D6E-409C-BE32-E72D297353CC}">
-                  <c16:uniqueId val="{00000001-2093-4709-A380-6D9CEF087B7D}"/>
+                  <c16:uniqueId val="{00000001-C7B8-4DCE-802F-99FD6FE2A64E}"/>
                 </c:ext>
               </c:extLst>
             </c:dLbl>
@@ -713,7 +714,7 @@
               <c:extLst>
                 <c:ext xmlns:c15="http://schemas.microsoft.com/office/drawing/2012/chart" uri="{CE6537A1-D6FC-4f65-9D91-7224C49458BB}"/>
                 <c:ext xmlns:c16="http://schemas.microsoft.com/office/drawing/2014/chart" uri="{C3380CC4-5D6E-409C-BE32-E72D297353CC}">
-                  <c16:uniqueId val="{00000003-2093-4709-A380-6D9CEF087B7D}"/>
+                  <c16:uniqueId val="{00000003-C7B8-4DCE-802F-99FD6FE2A64E}"/>
                 </c:ext>
               </c:extLst>
             </c:dLbl>
@@ -734,7 +735,7 @@
               <c:extLst>
                 <c:ext xmlns:c15="http://schemas.microsoft.com/office/drawing/2012/chart" uri="{CE6537A1-D6FC-4f65-9D91-7224C49458BB}"/>
                 <c:ext xmlns:c16="http://schemas.microsoft.com/office/drawing/2014/chart" uri="{C3380CC4-5D6E-409C-BE32-E72D297353CC}">
-                  <c16:uniqueId val="{00000005-2093-4709-A380-6D9CEF087B7D}"/>
+                  <c16:uniqueId val="{00000005-C7B8-4DCE-802F-99FD6FE2A64E}"/>
                 </c:ext>
               </c:extLst>
             </c:dLbl>
@@ -781,7 +782,7 @@
           </c:dLbls>
           <c:cat>
             <c:strRef>
-              <c:f>Plan1!$A$3:$A$5</c:f>
+              <c:f>Plan1!$A$2:$A$4</c:f>
               <c:strCache>
                 <c:ptCount val="3"/>
                 <c:pt idx="0">
@@ -798,25 +799,25 @@
           </c:cat>
           <c:val>
             <c:numRef>
-              <c:f>Plan1!$B$3:$B$5</c:f>
+              <c:f>Plan1!$B$2:$B$4</c:f>
               <c:numCache>
                 <c:formatCode>0%</c:formatCode>
                 <c:ptCount val="3"/>
                 <c:pt idx="0">
-                  <c:v>0.71099999999999997</c:v>
+                  <c:v>1</c:v>
                 </c:pt>
                 <c:pt idx="1">
-                  <c:v>0.69799999999999995</c:v>
+                  <c:v>1</c:v>
                 </c:pt>
                 <c:pt idx="2">
-                  <c:v>-1.3000000000000001E-2</c:v>
+                  <c:v>-0.12058823529411765</c:v>
                 </c:pt>
               </c:numCache>
             </c:numRef>
           </c:val>
           <c:extLst>
             <c:ext xmlns:c16="http://schemas.microsoft.com/office/drawing/2014/chart" uri="{C3380CC4-5D6E-409C-BE32-E72D297353CC}">
-              <c16:uniqueId val="{00000006-2093-4709-A380-6D9CEF087B7D}"/>
+              <c16:uniqueId val="{00000006-C7B8-4DCE-802F-99FD6FE2A64E}"/>
             </c:ext>
           </c:extLst>
         </c:ser>
@@ -1369,7 +1370,7 @@
                   <c:v>1</c:v>
                 </c:pt>
                 <c:pt idx="2">
-                  <c:v>-0.12058823529411765</c:v>
+                  <c:v>0</c:v>
                 </c:pt>
               </c:numCache>
             </c:numRef>
@@ -2060,566 +2061,6 @@
 </c:chartSpace>
 </file>
 
-<file path=ppt/charts/chart4.xml><?xml version="1.0" encoding="utf-8"?>
-<c:chartSpace xmlns:c="http://schemas.openxmlformats.org/drawingml/2006/chart" xmlns:a="http://schemas.openxmlformats.org/drawingml/2006/main" xmlns:r="http://schemas.openxmlformats.org/officeDocument/2006/relationships" xmlns:c16r2="http://schemas.microsoft.com/office/drawing/2015/06/chart">
-  <c:date1904 val="0"/>
-  <c:lang val="pt-BR"/>
-  <c:roundedCorners val="0"/>
-  <mc:AlternateContent xmlns:mc="http://schemas.openxmlformats.org/markup-compatibility/2006">
-    <mc:Choice xmlns:c14="http://schemas.microsoft.com/office/drawing/2007/8/2/chart" Requires="c14">
-      <c14:style val="135"/>
-    </mc:Choice>
-    <mc:Fallback>
-      <c:style val="35"/>
-    </mc:Fallback>
-  </mc:AlternateContent>
-  <c:chart>
-    <c:autoTitleDeleted val="1"/>
-    <c:view3D>
-      <c:rotX val="10"/>
-      <c:rotY val="10"/>
-      <c:depthPercent val="140"/>
-      <c:rAngAx val="1"/>
-    </c:view3D>
-    <c:floor>
-      <c:thickness val="0"/>
-      <c:spPr>
-        <a:gradFill flip="none" rotWithShape="1">
-          <a:gsLst>
-            <a:gs pos="0">
-              <a:srgbClr val="4F81BD">
-                <a:lumMod val="20000"/>
-                <a:lumOff val="80000"/>
-                <a:shade val="30000"/>
-                <a:satMod val="115000"/>
-              </a:srgbClr>
-            </a:gs>
-            <a:gs pos="50000">
-              <a:srgbClr val="4F81BD">
-                <a:lumMod val="20000"/>
-                <a:lumOff val="80000"/>
-                <a:shade val="67500"/>
-                <a:satMod val="115000"/>
-              </a:srgbClr>
-            </a:gs>
-            <a:gs pos="100000">
-              <a:srgbClr val="4F81BD">
-                <a:lumMod val="20000"/>
-                <a:lumOff val="80000"/>
-                <a:shade val="100000"/>
-                <a:satMod val="115000"/>
-              </a:srgbClr>
-            </a:gs>
-          </a:gsLst>
-          <a:lin ang="5400000" scaled="1"/>
-          <a:tileRect/>
-        </a:gradFill>
-        <a:ln>
-          <a:noFill/>
-        </a:ln>
-      </c:spPr>
-    </c:floor>
-    <c:sideWall>
-      <c:thickness val="0"/>
-      <c:spPr>
-        <a:gradFill flip="none" rotWithShape="1">
-          <a:gsLst>
-            <a:gs pos="0">
-              <a:srgbClr val="4F81BD">
-                <a:lumMod val="20000"/>
-                <a:lumOff val="80000"/>
-                <a:shade val="30000"/>
-                <a:satMod val="115000"/>
-              </a:srgbClr>
-            </a:gs>
-            <a:gs pos="50000">
-              <a:srgbClr val="4F81BD">
-                <a:lumMod val="20000"/>
-                <a:lumOff val="80000"/>
-                <a:shade val="67500"/>
-                <a:satMod val="115000"/>
-              </a:srgbClr>
-            </a:gs>
-            <a:gs pos="100000">
-              <a:srgbClr val="4F81BD">
-                <a:lumMod val="20000"/>
-                <a:lumOff val="80000"/>
-                <a:shade val="100000"/>
-                <a:satMod val="115000"/>
-              </a:srgbClr>
-            </a:gs>
-          </a:gsLst>
-          <a:lin ang="16200000" scaled="1"/>
-          <a:tileRect/>
-        </a:gradFill>
-        <a:ln w="25400">
-          <a:noFill/>
-        </a:ln>
-      </c:spPr>
-    </c:sideWall>
-    <c:backWall>
-      <c:thickness val="0"/>
-      <c:spPr>
-        <a:gradFill flip="none" rotWithShape="1">
-          <a:gsLst>
-            <a:gs pos="0">
-              <a:srgbClr val="4F81BD">
-                <a:lumMod val="20000"/>
-                <a:lumOff val="80000"/>
-                <a:shade val="30000"/>
-                <a:satMod val="115000"/>
-              </a:srgbClr>
-            </a:gs>
-            <a:gs pos="50000">
-              <a:srgbClr val="4F81BD">
-                <a:lumMod val="20000"/>
-                <a:lumOff val="80000"/>
-                <a:shade val="67500"/>
-                <a:satMod val="115000"/>
-              </a:srgbClr>
-            </a:gs>
-            <a:gs pos="100000">
-              <a:srgbClr val="4F81BD">
-                <a:lumMod val="20000"/>
-                <a:lumOff val="80000"/>
-                <a:shade val="100000"/>
-                <a:satMod val="115000"/>
-              </a:srgbClr>
-            </a:gs>
-          </a:gsLst>
-          <a:lin ang="16200000" scaled="1"/>
-          <a:tileRect/>
-        </a:gradFill>
-        <a:ln>
-          <a:noFill/>
-        </a:ln>
-      </c:spPr>
-    </c:backWall>
-    <c:plotArea>
-      <c:layout>
-        <c:manualLayout>
-          <c:layoutTarget val="inner"/>
-          <c:xMode val="edge"/>
-          <c:yMode val="edge"/>
-          <c:x val="1.6706147025739481E-2"/>
-          <c:y val="1.1278195488721807E-2"/>
-          <c:w val="0.97068881095745352"/>
-          <c:h val="0.87544461547570163"/>
-        </c:manualLayout>
-      </c:layout>
-      <c:bar3DChart>
-        <c:barDir val="col"/>
-        <c:grouping val="stacked"/>
-        <c:varyColors val="0"/>
-        <c:ser>
-          <c:idx val="0"/>
-          <c:order val="0"/>
-          <c:tx>
-            <c:strRef>
-              <c:f>Plan1!$B$1</c:f>
-              <c:strCache>
-                <c:ptCount val="1"/>
-                <c:pt idx="0">
-                  <c:v>Série 1</c:v>
-                </c:pt>
-              </c:strCache>
-            </c:strRef>
-          </c:tx>
-          <c:spPr>
-            <a:ln>
-              <a:noFill/>
-            </a:ln>
-          </c:spPr>
-          <c:invertIfNegative val="0"/>
-          <c:dPt>
-            <c:idx val="0"/>
-            <c:invertIfNegative val="0"/>
-            <c:bubble3D val="0"/>
-            <c:spPr>
-              <a:gradFill flip="none" rotWithShape="1">
-                <a:gsLst>
-                  <a:gs pos="0">
-                    <a:srgbClr val="9BBB59">
-                      <a:lumMod val="75000"/>
-                      <a:shade val="30000"/>
-                      <a:satMod val="115000"/>
-                    </a:srgbClr>
-                  </a:gs>
-                  <a:gs pos="50000">
-                    <a:srgbClr val="9BBB59">
-                      <a:lumMod val="75000"/>
-                      <a:shade val="67500"/>
-                      <a:satMod val="115000"/>
-                    </a:srgbClr>
-                  </a:gs>
-                  <a:gs pos="100000">
-                    <a:srgbClr val="9BBB59">
-                      <a:lumMod val="75000"/>
-                      <a:shade val="100000"/>
-                      <a:satMod val="115000"/>
-                    </a:srgbClr>
-                  </a:gs>
-                </a:gsLst>
-                <a:lin ang="16200000" scaled="1"/>
-                <a:tileRect/>
-              </a:gradFill>
-              <a:ln>
-                <a:noFill/>
-              </a:ln>
-            </c:spPr>
-            <c:extLst>
-              <c:ext xmlns:c16="http://schemas.microsoft.com/office/drawing/2014/chart" uri="{C3380CC4-5D6E-409C-BE32-E72D297353CC}">
-                <c16:uniqueId val="{00000001-C7B8-4DCE-802F-99FD6FE2A64E}"/>
-              </c:ext>
-            </c:extLst>
-          </c:dPt>
-          <c:dPt>
-            <c:idx val="1"/>
-            <c:invertIfNegative val="0"/>
-            <c:bubble3D val="0"/>
-            <c:spPr>
-              <a:gradFill flip="none" rotWithShape="1">
-                <a:gsLst>
-                  <a:gs pos="0">
-                    <a:srgbClr val="4F81BD">
-                      <a:lumMod val="75000"/>
-                      <a:shade val="30000"/>
-                      <a:satMod val="115000"/>
-                    </a:srgbClr>
-                  </a:gs>
-                  <a:gs pos="50000">
-                    <a:srgbClr val="4F81BD">
-                      <a:lumMod val="75000"/>
-                      <a:shade val="67500"/>
-                      <a:satMod val="115000"/>
-                    </a:srgbClr>
-                  </a:gs>
-                  <a:gs pos="100000">
-                    <a:srgbClr val="4F81BD">
-                      <a:lumMod val="75000"/>
-                      <a:shade val="100000"/>
-                      <a:satMod val="115000"/>
-                    </a:srgbClr>
-                  </a:gs>
-                </a:gsLst>
-                <a:lin ang="16200000" scaled="1"/>
-                <a:tileRect/>
-              </a:gradFill>
-              <a:ln>
-                <a:noFill/>
-              </a:ln>
-            </c:spPr>
-            <c:extLst>
-              <c:ext xmlns:c16="http://schemas.microsoft.com/office/drawing/2014/chart" uri="{C3380CC4-5D6E-409C-BE32-E72D297353CC}">
-                <c16:uniqueId val="{00000003-C7B8-4DCE-802F-99FD6FE2A64E}"/>
-              </c:ext>
-            </c:extLst>
-          </c:dPt>
-          <c:dPt>
-            <c:idx val="2"/>
-            <c:invertIfNegative val="0"/>
-            <c:bubble3D val="0"/>
-            <c:spPr>
-              <a:gradFill flip="none" rotWithShape="1">
-                <a:gsLst>
-                  <a:gs pos="0">
-                    <a:srgbClr val="D17B1D">
-                      <a:shade val="30000"/>
-                      <a:satMod val="115000"/>
-                    </a:srgbClr>
-                  </a:gs>
-                  <a:gs pos="50000">
-                    <a:srgbClr val="D17B1D">
-                      <a:shade val="67500"/>
-                      <a:satMod val="115000"/>
-                    </a:srgbClr>
-                  </a:gs>
-                  <a:gs pos="100000">
-                    <a:srgbClr val="D17B1D">
-                      <a:shade val="100000"/>
-                      <a:satMod val="115000"/>
-                    </a:srgbClr>
-                  </a:gs>
-                </a:gsLst>
-                <a:lin ang="16200000" scaled="1"/>
-                <a:tileRect/>
-              </a:gradFill>
-              <a:ln>
-                <a:noFill/>
-              </a:ln>
-            </c:spPr>
-            <c:extLst>
-              <c:ext xmlns:c16="http://schemas.microsoft.com/office/drawing/2014/chart" uri="{C3380CC4-5D6E-409C-BE32-E72D297353CC}">
-                <c16:uniqueId val="{00000005-C7B8-4DCE-802F-99FD6FE2A64E}"/>
-              </c:ext>
-            </c:extLst>
-          </c:dPt>
-          <c:dLbls>
-            <c:dLbl>
-              <c:idx val="0"/>
-              <c:layout>
-                <c:manualLayout>
-                  <c:x val="2.6373626373626526E-2"/>
-                  <c:y val="0"/>
-                </c:manualLayout>
-              </c:layout>
-              <c:showLegendKey val="0"/>
-              <c:showVal val="1"/>
-              <c:showCatName val="0"/>
-              <c:showSerName val="0"/>
-              <c:showPercent val="0"/>
-              <c:showBubbleSize val="0"/>
-              <c:extLst>
-                <c:ext xmlns:c15="http://schemas.microsoft.com/office/drawing/2012/chart" uri="{CE6537A1-D6FC-4f65-9D91-7224C49458BB}"/>
-                <c:ext xmlns:c16="http://schemas.microsoft.com/office/drawing/2014/chart" uri="{C3380CC4-5D6E-409C-BE32-E72D297353CC}">
-                  <c16:uniqueId val="{00000001-C7B8-4DCE-802F-99FD6FE2A64E}"/>
-                </c:ext>
-              </c:extLst>
-            </c:dLbl>
-            <c:dLbl>
-              <c:idx val="1"/>
-              <c:layout>
-                <c:manualLayout>
-                  <c:x val="2.6373626373626512E-2"/>
-                  <c:y val="-1.1428571428571527E-2"/>
-                </c:manualLayout>
-              </c:layout>
-              <c:showLegendKey val="0"/>
-              <c:showVal val="1"/>
-              <c:showCatName val="0"/>
-              <c:showSerName val="0"/>
-              <c:showPercent val="0"/>
-              <c:showBubbleSize val="0"/>
-              <c:extLst>
-                <c:ext xmlns:c15="http://schemas.microsoft.com/office/drawing/2012/chart" uri="{CE6537A1-D6FC-4f65-9D91-7224C49458BB}"/>
-                <c:ext xmlns:c16="http://schemas.microsoft.com/office/drawing/2014/chart" uri="{C3380CC4-5D6E-409C-BE32-E72D297353CC}">
-                  <c16:uniqueId val="{00000003-C7B8-4DCE-802F-99FD6FE2A64E}"/>
-                </c:ext>
-              </c:extLst>
-            </c:dLbl>
-            <c:dLbl>
-              <c:idx val="2"/>
-              <c:layout>
-                <c:manualLayout>
-                  <c:x val="3.0769230769230802E-2"/>
-                  <c:y val="0"/>
-                </c:manualLayout>
-              </c:layout>
-              <c:showLegendKey val="0"/>
-              <c:showVal val="1"/>
-              <c:showCatName val="0"/>
-              <c:showSerName val="0"/>
-              <c:showPercent val="0"/>
-              <c:showBubbleSize val="0"/>
-              <c:extLst>
-                <c:ext xmlns:c15="http://schemas.microsoft.com/office/drawing/2012/chart" uri="{CE6537A1-D6FC-4f65-9D91-7224C49458BB}"/>
-                <c:ext xmlns:c16="http://schemas.microsoft.com/office/drawing/2014/chart" uri="{C3380CC4-5D6E-409C-BE32-E72D297353CC}">
-                  <c16:uniqueId val="{00000005-C7B8-4DCE-802F-99FD6FE2A64E}"/>
-                </c:ext>
-              </c:extLst>
-            </c:dLbl>
-            <c:spPr>
-              <a:noFill/>
-              <a:ln>
-                <a:noFill/>
-              </a:ln>
-              <a:effectLst/>
-            </c:spPr>
-            <c:txPr>
-              <a:bodyPr/>
-              <a:lstStyle/>
-              <a:p>
-                <a:pPr>
-                  <a:defRPr sz="1200" b="1">
-                    <a:solidFill>
-                      <a:schemeClr val="bg1"/>
-                    </a:solidFill>
-                    <a:effectLst>
-                      <a:outerShdw blurRad="38100" dist="38100" dir="2700000" algn="tl">
-                        <a:srgbClr val="000000">
-                          <a:alpha val="43137"/>
-                        </a:srgbClr>
-                      </a:outerShdw>
-                    </a:effectLst>
-                  </a:defRPr>
-                </a:pPr>
-                <a:endParaRPr lang="pt-BR"/>
-              </a:p>
-            </c:txPr>
-            <c:showLegendKey val="0"/>
-            <c:showVal val="1"/>
-            <c:showCatName val="0"/>
-            <c:showSerName val="0"/>
-            <c:showPercent val="0"/>
-            <c:showBubbleSize val="0"/>
-            <c:showLeaderLines val="0"/>
-            <c:extLst>
-              <c:ext xmlns:c15="http://schemas.microsoft.com/office/drawing/2012/chart" uri="{CE6537A1-D6FC-4f65-9D91-7224C49458BB}">
-                <c15:showLeaderLines val="0"/>
-              </c:ext>
-            </c:extLst>
-          </c:dLbls>
-          <c:cat>
-            <c:strRef>
-              <c:f>Plan1!$A$2:$A$4</c:f>
-              <c:strCache>
-                <c:ptCount val="3"/>
-                <c:pt idx="0">
-                  <c:v>Previsto</c:v>
-                </c:pt>
-                <c:pt idx="1">
-                  <c:v>Realizado</c:v>
-                </c:pt>
-                <c:pt idx="2">
-                  <c:v>Atraso</c:v>
-                </c:pt>
-              </c:strCache>
-            </c:strRef>
-          </c:cat>
-          <c:val>
-            <c:numRef>
-              <c:f>Plan1!$B$2:$B$4</c:f>
-              <c:numCache>
-                <c:formatCode>0%</c:formatCode>
-                <c:ptCount val="3"/>
-                <c:pt idx="0">
-                  <c:v>1</c:v>
-                </c:pt>
-                <c:pt idx="1">
-                  <c:v>1</c:v>
-                </c:pt>
-                <c:pt idx="2">
-                  <c:v>0</c:v>
-                </c:pt>
-              </c:numCache>
-            </c:numRef>
-          </c:val>
-          <c:extLst>
-            <c:ext xmlns:c16="http://schemas.microsoft.com/office/drawing/2014/chart" uri="{C3380CC4-5D6E-409C-BE32-E72D297353CC}">
-              <c16:uniqueId val="{00000006-C7B8-4DCE-802F-99FD6FE2A64E}"/>
-            </c:ext>
-          </c:extLst>
-        </c:ser>
-        <c:dLbls>
-          <c:showLegendKey val="0"/>
-          <c:showVal val="1"/>
-          <c:showCatName val="0"/>
-          <c:showSerName val="0"/>
-          <c:showPercent val="0"/>
-          <c:showBubbleSize val="0"/>
-        </c:dLbls>
-        <c:gapWidth val="50"/>
-        <c:gapDepth val="100"/>
-        <c:shape val="cylinder"/>
-        <c:axId val="194991432"/>
-        <c:axId val="235206440"/>
-        <c:axId val="0"/>
-      </c:bar3DChart>
-      <c:catAx>
-        <c:axId val="194991432"/>
-        <c:scaling>
-          <c:orientation val="minMax"/>
-        </c:scaling>
-        <c:delete val="0"/>
-        <c:axPos val="b"/>
-        <c:numFmt formatCode="General" sourceLinked="0"/>
-        <c:majorTickMark val="out"/>
-        <c:minorTickMark val="none"/>
-        <c:tickLblPos val="nextTo"/>
-        <c:txPr>
-          <a:bodyPr/>
-          <a:lstStyle/>
-          <a:p>
-            <a:pPr>
-              <a:defRPr sz="1000" b="1">
-                <a:solidFill>
-                  <a:schemeClr val="tx1">
-                    <a:lumMod val="75000"/>
-                    <a:lumOff val="25000"/>
-                  </a:schemeClr>
-                </a:solidFill>
-              </a:defRPr>
-            </a:pPr>
-            <a:endParaRPr lang="pt-BR"/>
-          </a:p>
-        </c:txPr>
-        <c:crossAx val="235206440"/>
-        <c:crosses val="autoZero"/>
-        <c:auto val="1"/>
-        <c:lblAlgn val="ctr"/>
-        <c:lblOffset val="100"/>
-        <c:noMultiLvlLbl val="0"/>
-      </c:catAx>
-      <c:valAx>
-        <c:axId val="235206440"/>
-        <c:scaling>
-          <c:orientation val="minMax"/>
-          <c:max val="1"/>
-        </c:scaling>
-        <c:delete val="0"/>
-        <c:axPos val="l"/>
-        <c:majorGridlines>
-          <c:spPr>
-            <a:ln w="3175">
-              <a:solidFill>
-                <a:schemeClr val="bg1"/>
-              </a:solidFill>
-            </a:ln>
-          </c:spPr>
-        </c:majorGridlines>
-        <c:numFmt formatCode="0%" sourceLinked="1"/>
-        <c:majorTickMark val="out"/>
-        <c:minorTickMark val="none"/>
-        <c:tickLblPos val="nextTo"/>
-        <c:txPr>
-          <a:bodyPr/>
-          <a:lstStyle/>
-          <a:p>
-            <a:pPr>
-              <a:defRPr sz="1100" b="1" u="none">
-                <a:solidFill>
-                  <a:schemeClr val="tx1">
-                    <a:lumMod val="75000"/>
-                    <a:lumOff val="25000"/>
-                  </a:schemeClr>
-                </a:solidFill>
-              </a:defRPr>
-            </a:pPr>
-            <a:endParaRPr lang="pt-BR"/>
-          </a:p>
-        </c:txPr>
-        <c:crossAx val="194991432"/>
-        <c:crosses val="autoZero"/>
-        <c:crossBetween val="between"/>
-        <c:minorUnit val="0.25"/>
-      </c:valAx>
-    </c:plotArea>
-    <c:plotVisOnly val="1"/>
-    <c:dispBlanksAs val="gap"/>
-    <c:showDLblsOverMax val="0"/>
-  </c:chart>
-  <c:spPr>
-    <a:noFill/>
-    <a:ln>
-      <a:noFill/>
-    </a:ln>
-  </c:spPr>
-  <c:txPr>
-    <a:bodyPr/>
-    <a:lstStyle/>
-    <a:p>
-      <a:pPr>
-        <a:defRPr sz="1800"/>
-      </a:pPr>
-      <a:endParaRPr lang="pt-BR"/>
-    </a:p>
-  </c:txPr>
-  <c:externalData r:id="rId1">
-    <c:autoUpdate val="0"/>
-  </c:externalData>
-</c:chartSpace>
-</file>
-
 <file path=ppt/notesMasters/notesMaster1.xml><?xml version="1.0" encoding="utf-8"?>
 <p:notesMaster xmlns:a="http://schemas.openxmlformats.org/drawingml/2006/main" xmlns:r="http://schemas.openxmlformats.org/officeDocument/2006/relationships" xmlns:p="http://schemas.openxmlformats.org/presentationml/2006/main">
   <p:cSld>
@@ -3151,7 +2592,7 @@
     </p:spTree>
     <p:extLst>
       <p:ext uri="{BB962C8B-B14F-4D97-AF65-F5344CB8AC3E}">
-        <p14:creationId xmlns:p14="http://schemas.microsoft.com/office/powerpoint/2010/main" val="4198238942"/>
+        <p14:creationId xmlns:p14="http://schemas.microsoft.com/office/powerpoint/2010/main" val="3761129214"/>
       </p:ext>
     </p:extLst>
   </p:cSld>
@@ -3234,7 +2675,7 @@
               <a:pPr>
                 <a:defRPr/>
               </a:pPr>
-              <a:t>3</a:t>
+              <a:t>5</a:t>
             </a:fld>
             <a:endParaRPr lang="en-US" dirty="0"/>
           </a:p>
@@ -3243,7 +2684,7 @@
     </p:spTree>
     <p:extLst>
       <p:ext uri="{BB962C8B-B14F-4D97-AF65-F5344CB8AC3E}">
-        <p14:creationId xmlns:p14="http://schemas.microsoft.com/office/powerpoint/2010/main" val="3761129214"/>
+        <p14:creationId xmlns:p14="http://schemas.microsoft.com/office/powerpoint/2010/main" val="3336394692"/>
       </p:ext>
     </p:extLst>
   </p:cSld>
@@ -3326,99 +2767,7 @@
               <a:pPr>
                 <a:defRPr/>
               </a:pPr>
-              <a:t>6</a:t>
-            </a:fld>
-            <a:endParaRPr lang="en-US" dirty="0"/>
-          </a:p>
-        </p:txBody>
-      </p:sp>
-    </p:spTree>
-    <p:extLst>
-      <p:ext uri="{BB962C8B-B14F-4D97-AF65-F5344CB8AC3E}">
-        <p14:creationId xmlns:p14="http://schemas.microsoft.com/office/powerpoint/2010/main" val="3336394692"/>
-      </p:ext>
-    </p:extLst>
-  </p:cSld>
-  <p:clrMapOvr>
-    <a:masterClrMapping/>
-  </p:clrMapOvr>
-</p:notes>
-</file>
-
-<file path=ppt/notesSlides/notesSlide4.xml><?xml version="1.0" encoding="utf-8"?>
-<p:notes xmlns:a="http://schemas.openxmlformats.org/drawingml/2006/main" xmlns:r="http://schemas.openxmlformats.org/officeDocument/2006/relationships" xmlns:p="http://schemas.openxmlformats.org/presentationml/2006/main">
-  <p:cSld>
-    <p:spTree>
-      <p:nvGrpSpPr>
-        <p:cNvPr id="1" name=""/>
-        <p:cNvGrpSpPr/>
-        <p:nvPr/>
-      </p:nvGrpSpPr>
-      <p:grpSpPr>
-        <a:xfrm>
-          <a:off x="0" y="0"/>
-          <a:ext cx="0" cy="0"/>
-          <a:chOff x="0" y="0"/>
-          <a:chExt cx="0" cy="0"/>
-        </a:xfrm>
-      </p:grpSpPr>
-      <p:sp>
-        <p:nvSpPr>
-          <p:cNvPr id="2" name="Slide Image Placeholder 1"/>
-          <p:cNvSpPr>
-            <a:spLocks noGrp="1" noRot="1" noChangeAspect="1"/>
-          </p:cNvSpPr>
-          <p:nvPr>
-            <p:ph type="sldImg"/>
-          </p:nvPr>
-        </p:nvSpPr>
-        <p:spPr/>
-      </p:sp>
-      <p:sp>
-        <p:nvSpPr>
-          <p:cNvPr id="3" name="Notes Placeholder 2"/>
-          <p:cNvSpPr>
-            <a:spLocks noGrp="1"/>
-          </p:cNvSpPr>
-          <p:nvPr>
-            <p:ph type="body" idx="1"/>
-          </p:nvPr>
-        </p:nvSpPr>
-        <p:spPr/>
-        <p:txBody>
-          <a:bodyPr>
-            <a:normAutofit/>
-          </a:bodyPr>
-          <a:lstStyle/>
-          <a:p>
-            <a:endParaRPr lang="pt-BR" dirty="0"/>
-          </a:p>
-        </p:txBody>
-      </p:sp>
-      <p:sp>
-        <p:nvSpPr>
-          <p:cNvPr id="4" name="Slide Number Placeholder 3"/>
-          <p:cNvSpPr>
-            <a:spLocks noGrp="1"/>
-          </p:cNvSpPr>
-          <p:nvPr>
-            <p:ph type="sldNum" sz="quarter" idx="10"/>
-          </p:nvPr>
-        </p:nvSpPr>
-        <p:spPr/>
-        <p:txBody>
-          <a:bodyPr/>
-          <a:lstStyle/>
-          <a:p>
-            <a:pPr>
-              <a:defRPr/>
-            </a:pPr>
-            <a:fld id="{2A0CC662-5DB5-4754-8FFD-EC2D0D14F1C1}" type="slidenum">
-              <a:rPr lang="en-US" smtClean="0"/>
-              <a:pPr>
-                <a:defRPr/>
-              </a:pPr>
-              <a:t>8</a:t>
+              <a:t>7</a:t>
             </a:fld>
             <a:endParaRPr lang="en-US" dirty="0"/>
           </a:p>
@@ -3584,7 +2933,7 @@
               <a:pPr>
                 <a:defRPr/>
               </a:pPr>
-              <a:t>22/10/2018</a:t>
+              <a:t>08/01/2019</a:t>
             </a:fld>
             <a:endParaRPr lang="en-US" dirty="0"/>
           </a:p>
@@ -3737,7 +3086,7 @@
               <a:pPr>
                 <a:defRPr/>
               </a:pPr>
-              <a:t>22/10/2018</a:t>
+              <a:t>08/01/2019</a:t>
             </a:fld>
             <a:endParaRPr lang="en-US" dirty="0"/>
           </a:p>
@@ -3890,7 +3239,7 @@
               <a:pPr>
                 <a:defRPr/>
               </a:pPr>
-              <a:t>22/10/2018</a:t>
+              <a:t>08/01/2019</a:t>
             </a:fld>
             <a:endParaRPr lang="en-US" dirty="0"/>
           </a:p>
@@ -4121,7 +3470,7 @@
               <a:pPr>
                 <a:defRPr/>
               </a:pPr>
-              <a:t>22/10/2018</a:t>
+              <a:t>08/01/2019</a:t>
             </a:fld>
             <a:endParaRPr lang="en-US" dirty="0"/>
           </a:p>
@@ -5967,7 +5316,7 @@
               <a:pPr>
                 <a:defRPr/>
               </a:pPr>
-              <a:t>22/10/2018</a:t>
+              <a:t>08/01/2019</a:t>
             </a:fld>
             <a:endParaRPr lang="en-US" dirty="0"/>
           </a:p>
@@ -6302,7 +5651,7 @@
               <a:pPr>
                 <a:defRPr/>
               </a:pPr>
-              <a:t>22/10/2018</a:t>
+              <a:t>08/01/2019</a:t>
             </a:fld>
             <a:endParaRPr lang="en-US" dirty="0"/>
           </a:p>
@@ -6771,7 +6120,7 @@
               <a:pPr>
                 <a:defRPr/>
               </a:pPr>
-              <a:t>22/10/2018</a:t>
+              <a:t>08/01/2019</a:t>
             </a:fld>
             <a:endParaRPr lang="en-US" dirty="0"/>
           </a:p>
@@ -6908,7 +6257,7 @@
               <a:pPr>
                 <a:defRPr/>
               </a:pPr>
-              <a:t>22/10/2018</a:t>
+              <a:t>08/01/2019</a:t>
             </a:fld>
             <a:endParaRPr lang="en-US" dirty="0"/>
           </a:p>
@@ -7045,7 +6394,7 @@
               <a:pPr>
                 <a:defRPr/>
               </a:pPr>
-              <a:t>22/10/2018</a:t>
+              <a:t>08/01/2019</a:t>
             </a:fld>
             <a:endParaRPr lang="en-US" dirty="0"/>
           </a:p>
@@ -7365,7 +6714,7 @@
               <a:pPr>
                 <a:defRPr/>
               </a:pPr>
-              <a:t>22/10/2018</a:t>
+              <a:t>08/01/2019</a:t>
             </a:fld>
             <a:endParaRPr lang="en-US" dirty="0"/>
           </a:p>
@@ -7518,7 +6867,7 @@
               <a:pPr>
                 <a:defRPr/>
               </a:pPr>
-              <a:t>22/10/2018</a:t>
+              <a:t>08/01/2019</a:t>
             </a:fld>
             <a:endParaRPr lang="en-US" dirty="0"/>
           </a:p>
@@ -7816,7 +7165,7 @@
               <a:pPr>
                 <a:defRPr/>
               </a:pPr>
-              <a:t>22/10/2018</a:t>
+              <a:t>08/01/2019</a:t>
             </a:fld>
             <a:endParaRPr lang="en-US" dirty="0"/>
           </a:p>
@@ -8034,7 +7383,7 @@
               <a:pPr>
                 <a:defRPr/>
               </a:pPr>
-              <a:t>22/10/2018</a:t>
+              <a:t>08/01/2019</a:t>
             </a:fld>
             <a:endParaRPr lang="en-US" dirty="0"/>
           </a:p>
@@ -8257,7 +7606,7 @@
               <a:pPr>
                 <a:defRPr/>
               </a:pPr>
-              <a:t>22/10/2018</a:t>
+              <a:t>08/01/2019</a:t>
             </a:fld>
             <a:endParaRPr lang="en-US" dirty="0"/>
           </a:p>
@@ -8451,7 +7800,7 @@
             <a:fld id="{0999D346-AC00-4FF5-A4D7-EA7A7E25B927}" type="datetimeFigureOut">
               <a:rPr lang="pt-BR" smtClean="0"/>
               <a:pPr/>
-              <a:t>22/10/2018</a:t>
+              <a:t>08/01/2019</a:t>
             </a:fld>
             <a:endParaRPr lang="pt-BR"/>
           </a:p>
@@ -8621,7 +7970,7 @@
             <a:fld id="{0999D346-AC00-4FF5-A4D7-EA7A7E25B927}" type="datetimeFigureOut">
               <a:rPr lang="pt-BR" smtClean="0"/>
               <a:pPr/>
-              <a:t>22/10/2018</a:t>
+              <a:t>08/01/2019</a:t>
             </a:fld>
             <a:endParaRPr lang="pt-BR"/>
           </a:p>
@@ -8868,7 +8217,7 @@
             <a:fld id="{0999D346-AC00-4FF5-A4D7-EA7A7E25B927}" type="datetimeFigureOut">
               <a:rPr lang="pt-BR" smtClean="0"/>
               <a:pPr/>
-              <a:t>22/10/2018</a:t>
+              <a:t>08/01/2019</a:t>
             </a:fld>
             <a:endParaRPr lang="pt-BR"/>
           </a:p>
@@ -9155,7 +8504,7 @@
             <a:fld id="{0999D346-AC00-4FF5-A4D7-EA7A7E25B927}" type="datetimeFigureOut">
               <a:rPr lang="pt-BR" smtClean="0"/>
               <a:pPr/>
-              <a:t>22/10/2018</a:t>
+              <a:t>08/01/2019</a:t>
             </a:fld>
             <a:endParaRPr lang="pt-BR"/>
           </a:p>
@@ -9576,7 +8925,7 @@
             <a:fld id="{0999D346-AC00-4FF5-A4D7-EA7A7E25B927}" type="datetimeFigureOut">
               <a:rPr lang="pt-BR" smtClean="0"/>
               <a:pPr/>
-              <a:t>22/10/2018</a:t>
+              <a:t>08/01/2019</a:t>
             </a:fld>
             <a:endParaRPr lang="pt-BR"/>
           </a:p>
@@ -9695,7 +9044,7 @@
             <a:fld id="{0999D346-AC00-4FF5-A4D7-EA7A7E25B927}" type="datetimeFigureOut">
               <a:rPr lang="pt-BR" smtClean="0"/>
               <a:pPr/>
-              <a:t>22/10/2018</a:t>
+              <a:t>08/01/2019</a:t>
             </a:fld>
             <a:endParaRPr lang="pt-BR"/>
           </a:p>
@@ -9792,7 +9141,7 @@
             <a:fld id="{0999D346-AC00-4FF5-A4D7-EA7A7E25B927}" type="datetimeFigureOut">
               <a:rPr lang="pt-BR" smtClean="0"/>
               <a:pPr/>
-              <a:t>22/10/2018</a:t>
+              <a:t>08/01/2019</a:t>
             </a:fld>
             <a:endParaRPr lang="pt-BR"/>
           </a:p>
@@ -10006,7 +9355,7 @@
               <a:pPr>
                 <a:defRPr/>
               </a:pPr>
-              <a:t>22/10/2018</a:t>
+              <a:t>08/01/2019</a:t>
             </a:fld>
             <a:endParaRPr lang="en-US" dirty="0"/>
           </a:p>
@@ -10235,7 +9584,7 @@
             <a:fld id="{0999D346-AC00-4FF5-A4D7-EA7A7E25B927}" type="datetimeFigureOut">
               <a:rPr lang="pt-BR" smtClean="0"/>
               <a:pPr/>
-              <a:t>22/10/2018</a:t>
+              <a:t>08/01/2019</a:t>
             </a:fld>
             <a:endParaRPr lang="pt-BR"/>
           </a:p>
@@ -10489,7 +9838,7 @@
             <a:fld id="{0999D346-AC00-4FF5-A4D7-EA7A7E25B927}" type="datetimeFigureOut">
               <a:rPr lang="pt-BR" smtClean="0"/>
               <a:pPr/>
-              <a:t>22/10/2018</a:t>
+              <a:t>08/01/2019</a:t>
             </a:fld>
             <a:endParaRPr lang="pt-BR"/>
           </a:p>
@@ -10659,7 +10008,7 @@
             <a:fld id="{0999D346-AC00-4FF5-A4D7-EA7A7E25B927}" type="datetimeFigureOut">
               <a:rPr lang="pt-BR" smtClean="0"/>
               <a:pPr/>
-              <a:t>22/10/2018</a:t>
+              <a:t>08/01/2019</a:t>
             </a:fld>
             <a:endParaRPr lang="pt-BR"/>
           </a:p>
@@ -10839,7 +10188,7 @@
             <a:fld id="{0999D346-AC00-4FF5-A4D7-EA7A7E25B927}" type="datetimeFigureOut">
               <a:rPr lang="pt-BR" smtClean="0"/>
               <a:pPr/>
-              <a:t>22/10/2018</a:t>
+              <a:t>08/01/2019</a:t>
             </a:fld>
             <a:endParaRPr lang="pt-BR"/>
           </a:p>
@@ -11081,7 +10430,7 @@
             <a:fld id="{C95EB7A6-CB77-406D-831F-2B3E1B743D41}" type="datetimeFigureOut">
               <a:rPr lang="pt-BR" smtClean="0"/>
               <a:pPr/>
-              <a:t>22/10/2018</a:t>
+              <a:t>08/01/2019</a:t>
             </a:fld>
             <a:endParaRPr lang="pt-BR"/>
           </a:p>
@@ -11251,7 +10600,7 @@
             <a:fld id="{C95EB7A6-CB77-406D-831F-2B3E1B743D41}" type="datetimeFigureOut">
               <a:rPr lang="pt-BR" smtClean="0"/>
               <a:pPr/>
-              <a:t>22/10/2018</a:t>
+              <a:t>08/01/2019</a:t>
             </a:fld>
             <a:endParaRPr lang="pt-BR"/>
           </a:p>
@@ -11498,7 +10847,7 @@
             <a:fld id="{C95EB7A6-CB77-406D-831F-2B3E1B743D41}" type="datetimeFigureOut">
               <a:rPr lang="pt-BR" smtClean="0"/>
               <a:pPr/>
-              <a:t>22/10/2018</a:t>
+              <a:t>08/01/2019</a:t>
             </a:fld>
             <a:endParaRPr lang="pt-BR"/>
           </a:p>
@@ -11785,7 +11134,7 @@
             <a:fld id="{C95EB7A6-CB77-406D-831F-2B3E1B743D41}" type="datetimeFigureOut">
               <a:rPr lang="pt-BR" smtClean="0"/>
               <a:pPr/>
-              <a:t>22/10/2018</a:t>
+              <a:t>08/01/2019</a:t>
             </a:fld>
             <a:endParaRPr lang="pt-BR"/>
           </a:p>
@@ -12206,7 +11555,7 @@
             <a:fld id="{C95EB7A6-CB77-406D-831F-2B3E1B743D41}" type="datetimeFigureOut">
               <a:rPr lang="pt-BR" smtClean="0"/>
               <a:pPr/>
-              <a:t>22/10/2018</a:t>
+              <a:t>08/01/2019</a:t>
             </a:fld>
             <a:endParaRPr lang="pt-BR"/>
           </a:p>
@@ -12325,7 +11674,7 @@
             <a:fld id="{C95EB7A6-CB77-406D-831F-2B3E1B743D41}" type="datetimeFigureOut">
               <a:rPr lang="pt-BR" smtClean="0"/>
               <a:pPr/>
-              <a:t>22/10/2018</a:t>
+              <a:t>08/01/2019</a:t>
             </a:fld>
             <a:endParaRPr lang="pt-BR"/>
           </a:p>
@@ -12641,7 +11990,7 @@
               <a:pPr>
                 <a:defRPr/>
               </a:pPr>
-              <a:t>22/10/2018</a:t>
+              <a:t>08/01/2019</a:t>
             </a:fld>
             <a:endParaRPr lang="en-US" dirty="0"/>
           </a:p>
@@ -12690,7 +12039,7 @@
             <a:fld id="{C95EB7A6-CB77-406D-831F-2B3E1B743D41}" type="datetimeFigureOut">
               <a:rPr lang="pt-BR" smtClean="0"/>
               <a:pPr/>
-              <a:t>22/10/2018</a:t>
+              <a:t>08/01/2019</a:t>
             </a:fld>
             <a:endParaRPr lang="pt-BR"/>
           </a:p>
@@ -12967,7 +12316,7 @@
             <a:fld id="{C95EB7A6-CB77-406D-831F-2B3E1B743D41}" type="datetimeFigureOut">
               <a:rPr lang="pt-BR" smtClean="0"/>
               <a:pPr/>
-              <a:t>22/10/2018</a:t>
+              <a:t>08/01/2019</a:t>
             </a:fld>
             <a:endParaRPr lang="pt-BR"/>
           </a:p>
@@ -13221,7 +12570,7 @@
             <a:fld id="{C95EB7A6-CB77-406D-831F-2B3E1B743D41}" type="datetimeFigureOut">
               <a:rPr lang="pt-BR" smtClean="0"/>
               <a:pPr/>
-              <a:t>22/10/2018</a:t>
+              <a:t>08/01/2019</a:t>
             </a:fld>
             <a:endParaRPr lang="pt-BR"/>
           </a:p>
@@ -13391,7 +12740,7 @@
             <a:fld id="{C95EB7A6-CB77-406D-831F-2B3E1B743D41}" type="datetimeFigureOut">
               <a:rPr lang="pt-BR" smtClean="0"/>
               <a:pPr/>
-              <a:t>22/10/2018</a:t>
+              <a:t>08/01/2019</a:t>
             </a:fld>
             <a:endParaRPr lang="pt-BR"/>
           </a:p>
@@ -13571,7 +12920,7 @@
             <a:fld id="{C95EB7A6-CB77-406D-831F-2B3E1B743D41}" type="datetimeFigureOut">
               <a:rPr lang="pt-BR" smtClean="0"/>
               <a:pPr/>
-              <a:t>22/10/2018</a:t>
+              <a:t>08/01/2019</a:t>
             </a:fld>
             <a:endParaRPr lang="pt-BR"/>
           </a:p>
@@ -14027,7 +13376,7 @@
               <a:pPr>
                 <a:defRPr/>
               </a:pPr>
-              <a:t>22/10/2018</a:t>
+              <a:t>08/01/2019</a:t>
             </a:fld>
             <a:endParaRPr lang="en-US" dirty="0"/>
           </a:p>
@@ -14121,7 +13470,7 @@
               <a:pPr>
                 <a:defRPr/>
               </a:pPr>
-              <a:t>22/10/2018</a:t>
+              <a:t>08/01/2019</a:t>
             </a:fld>
             <a:endParaRPr lang="en-US" dirty="0"/>
           </a:p>
@@ -14185,7 +13534,7 @@
               <a:pPr>
                 <a:defRPr/>
               </a:pPr>
-              <a:t>22/10/2018</a:t>
+              <a:t>08/01/2019</a:t>
             </a:fld>
             <a:endParaRPr lang="en-US" dirty="0"/>
           </a:p>
@@ -14438,7 +13787,7 @@
               <a:pPr>
                 <a:defRPr/>
               </a:pPr>
-              <a:t>22/10/2018</a:t>
+              <a:t>08/01/2019</a:t>
             </a:fld>
             <a:endParaRPr lang="en-US" dirty="0"/>
           </a:p>
@@ -14669,7 +14018,7 @@
               <a:pPr>
                 <a:defRPr/>
               </a:pPr>
-              <a:t>22/10/2018</a:t>
+              <a:t>08/01/2019</a:t>
             </a:fld>
             <a:endParaRPr lang="en-US" dirty="0"/>
           </a:p>
@@ -14767,7 +14116,7 @@
               <a:pPr>
                 <a:defRPr/>
               </a:pPr>
-              <a:t>22/10/2018</a:t>
+              <a:t>08/01/2019</a:t>
             </a:fld>
             <a:endParaRPr lang="en-US" dirty="0"/>
           </a:p>
@@ -15305,7 +14654,7 @@
               <a:pPr>
                 <a:defRPr/>
               </a:pPr>
-              <a:t>22/10/2018</a:t>
+              <a:t>08/01/2019</a:t>
             </a:fld>
             <a:endParaRPr lang="en-US" dirty="0"/>
           </a:p>
@@ -15954,7 +15303,7 @@
             <a:fld id="{0999D346-AC00-4FF5-A4D7-EA7A7E25B927}" type="datetimeFigureOut">
               <a:rPr lang="pt-BR" smtClean="0"/>
               <a:pPr/>
-              <a:t>22/10/2018</a:t>
+              <a:t>08/01/2019</a:t>
             </a:fld>
             <a:endParaRPr lang="pt-BR"/>
           </a:p>
@@ -16464,7 +15813,7 @@
             <a:fld id="{C95EB7A6-CB77-406D-831F-2B3E1B743D41}" type="datetimeFigureOut">
               <a:rPr lang="pt-BR" smtClean="0"/>
               <a:pPr/>
-              <a:t>22/10/2018</a:t>
+              <a:t>08/01/2019</a:t>
             </a:fld>
             <a:endParaRPr lang="pt-BR"/>
           </a:p>
@@ -17327,7 +16676,7 @@
                 <a:latin typeface="Arial" pitchFamily="34" charset="0"/>
                 <a:cs typeface="Arial" pitchFamily="34" charset="0"/>
               </a:rPr>
-              <a:t>Atualização: 15 /out -  19/out</a:t>
+              <a:t>Concluídos</a:t>
             </a:r>
           </a:p>
         </p:txBody>
@@ -17341,4420 +16690,6 @@
 </file>
 
 <file path=ppt/slides/slide2.xml><?xml version="1.0" encoding="utf-8"?>
-<p:sld xmlns:a="http://schemas.openxmlformats.org/drawingml/2006/main" xmlns:r="http://schemas.openxmlformats.org/officeDocument/2006/relationships" xmlns:p="http://schemas.openxmlformats.org/presentationml/2006/main">
-  <p:cSld>
-    <p:spTree>
-      <p:nvGrpSpPr>
-        <p:cNvPr id="1" name=""/>
-        <p:cNvGrpSpPr/>
-        <p:nvPr/>
-      </p:nvGrpSpPr>
-      <p:grpSpPr>
-        <a:xfrm>
-          <a:off x="0" y="0"/>
-          <a:ext cx="0" cy="0"/>
-          <a:chOff x="0" y="0"/>
-          <a:chExt cx="0" cy="0"/>
-        </a:xfrm>
-      </p:grpSpPr>
-      <p:sp>
-        <p:nvSpPr>
-          <p:cNvPr id="10" name="Retângulo de cantos arredondados 9"/>
-          <p:cNvSpPr/>
-          <p:nvPr/>
-        </p:nvSpPr>
-        <p:spPr>
-          <a:xfrm>
-            <a:off x="142843" y="1096097"/>
-            <a:ext cx="8858312" cy="4857784"/>
-          </a:xfrm>
-          <a:prstGeom prst="roundRect">
-            <a:avLst>
-              <a:gd name="adj" fmla="val 1765"/>
-            </a:avLst>
-          </a:prstGeom>
-          <a:solidFill>
-            <a:schemeClr val="bg2">
-              <a:lumMod val="75000"/>
-            </a:schemeClr>
-          </a:solidFill>
-          <a:ln>
-            <a:noFill/>
-            <a:headEnd/>
-            <a:tailEnd/>
-          </a:ln>
-        </p:spPr>
-        <p:style>
-          <a:lnRef idx="1">
-            <a:schemeClr val="accent1"/>
-          </a:lnRef>
-          <a:fillRef idx="2">
-            <a:schemeClr val="accent1"/>
-          </a:fillRef>
-          <a:effectRef idx="1">
-            <a:schemeClr val="accent1"/>
-          </a:effectRef>
-          <a:fontRef idx="minor">
-            <a:schemeClr val="dk1"/>
-          </a:fontRef>
-        </p:style>
-        <p:txBody>
-          <a:bodyPr anchor="t"/>
-          <a:lstStyle/>
-          <a:p>
-            <a:pPr>
-              <a:spcBef>
-                <a:spcPct val="50000"/>
-              </a:spcBef>
-              <a:defRPr/>
-            </a:pPr>
-            <a:endParaRPr lang="pt-BR" sz="1200" b="1" dirty="0">
-              <a:solidFill>
-                <a:schemeClr val="bg1"/>
-              </a:solidFill>
-              <a:latin typeface="Arial" pitchFamily="34" charset="0"/>
-              <a:cs typeface="Arial" pitchFamily="34" charset="0"/>
-            </a:endParaRPr>
-          </a:p>
-        </p:txBody>
-      </p:sp>
-      <p:sp>
-        <p:nvSpPr>
-          <p:cNvPr id="12" name="Retângulo de cantos arredondados 11">
-            <a:hlinkClick r:id="" action="ppaction://customshow?id=10&amp;return=true"/>
-          </p:cNvPr>
-          <p:cNvSpPr/>
-          <p:nvPr/>
-        </p:nvSpPr>
-        <p:spPr>
-          <a:xfrm>
-            <a:off x="214281" y="1250950"/>
-            <a:ext cx="8715437" cy="1054368"/>
-          </a:xfrm>
-          <a:prstGeom prst="roundRect">
-            <a:avLst>
-              <a:gd name="adj" fmla="val 3717"/>
-            </a:avLst>
-          </a:prstGeom>
-          <a:ln>
-            <a:noFill/>
-            <a:headEnd/>
-            <a:tailEnd/>
-          </a:ln>
-          <a:effectLst>
-            <a:outerShdw blurRad="50800" dist="38100" dir="2700000" algn="tl" rotWithShape="0">
-              <a:prstClr val="black">
-                <a:alpha val="40000"/>
-              </a:prstClr>
-            </a:outerShdw>
-          </a:effectLst>
-        </p:spPr>
-        <p:style>
-          <a:lnRef idx="2">
-            <a:schemeClr val="accent1"/>
-          </a:lnRef>
-          <a:fillRef idx="1">
-            <a:schemeClr val="lt1"/>
-          </a:fillRef>
-          <a:effectRef idx="0">
-            <a:schemeClr val="accent1"/>
-          </a:effectRef>
-          <a:fontRef idx="minor">
-            <a:schemeClr val="dk1"/>
-          </a:fontRef>
-        </p:style>
-        <p:txBody>
-          <a:bodyPr anchor="t"/>
-          <a:lstStyle/>
-          <a:p>
-            <a:pPr algn="ctr">
-              <a:spcBef>
-                <a:spcPct val="50000"/>
-              </a:spcBef>
-              <a:defRPr/>
-            </a:pPr>
-            <a:r>
-              <a:rPr lang="pt-BR" sz="2000" b="1" dirty="0">
-                <a:solidFill>
-                  <a:schemeClr val="tx1">
-                    <a:lumMod val="75000"/>
-                    <a:lumOff val="25000"/>
-                  </a:schemeClr>
-                </a:solidFill>
-                <a:latin typeface="Arial" pitchFamily="34" charset="0"/>
-                <a:cs typeface="Arial" pitchFamily="34" charset="0"/>
-              </a:rPr>
-              <a:t>Gráfico de projetos geral</a:t>
-            </a:r>
-            <a:endParaRPr lang="pt-BR" sz="1600" b="1" dirty="0">
-              <a:solidFill>
-                <a:schemeClr val="tx1"/>
-              </a:solidFill>
-              <a:latin typeface="Arial" pitchFamily="34" charset="0"/>
-              <a:cs typeface="Arial" pitchFamily="34" charset="0"/>
-            </a:endParaRPr>
-          </a:p>
-        </p:txBody>
-      </p:sp>
-      <p:sp>
-        <p:nvSpPr>
-          <p:cNvPr id="13" name="Retângulo de cantos arredondados 12"/>
-          <p:cNvSpPr/>
-          <p:nvPr/>
-        </p:nvSpPr>
-        <p:spPr>
-          <a:xfrm>
-            <a:off x="5929322" y="2381981"/>
-            <a:ext cx="3000396" cy="3571900"/>
-          </a:xfrm>
-          <a:prstGeom prst="roundRect">
-            <a:avLst>
-              <a:gd name="adj" fmla="val 1967"/>
-            </a:avLst>
-          </a:prstGeom>
-          <a:ln>
-            <a:noFill/>
-            <a:headEnd/>
-            <a:tailEnd/>
-          </a:ln>
-          <a:effectLst>
-            <a:outerShdw blurRad="50800" dist="38100" dir="2700000" algn="tl" rotWithShape="0">
-              <a:prstClr val="black">
-                <a:alpha val="40000"/>
-              </a:prstClr>
-            </a:outerShdw>
-          </a:effectLst>
-        </p:spPr>
-        <p:style>
-          <a:lnRef idx="2">
-            <a:schemeClr val="accent1"/>
-          </a:lnRef>
-          <a:fillRef idx="1">
-            <a:schemeClr val="lt1"/>
-          </a:fillRef>
-          <a:effectRef idx="0">
-            <a:schemeClr val="accent1"/>
-          </a:effectRef>
-          <a:fontRef idx="minor">
-            <a:schemeClr val="dk1"/>
-          </a:fontRef>
-        </p:style>
-        <p:txBody>
-          <a:bodyPr anchor="t"/>
-          <a:lstStyle/>
-          <a:p>
-            <a:pPr>
-              <a:spcBef>
-                <a:spcPct val="50000"/>
-              </a:spcBef>
-              <a:defRPr/>
-            </a:pPr>
-            <a:r>
-              <a:rPr lang="pt-BR" sz="1200" b="1" dirty="0">
-                <a:solidFill>
-                  <a:schemeClr val="tx1">
-                    <a:lumMod val="75000"/>
-                    <a:lumOff val="25000"/>
-                  </a:schemeClr>
-                </a:solidFill>
-                <a:latin typeface="Arial" pitchFamily="34" charset="0"/>
-                <a:cs typeface="Arial" pitchFamily="34" charset="0"/>
-              </a:rPr>
-              <a:t>Gráfico de Acompanhamento</a:t>
-            </a:r>
-          </a:p>
-        </p:txBody>
-      </p:sp>
-      <p:graphicFrame>
-        <p:nvGraphicFramePr>
-          <p:cNvPr id="36" name="Gráfico 35"/>
-          <p:cNvGraphicFramePr/>
-          <p:nvPr>
-            <p:extLst>
-              <p:ext uri="{D42A27DB-BD31-4B8C-83A1-F6EECF244321}">
-                <p14:modId xmlns:p14="http://schemas.microsoft.com/office/powerpoint/2010/main" val="1758085631"/>
-              </p:ext>
-            </p:extLst>
-          </p:nvPr>
-        </p:nvGraphicFramePr>
-        <p:xfrm>
-          <a:off x="5962650" y="2654300"/>
-          <a:ext cx="2889250" cy="3333750"/>
-        </p:xfrm>
-        <a:graphic>
-          <a:graphicData uri="http://schemas.openxmlformats.org/drawingml/2006/chart">
-            <c:chart xmlns:c="http://schemas.openxmlformats.org/drawingml/2006/chart" xmlns:r="http://schemas.openxmlformats.org/officeDocument/2006/relationships" r:id="rId3"/>
-          </a:graphicData>
-        </a:graphic>
-      </p:graphicFrame>
-      <p:sp>
-        <p:nvSpPr>
-          <p:cNvPr id="33" name="CaixaDeTexto 32"/>
-          <p:cNvSpPr txBox="1"/>
-          <p:nvPr/>
-        </p:nvSpPr>
-        <p:spPr bwMode="auto">
-          <a:xfrm>
-            <a:off x="2733675" y="6309444"/>
-            <a:ext cx="1343025" cy="215900"/>
-          </a:xfrm>
-          <a:prstGeom prst="rect">
-            <a:avLst/>
-          </a:prstGeom>
-          <a:noFill/>
-        </p:spPr>
-        <p:txBody>
-          <a:bodyPr wrap="none">
-            <a:spAutoFit/>
-          </a:bodyPr>
-          <a:lstStyle/>
-          <a:p>
-            <a:pPr>
-              <a:defRPr/>
-            </a:pPr>
-            <a:r>
-              <a:rPr lang="pt-BR" sz="800" dirty="0">
-                <a:solidFill>
-                  <a:schemeClr val="tx1">
-                    <a:lumMod val="75000"/>
-                    <a:lumOff val="25000"/>
-                  </a:schemeClr>
-                </a:solidFill>
-              </a:rPr>
-              <a:t>Algum atraso identificado</a:t>
-            </a:r>
-          </a:p>
-        </p:txBody>
-      </p:sp>
-      <p:sp>
-        <p:nvSpPr>
-          <p:cNvPr id="34" name="CaixaDeTexto 33"/>
-          <p:cNvSpPr txBox="1"/>
-          <p:nvPr/>
-        </p:nvSpPr>
-        <p:spPr bwMode="auto">
-          <a:xfrm>
-            <a:off x="459011" y="6595888"/>
-            <a:ext cx="1736725" cy="215900"/>
-          </a:xfrm>
-          <a:prstGeom prst="rect">
-            <a:avLst/>
-          </a:prstGeom>
-          <a:noFill/>
-        </p:spPr>
-        <p:txBody>
-          <a:bodyPr wrap="none">
-            <a:spAutoFit/>
-          </a:bodyPr>
-          <a:lstStyle/>
-          <a:p>
-            <a:pPr>
-              <a:defRPr/>
-            </a:pPr>
-            <a:r>
-              <a:rPr lang="pt-BR" sz="800" dirty="0">
-                <a:solidFill>
-                  <a:schemeClr val="tx1">
-                    <a:lumMod val="75000"/>
-                    <a:lumOff val="25000"/>
-                  </a:schemeClr>
-                </a:solidFill>
-              </a:rPr>
-              <a:t>Em dia ou sem atraso significativo</a:t>
-            </a:r>
-          </a:p>
-        </p:txBody>
-      </p:sp>
-      <p:sp>
-        <p:nvSpPr>
-          <p:cNvPr id="35" name="CaixaDeTexto 34"/>
-          <p:cNvSpPr txBox="1"/>
-          <p:nvPr/>
-        </p:nvSpPr>
-        <p:spPr bwMode="auto">
-          <a:xfrm>
-            <a:off x="2733675" y="6595888"/>
-            <a:ext cx="1624013" cy="215900"/>
-          </a:xfrm>
-          <a:prstGeom prst="rect">
-            <a:avLst/>
-          </a:prstGeom>
-          <a:noFill/>
-        </p:spPr>
-        <p:txBody>
-          <a:bodyPr wrap="none">
-            <a:spAutoFit/>
-          </a:bodyPr>
-          <a:lstStyle/>
-          <a:p>
-            <a:pPr>
-              <a:defRPr/>
-            </a:pPr>
-            <a:r>
-              <a:rPr lang="pt-BR" sz="800" dirty="0">
-                <a:solidFill>
-                  <a:schemeClr val="tx1">
-                    <a:lumMod val="75000"/>
-                    <a:lumOff val="25000"/>
-                  </a:schemeClr>
-                </a:solidFill>
-              </a:rPr>
-              <a:t>Atraso significativo identificado</a:t>
-            </a:r>
-          </a:p>
-        </p:txBody>
-      </p:sp>
-      <p:sp>
-        <p:nvSpPr>
-          <p:cNvPr id="38" name="CaixaDeTexto 37"/>
-          <p:cNvSpPr txBox="1"/>
-          <p:nvPr/>
-        </p:nvSpPr>
-        <p:spPr bwMode="auto">
-          <a:xfrm>
-            <a:off x="444724" y="6309444"/>
-            <a:ext cx="649287" cy="215900"/>
-          </a:xfrm>
-          <a:prstGeom prst="rect">
-            <a:avLst/>
-          </a:prstGeom>
-          <a:noFill/>
-        </p:spPr>
-        <p:txBody>
-          <a:bodyPr wrap="none">
-            <a:spAutoFit/>
-          </a:bodyPr>
-          <a:lstStyle/>
-          <a:p>
-            <a:pPr>
-              <a:defRPr/>
-            </a:pPr>
-            <a:r>
-              <a:rPr lang="pt-BR" sz="800" dirty="0">
-                <a:solidFill>
-                  <a:schemeClr val="tx1">
-                    <a:lumMod val="75000"/>
-                    <a:lumOff val="25000"/>
-                  </a:schemeClr>
-                </a:solidFill>
-              </a:rPr>
-              <a:t>Concluído</a:t>
-            </a:r>
-          </a:p>
-        </p:txBody>
-      </p:sp>
-      <p:pic>
-        <p:nvPicPr>
-          <p:cNvPr id="39" name="Picture 4" descr="D:\JrMachado\ID2\ID2\MGP\Imagens\sphereGreen.png"/>
-          <p:cNvPicPr>
-            <a:picLocks noChangeAspect="1" noChangeArrowheads="1"/>
-          </p:cNvPicPr>
-          <p:nvPr/>
-        </p:nvPicPr>
-        <p:blipFill>
-          <a:blip r:embed="rId4" cstate="print">
-            <a:extLst>
-              <a:ext uri="{28A0092B-C50C-407E-A947-70E740481C1C}">
-                <a14:useLocalDpi xmlns:a14="http://schemas.microsoft.com/office/drawing/2010/main" val="0"/>
-              </a:ext>
-            </a:extLst>
-          </a:blip>
-          <a:srcRect/>
-          <a:stretch>
-            <a:fillRect/>
-          </a:stretch>
-        </p:blipFill>
-        <p:spPr bwMode="auto">
-          <a:xfrm>
-            <a:off x="251520" y="6597352"/>
-            <a:ext cx="216000" cy="216000"/>
-          </a:xfrm>
-          <a:prstGeom prst="rect">
-            <a:avLst/>
-          </a:prstGeom>
-          <a:noFill/>
-          <a:extLst>
-            <a:ext uri="{909E8E84-426E-40DD-AFC4-6F175D3DCCD1}">
-              <a14:hiddenFill xmlns:a14="http://schemas.microsoft.com/office/drawing/2010/main">
-                <a:solidFill>
-                  <a:srgbClr val="FFFFFF"/>
-                </a:solidFill>
-              </a14:hiddenFill>
-            </a:ext>
-          </a:extLst>
-        </p:spPr>
-      </p:pic>
-      <p:pic>
-        <p:nvPicPr>
-          <p:cNvPr id="40" name="Picture 5" descr="D:\JrMachado\ID2\ID2\MGP\Imagens\sphereRed.png"/>
-          <p:cNvPicPr>
-            <a:picLocks noChangeAspect="1" noChangeArrowheads="1"/>
-          </p:cNvPicPr>
-          <p:nvPr/>
-        </p:nvPicPr>
-        <p:blipFill>
-          <a:blip r:embed="rId5" cstate="print">
-            <a:extLst>
-              <a:ext uri="{28A0092B-C50C-407E-A947-70E740481C1C}">
-                <a14:useLocalDpi xmlns:a14="http://schemas.microsoft.com/office/drawing/2010/main" val="0"/>
-              </a:ext>
-            </a:extLst>
-          </a:blip>
-          <a:srcRect/>
-          <a:stretch>
-            <a:fillRect/>
-          </a:stretch>
-        </p:blipFill>
-        <p:spPr bwMode="auto">
-          <a:xfrm>
-            <a:off x="2555776" y="6606152"/>
-            <a:ext cx="216000" cy="216000"/>
-          </a:xfrm>
-          <a:prstGeom prst="rect">
-            <a:avLst/>
-          </a:prstGeom>
-          <a:noFill/>
-          <a:extLst>
-            <a:ext uri="{909E8E84-426E-40DD-AFC4-6F175D3DCCD1}">
-              <a14:hiddenFill xmlns:a14="http://schemas.microsoft.com/office/drawing/2010/main">
-                <a:solidFill>
-                  <a:srgbClr val="FFFFFF"/>
-                </a:solidFill>
-              </a14:hiddenFill>
-            </a:ext>
-          </a:extLst>
-        </p:spPr>
-      </p:pic>
-      <p:pic>
-        <p:nvPicPr>
-          <p:cNvPr id="41" name="Picture 9" descr="D:\JrMachado\ID2\ID2\MGP\Imagens\sphereYellow.png"/>
-          <p:cNvPicPr>
-            <a:picLocks noChangeAspect="1" noChangeArrowheads="1"/>
-          </p:cNvPicPr>
-          <p:nvPr/>
-        </p:nvPicPr>
-        <p:blipFill>
-          <a:blip r:embed="rId6" cstate="print">
-            <a:extLst>
-              <a:ext uri="{28A0092B-C50C-407E-A947-70E740481C1C}">
-                <a14:useLocalDpi xmlns:a14="http://schemas.microsoft.com/office/drawing/2010/main" val="0"/>
-              </a:ext>
-            </a:extLst>
-          </a:blip>
-          <a:srcRect/>
-          <a:stretch>
-            <a:fillRect/>
-          </a:stretch>
-        </p:blipFill>
-        <p:spPr bwMode="auto">
-          <a:xfrm>
-            <a:off x="2555776" y="6309320"/>
-            <a:ext cx="216000" cy="216000"/>
-          </a:xfrm>
-          <a:prstGeom prst="rect">
-            <a:avLst/>
-          </a:prstGeom>
-          <a:noFill/>
-          <a:extLst>
-            <a:ext uri="{909E8E84-426E-40DD-AFC4-6F175D3DCCD1}">
-              <a14:hiddenFill xmlns:a14="http://schemas.microsoft.com/office/drawing/2010/main">
-                <a:solidFill>
-                  <a:srgbClr val="FFFFFF"/>
-                </a:solidFill>
-              </a14:hiddenFill>
-            </a:ext>
-          </a:extLst>
-        </p:spPr>
-      </p:pic>
-      <p:pic>
-        <p:nvPicPr>
-          <p:cNvPr id="42" name="Picture 2" descr="D:\JrMachado\ID2\ID2\MGP\Imagens\confirm.png"/>
-          <p:cNvPicPr>
-            <a:picLocks noChangeAspect="1" noChangeArrowheads="1"/>
-          </p:cNvPicPr>
-          <p:nvPr/>
-        </p:nvPicPr>
-        <p:blipFill>
-          <a:blip r:embed="rId7" cstate="print">
-            <a:extLst>
-              <a:ext uri="{28A0092B-C50C-407E-A947-70E740481C1C}">
-                <a14:useLocalDpi xmlns:a14="http://schemas.microsoft.com/office/drawing/2010/main" val="0"/>
-              </a:ext>
-            </a:extLst>
-          </a:blip>
-          <a:srcRect/>
-          <a:stretch>
-            <a:fillRect/>
-          </a:stretch>
-        </p:blipFill>
-        <p:spPr bwMode="auto">
-          <a:xfrm>
-            <a:off x="251520" y="6309320"/>
-            <a:ext cx="252000" cy="216000"/>
-          </a:xfrm>
-          <a:prstGeom prst="rect">
-            <a:avLst/>
-          </a:prstGeom>
-          <a:noFill/>
-          <a:extLst>
-            <a:ext uri="{909E8E84-426E-40DD-AFC4-6F175D3DCCD1}">
-              <a14:hiddenFill xmlns:a14="http://schemas.microsoft.com/office/drawing/2010/main">
-                <a:solidFill>
-                  <a:srgbClr val="FFFFFF"/>
-                </a:solidFill>
-              </a14:hiddenFill>
-            </a:ext>
-          </a:extLst>
-        </p:spPr>
-      </p:pic>
-      <p:sp>
-        <p:nvSpPr>
-          <p:cNvPr id="44" name="Retângulo de cantos arredondados 43"/>
-          <p:cNvSpPr/>
-          <p:nvPr/>
-        </p:nvSpPr>
-        <p:spPr>
-          <a:xfrm>
-            <a:off x="218942" y="2392245"/>
-            <a:ext cx="5638943" cy="3571900"/>
-          </a:xfrm>
-          <a:prstGeom prst="roundRect">
-            <a:avLst>
-              <a:gd name="adj" fmla="val 1966"/>
-            </a:avLst>
-          </a:prstGeom>
-          <a:ln>
-            <a:noFill/>
-            <a:headEnd/>
-            <a:tailEnd/>
-          </a:ln>
-          <a:effectLst>
-            <a:outerShdw blurRad="50800" dist="38100" dir="2700000" algn="tl" rotWithShape="0">
-              <a:prstClr val="black">
-                <a:alpha val="40000"/>
-              </a:prstClr>
-            </a:outerShdw>
-          </a:effectLst>
-        </p:spPr>
-        <p:style>
-          <a:lnRef idx="2">
-            <a:schemeClr val="accent1"/>
-          </a:lnRef>
-          <a:fillRef idx="1">
-            <a:schemeClr val="lt1"/>
-          </a:fillRef>
-          <a:effectRef idx="0">
-            <a:schemeClr val="accent1"/>
-          </a:effectRef>
-          <a:fontRef idx="minor">
-            <a:schemeClr val="dk1"/>
-          </a:fontRef>
-        </p:style>
-        <p:txBody>
-          <a:bodyPr anchor="t"/>
-          <a:lstStyle/>
-          <a:p>
-            <a:pPr>
-              <a:spcBef>
-                <a:spcPct val="50000"/>
-              </a:spcBef>
-              <a:defRPr/>
-            </a:pPr>
-            <a:r>
-              <a:rPr lang="pt-BR" sz="1200" b="1" dirty="0">
-                <a:solidFill>
-                  <a:schemeClr val="tx1">
-                    <a:lumMod val="75000"/>
-                    <a:lumOff val="25000"/>
-                  </a:schemeClr>
-                </a:solidFill>
-                <a:latin typeface="Arial" pitchFamily="34" charset="0"/>
-                <a:cs typeface="Arial" pitchFamily="34" charset="0"/>
-              </a:rPr>
-              <a:t>   </a:t>
-            </a:r>
-          </a:p>
-        </p:txBody>
-      </p:sp>
-      <p:graphicFrame>
-        <p:nvGraphicFramePr>
-          <p:cNvPr id="43" name="Tabela 42"/>
-          <p:cNvGraphicFramePr>
-            <a:graphicFrameLocks noGrp="1"/>
-          </p:cNvGraphicFramePr>
-          <p:nvPr>
-            <p:extLst>
-              <p:ext uri="{D42A27DB-BD31-4B8C-83A1-F6EECF244321}">
-                <p14:modId xmlns:p14="http://schemas.microsoft.com/office/powerpoint/2010/main" val="3461678019"/>
-              </p:ext>
-            </p:extLst>
-          </p:nvPr>
-        </p:nvGraphicFramePr>
-        <p:xfrm>
-          <a:off x="245773" y="2431541"/>
-          <a:ext cx="5516214" cy="3382725"/>
-        </p:xfrm>
-        <a:graphic>
-          <a:graphicData uri="http://schemas.openxmlformats.org/drawingml/2006/table">
-            <a:tbl>
-              <a:tblPr firstRow="1" bandRow="1">
-                <a:tableStyleId>{E8034E78-7F5D-4C2E-B375-FC64B27BC917}</a:tableStyleId>
-              </a:tblPr>
-              <a:tblGrid>
-                <a:gridCol w="3786167">
-                  <a:extLst>
-                    <a:ext uri="{9D8B030D-6E8A-4147-A177-3AD203B41FA5}">
-                      <a16:colId xmlns:a16="http://schemas.microsoft.com/office/drawing/2014/main" val="20000"/>
-                    </a:ext>
-                  </a:extLst>
-                </a:gridCol>
-                <a:gridCol w="225025">
-                  <a:extLst>
-                    <a:ext uri="{9D8B030D-6E8A-4147-A177-3AD203B41FA5}">
-                      <a16:colId xmlns:a16="http://schemas.microsoft.com/office/drawing/2014/main" val="20001"/>
-                    </a:ext>
-                  </a:extLst>
-                </a:gridCol>
-                <a:gridCol w="945105">
-                  <a:extLst>
-                    <a:ext uri="{9D8B030D-6E8A-4147-A177-3AD203B41FA5}">
-                      <a16:colId xmlns:a16="http://schemas.microsoft.com/office/drawing/2014/main" val="20002"/>
-                    </a:ext>
-                  </a:extLst>
-                </a:gridCol>
-                <a:gridCol w="559917">
-                  <a:extLst>
-                    <a:ext uri="{9D8B030D-6E8A-4147-A177-3AD203B41FA5}">
-                      <a16:colId xmlns:a16="http://schemas.microsoft.com/office/drawing/2014/main" val="20003"/>
-                    </a:ext>
-                  </a:extLst>
-                </a:gridCol>
-              </a:tblGrid>
-              <a:tr h="323385">
-                <a:tc>
-                  <a:txBody>
-                    <a:bodyPr/>
-                    <a:lstStyle/>
-                    <a:p>
-                      <a:pPr marL="0" marR="0" lvl="0" indent="0" algn="ctr" defTabSz="914400" rtl="0" eaLnBrk="1" fontAlgn="base" latinLnBrk="0" hangingPunct="1">
-                        <a:lnSpc>
-                          <a:spcPct val="100000"/>
-                        </a:lnSpc>
-                        <a:spcBef>
-                          <a:spcPct val="0"/>
-                        </a:spcBef>
-                        <a:spcAft>
-                          <a:spcPct val="0"/>
-                        </a:spcAft>
-                        <a:buClrTx/>
-                        <a:buSzTx/>
-                        <a:buFontTx/>
-                        <a:buNone/>
-                        <a:tabLst/>
-                      </a:pPr>
-                      <a:r>
-                        <a:rPr lang="pt-BR" sz="1000" kern="1200" baseline="0" dirty="0">
-                          <a:effectLst/>
-                          <a:latin typeface="Verdana" pitchFamily="34" charset="0"/>
-                          <a:ea typeface="Verdana" pitchFamily="34" charset="0"/>
-                          <a:cs typeface="Verdana" pitchFamily="34" charset="0"/>
-                        </a:rPr>
-                        <a:t>  </a:t>
-                      </a:r>
-                      <a:endParaRPr lang="pt-BR" sz="1000" b="1" kern="1200" dirty="0">
-                        <a:solidFill>
-                          <a:schemeClr val="bg1"/>
-                        </a:solidFill>
-                        <a:effectLst/>
-                        <a:latin typeface="Verdana" pitchFamily="34" charset="0"/>
-                        <a:ea typeface="Verdana" pitchFamily="34" charset="0"/>
-                        <a:cs typeface="Verdana" pitchFamily="34" charset="0"/>
-                      </a:endParaRPr>
-                    </a:p>
-                  </a:txBody>
-                  <a:tcPr anchor="ctr" horzOverflow="overflow">
-                    <a:lnL>
-                      <a:noFill/>
-                    </a:lnL>
-                    <a:lnR w="3175" cap="flat" cmpd="sng" algn="ctr">
-                      <a:solidFill>
-                        <a:schemeClr val="bg2"/>
-                      </a:solidFill>
-                      <a:prstDash val="solid"/>
-                      <a:round/>
-                      <a:headEnd type="none" w="med" len="med"/>
-                      <a:tailEnd type="none" w="med" len="med"/>
-                    </a:lnR>
-                    <a:lnT>
-                      <a:noFill/>
-                    </a:lnT>
-                    <a:lnB w="3175" cap="flat" cmpd="sng" algn="ctr">
-                      <a:solidFill>
-                        <a:schemeClr val="bg2"/>
-                      </a:solidFill>
-                      <a:prstDash val="solid"/>
-                      <a:round/>
-                      <a:headEnd type="none" w="med" len="med"/>
-                      <a:tailEnd type="none" w="med" len="med"/>
-                    </a:lnB>
-                    <a:lnTlToBr w="12700" cmpd="sng">
-                      <a:noFill/>
-                      <a:prstDash val="solid"/>
-                    </a:lnTlToBr>
-                    <a:lnBlToTr w="12700" cmpd="sng">
-                      <a:noFill/>
-                      <a:prstDash val="solid"/>
-                    </a:lnBlToTr>
-                    <a:solidFill>
-                      <a:schemeClr val="bg2">
-                        <a:lumMod val="50000"/>
-                      </a:schemeClr>
-                    </a:solidFill>
-                  </a:tcPr>
-                </a:tc>
-                <a:tc>
-                  <a:txBody>
-                    <a:bodyPr/>
-                    <a:lstStyle/>
-                    <a:p>
-                      <a:pPr marL="0" marR="0" lvl="0" indent="0" algn="r" defTabSz="914400" rtl="0" eaLnBrk="1" fontAlgn="base" latinLnBrk="0" hangingPunct="1">
-                        <a:lnSpc>
-                          <a:spcPct val="100000"/>
-                        </a:lnSpc>
-                        <a:spcBef>
-                          <a:spcPct val="0"/>
-                        </a:spcBef>
-                        <a:spcAft>
-                          <a:spcPct val="0"/>
-                        </a:spcAft>
-                        <a:buClrTx/>
-                        <a:buSzTx/>
-                        <a:buFontTx/>
-                        <a:buNone/>
-                        <a:tabLst/>
-                      </a:pPr>
-                      <a:endParaRPr lang="pt-BR" sz="1000" b="1" kern="1200" dirty="0">
-                        <a:solidFill>
-                          <a:schemeClr val="bg1"/>
-                        </a:solidFill>
-                        <a:effectLst/>
-                        <a:latin typeface="Verdana" pitchFamily="34" charset="0"/>
-                        <a:ea typeface="Verdana" pitchFamily="34" charset="0"/>
-                        <a:cs typeface="Verdana" pitchFamily="34" charset="0"/>
-                      </a:endParaRPr>
-                    </a:p>
-                  </a:txBody>
-                  <a:tcPr anchor="ctr" horzOverflow="overflow">
-                    <a:lnL w="3175" cap="flat" cmpd="sng" algn="ctr">
-                      <a:solidFill>
-                        <a:schemeClr val="bg2"/>
-                      </a:solidFill>
-                      <a:prstDash val="solid"/>
-                      <a:round/>
-                      <a:headEnd type="none" w="med" len="med"/>
-                      <a:tailEnd type="none" w="med" len="med"/>
-                    </a:lnL>
-                    <a:lnR w="3175" cap="flat" cmpd="sng" algn="ctr">
-                      <a:solidFill>
-                        <a:schemeClr val="bg2"/>
-                      </a:solidFill>
-                      <a:prstDash val="solid"/>
-                      <a:round/>
-                      <a:headEnd type="none" w="med" len="med"/>
-                      <a:tailEnd type="none" w="med" len="med"/>
-                    </a:lnR>
-                    <a:lnT>
-                      <a:noFill/>
-                    </a:lnT>
-                    <a:lnB w="3175" cap="flat" cmpd="sng" algn="ctr">
-                      <a:solidFill>
-                        <a:schemeClr val="bg2"/>
-                      </a:solidFill>
-                      <a:prstDash val="solid"/>
-                      <a:round/>
-                      <a:headEnd type="none" w="med" len="med"/>
-                      <a:tailEnd type="none" w="med" len="med"/>
-                    </a:lnB>
-                    <a:lnTlToBr w="12700" cmpd="sng">
-                      <a:noFill/>
-                      <a:prstDash val="solid"/>
-                    </a:lnTlToBr>
-                    <a:lnBlToTr w="12700" cmpd="sng">
-                      <a:noFill/>
-                      <a:prstDash val="solid"/>
-                    </a:lnBlToTr>
-                    <a:solidFill>
-                      <a:schemeClr val="bg2">
-                        <a:lumMod val="50000"/>
-                      </a:schemeClr>
-                    </a:solidFill>
-                  </a:tcPr>
-                </a:tc>
-                <a:tc>
-                  <a:txBody>
-                    <a:bodyPr/>
-                    <a:lstStyle/>
-                    <a:p>
-                      <a:pPr marL="0" marR="0" lvl="0" indent="0" algn="ctr" defTabSz="914400" rtl="0" eaLnBrk="1" fontAlgn="base" latinLnBrk="0" hangingPunct="1">
-                        <a:lnSpc>
-                          <a:spcPct val="100000"/>
-                        </a:lnSpc>
-                        <a:spcBef>
-                          <a:spcPct val="0"/>
-                        </a:spcBef>
-                        <a:spcAft>
-                          <a:spcPct val="0"/>
-                        </a:spcAft>
-                        <a:buClrTx/>
-                        <a:buSzTx/>
-                        <a:buFontTx/>
-                        <a:buNone/>
-                        <a:tabLst/>
-                      </a:pPr>
-                      <a:r>
-                        <a:rPr lang="pt-BR" sz="1000" kern="1200" dirty="0">
-                          <a:effectLst/>
-                          <a:latin typeface="Verdana" pitchFamily="34" charset="0"/>
-                          <a:ea typeface="Verdana" pitchFamily="34" charset="0"/>
-                          <a:cs typeface="Verdana" pitchFamily="34" charset="0"/>
-                        </a:rPr>
-                        <a:t>%</a:t>
-                      </a:r>
-                      <a:endParaRPr lang="pt-BR" sz="1000" b="1" kern="1200" dirty="0">
-                        <a:solidFill>
-                          <a:schemeClr val="bg1"/>
-                        </a:solidFill>
-                        <a:effectLst/>
-                        <a:latin typeface="Verdana" pitchFamily="34" charset="0"/>
-                        <a:ea typeface="Verdana" pitchFamily="34" charset="0"/>
-                        <a:cs typeface="Verdana" pitchFamily="34" charset="0"/>
-                      </a:endParaRPr>
-                    </a:p>
-                  </a:txBody>
-                  <a:tcPr anchor="ctr" horzOverflow="overflow">
-                    <a:lnL w="3175" cap="flat" cmpd="sng" algn="ctr">
-                      <a:solidFill>
-                        <a:schemeClr val="bg2"/>
-                      </a:solidFill>
-                      <a:prstDash val="solid"/>
-                      <a:round/>
-                      <a:headEnd type="none" w="med" len="med"/>
-                      <a:tailEnd type="none" w="med" len="med"/>
-                    </a:lnL>
-                    <a:lnR w="3175" cap="flat" cmpd="sng" algn="ctr">
-                      <a:solidFill>
-                        <a:schemeClr val="bg2"/>
-                      </a:solidFill>
-                      <a:prstDash val="solid"/>
-                      <a:round/>
-                      <a:headEnd type="none" w="med" len="med"/>
-                      <a:tailEnd type="none" w="med" len="med"/>
-                    </a:lnR>
-                    <a:lnT>
-                      <a:noFill/>
-                    </a:lnT>
-                    <a:lnB w="3175" cap="flat" cmpd="sng" algn="ctr">
-                      <a:solidFill>
-                        <a:schemeClr val="bg2"/>
-                      </a:solidFill>
-                      <a:prstDash val="solid"/>
-                      <a:round/>
-                      <a:headEnd type="none" w="med" len="med"/>
-                      <a:tailEnd type="none" w="med" len="med"/>
-                    </a:lnB>
-                    <a:lnTlToBr w="12700" cmpd="sng">
-                      <a:noFill/>
-                      <a:prstDash val="solid"/>
-                    </a:lnTlToBr>
-                    <a:lnBlToTr w="12700" cmpd="sng">
-                      <a:noFill/>
-                      <a:prstDash val="solid"/>
-                    </a:lnBlToTr>
-                    <a:solidFill>
-                      <a:schemeClr val="bg2">
-                        <a:lumMod val="50000"/>
-                      </a:schemeClr>
-                    </a:solidFill>
-                  </a:tcPr>
-                </a:tc>
-                <a:tc>
-                  <a:txBody>
-                    <a:bodyPr/>
-                    <a:lstStyle/>
-                    <a:p>
-                      <a:pPr marL="0" marR="0" lvl="0" indent="0" algn="ctr" defTabSz="914400" rtl="0" eaLnBrk="1" fontAlgn="base" latinLnBrk="0" hangingPunct="1">
-                        <a:lnSpc>
-                          <a:spcPct val="100000"/>
-                        </a:lnSpc>
-                        <a:spcBef>
-                          <a:spcPct val="0"/>
-                        </a:spcBef>
-                        <a:spcAft>
-                          <a:spcPct val="0"/>
-                        </a:spcAft>
-                        <a:buClrTx/>
-                        <a:buSzTx/>
-                        <a:buFontTx/>
-                        <a:buNone/>
-                        <a:tabLst/>
-                      </a:pPr>
-                      <a:r>
-                        <a:rPr lang="pt-BR" sz="1000" kern="1200" dirty="0">
-                          <a:effectLst/>
-                          <a:latin typeface="Verdana" pitchFamily="34" charset="0"/>
-                          <a:ea typeface="Verdana" pitchFamily="34" charset="0"/>
-                          <a:cs typeface="Verdana" pitchFamily="34" charset="0"/>
-                        </a:rPr>
-                        <a:t>Aval</a:t>
-                      </a:r>
-                      <a:endParaRPr lang="pt-BR" sz="1000" b="1" kern="1200" dirty="0">
-                        <a:solidFill>
-                          <a:schemeClr val="bg1"/>
-                        </a:solidFill>
-                        <a:effectLst/>
-                        <a:latin typeface="Verdana" pitchFamily="34" charset="0"/>
-                        <a:ea typeface="Verdana" pitchFamily="34" charset="0"/>
-                        <a:cs typeface="Verdana" pitchFamily="34" charset="0"/>
-                      </a:endParaRPr>
-                    </a:p>
-                  </a:txBody>
-                  <a:tcPr anchor="ctr" horzOverflow="overflow">
-                    <a:lnL w="3175" cap="flat" cmpd="sng" algn="ctr">
-                      <a:solidFill>
-                        <a:schemeClr val="bg2"/>
-                      </a:solidFill>
-                      <a:prstDash val="solid"/>
-                      <a:round/>
-                      <a:headEnd type="none" w="med" len="med"/>
-                      <a:tailEnd type="none" w="med" len="med"/>
-                    </a:lnL>
-                    <a:lnR>
-                      <a:noFill/>
-                    </a:lnR>
-                    <a:lnT>
-                      <a:noFill/>
-                    </a:lnT>
-                    <a:lnB w="3175" cap="flat" cmpd="sng" algn="ctr">
-                      <a:solidFill>
-                        <a:schemeClr val="bg2"/>
-                      </a:solidFill>
-                      <a:prstDash val="solid"/>
-                      <a:round/>
-                      <a:headEnd type="none" w="med" len="med"/>
-                      <a:tailEnd type="none" w="med" len="med"/>
-                    </a:lnB>
-                    <a:lnTlToBr w="12700" cmpd="sng">
-                      <a:noFill/>
-                      <a:prstDash val="solid"/>
-                    </a:lnTlToBr>
-                    <a:lnBlToTr w="12700" cmpd="sng">
-                      <a:noFill/>
-                      <a:prstDash val="solid"/>
-                    </a:lnBlToTr>
-                    <a:solidFill>
-                      <a:schemeClr val="bg2">
-                        <a:lumMod val="50000"/>
-                      </a:schemeClr>
-                    </a:solidFill>
-                  </a:tcPr>
-                </a:tc>
-                <a:extLst>
-                  <a:ext uri="{0D108BD9-81ED-4DB2-BD59-A6C34878D82A}">
-                    <a16:rowId xmlns:a16="http://schemas.microsoft.com/office/drawing/2014/main" val="10000"/>
-                  </a:ext>
-                </a:extLst>
-              </a:tr>
-              <a:tr h="287714">
-                <a:tc gridSpan="3">
-                  <a:txBody>
-                    <a:bodyPr/>
-                    <a:lstStyle/>
-                    <a:p>
-                      <a:pPr algn="just"/>
-                      <a:r>
-                        <a:rPr lang="pt-BR" sz="1000" b="1" i="1" baseline="0" dirty="0">
-                          <a:solidFill>
-                            <a:schemeClr val="tx1"/>
-                          </a:solidFill>
-                          <a:hlinkClick r:id="" action="ppaction://customshow?id=0&amp;return=true"/>
-                        </a:rPr>
-                        <a:t>Projeto  01 </a:t>
-                      </a:r>
-                      <a:r>
-                        <a:rPr lang="pt-BR" sz="1000" b="1" i="1" baseline="0" dirty="0">
-                          <a:solidFill>
-                            <a:schemeClr val="tx1"/>
-                          </a:solidFill>
-                        </a:rPr>
-                        <a:t>–  </a:t>
-                      </a:r>
-                      <a:r>
-                        <a:rPr lang="pt-BR" sz="1000" b="1" dirty="0">
-                          <a:solidFill>
-                            <a:schemeClr val="tx1">
-                              <a:lumMod val="75000"/>
-                              <a:lumOff val="25000"/>
-                            </a:schemeClr>
-                          </a:solidFill>
-                          <a:latin typeface="Arial" pitchFamily="34" charset="0"/>
-                          <a:cs typeface="Arial" pitchFamily="34" charset="0"/>
-                        </a:rPr>
-                        <a:t>Projeto de Compra Conjunta</a:t>
-                      </a:r>
-                      <a:endParaRPr lang="pt-BR" sz="1000" dirty="0">
-                        <a:solidFill>
-                          <a:schemeClr val="tx1"/>
-                        </a:solidFill>
-                      </a:endParaRPr>
-                    </a:p>
-                  </a:txBody>
-                  <a:tcPr>
-                    <a:lnL>
-                      <a:noFill/>
-                    </a:lnL>
-                    <a:lnR w="3175" cap="flat" cmpd="sng" algn="ctr">
-                      <a:solidFill>
-                        <a:schemeClr val="bg2"/>
-                      </a:solidFill>
-                      <a:prstDash val="solid"/>
-                      <a:round/>
-                      <a:headEnd type="none" w="med" len="med"/>
-                      <a:tailEnd type="none" w="med" len="med"/>
-                    </a:lnR>
-                    <a:lnT w="3175" cap="flat" cmpd="sng" algn="ctr">
-                      <a:solidFill>
-                        <a:schemeClr val="bg2"/>
-                      </a:solidFill>
-                      <a:prstDash val="solid"/>
-                      <a:round/>
-                      <a:headEnd type="none" w="med" len="med"/>
-                      <a:tailEnd type="none" w="med" len="med"/>
-                    </a:lnT>
-                    <a:lnB w="3175" cap="flat" cmpd="sng" algn="ctr">
-                      <a:solidFill>
-                        <a:schemeClr val="tx1"/>
-                      </a:solidFill>
-                      <a:prstDash val="solid"/>
-                      <a:round/>
-                      <a:headEnd type="none" w="med" len="med"/>
-                      <a:tailEnd type="none" w="med" len="med"/>
-                    </a:lnB>
-                    <a:lnTlToBr w="12700" cmpd="sng">
-                      <a:noFill/>
-                      <a:prstDash val="solid"/>
-                    </a:lnTlToBr>
-                    <a:lnBlToTr w="12700" cmpd="sng">
-                      <a:noFill/>
-                      <a:prstDash val="solid"/>
-                    </a:lnBlToTr>
-                    <a:solidFill>
-                      <a:schemeClr val="bg2">
-                        <a:lumMod val="90000"/>
-                      </a:schemeClr>
-                    </a:solidFill>
-                  </a:tcPr>
-                </a:tc>
-                <a:tc hMerge="1">
-                  <a:txBody>
-                    <a:bodyPr/>
-                    <a:lstStyle/>
-                    <a:p>
-                      <a:pPr marL="0" marR="0" lvl="0" indent="0" algn="r" defTabSz="914400" rtl="0" eaLnBrk="1" fontAlgn="base" latinLnBrk="0" hangingPunct="1">
-                        <a:lnSpc>
-                          <a:spcPct val="100000"/>
-                        </a:lnSpc>
-                        <a:spcBef>
-                          <a:spcPct val="0"/>
-                        </a:spcBef>
-                        <a:spcAft>
-                          <a:spcPct val="0"/>
-                        </a:spcAft>
-                        <a:buClrTx/>
-                        <a:buSzTx/>
-                        <a:buFontTx/>
-                        <a:buNone/>
-                        <a:tabLst/>
-                      </a:pPr>
-                      <a:endParaRPr lang="pt-BR" sz="900" b="0" kern="1200" dirty="0">
-                        <a:solidFill>
-                          <a:schemeClr val="tx1">
-                            <a:lumMod val="75000"/>
-                            <a:lumOff val="25000"/>
-                          </a:schemeClr>
-                        </a:solidFill>
-                        <a:effectLst/>
-                        <a:latin typeface="Verdana" pitchFamily="34" charset="0"/>
-                        <a:ea typeface="Verdana" pitchFamily="34" charset="0"/>
-                        <a:cs typeface="Verdana" pitchFamily="34" charset="0"/>
-                      </a:endParaRPr>
-                    </a:p>
-                  </a:txBody>
-                  <a:tcPr anchor="ctr">
-                    <a:lnL w="3175" cap="flat" cmpd="sng" algn="ctr">
-                      <a:solidFill>
-                        <a:schemeClr val="bg2"/>
-                      </a:solidFill>
-                      <a:prstDash val="solid"/>
-                      <a:round/>
-                      <a:headEnd type="none" w="med" len="med"/>
-                      <a:tailEnd type="none" w="med" len="med"/>
-                    </a:lnL>
-                    <a:lnR w="3175" cap="flat" cmpd="sng" algn="ctr">
-                      <a:solidFill>
-                        <a:schemeClr val="bg2"/>
-                      </a:solidFill>
-                      <a:prstDash val="solid"/>
-                      <a:round/>
-                      <a:headEnd type="none" w="med" len="med"/>
-                      <a:tailEnd type="none" w="med" len="med"/>
-                    </a:lnR>
-                    <a:lnT w="3175" cap="flat" cmpd="sng" algn="ctr">
-                      <a:solidFill>
-                        <a:schemeClr val="bg2"/>
-                      </a:solidFill>
-                      <a:prstDash val="solid"/>
-                      <a:round/>
-                      <a:headEnd type="none" w="med" len="med"/>
-                      <a:tailEnd type="none" w="med" len="med"/>
-                    </a:lnT>
-                    <a:lnB w="3175" cap="flat" cmpd="sng" algn="ctr">
-                      <a:solidFill>
-                        <a:schemeClr val="tx1"/>
-                      </a:solidFill>
-                      <a:prstDash val="solid"/>
-                      <a:round/>
-                      <a:headEnd type="none" w="med" len="med"/>
-                      <a:tailEnd type="none" w="med" len="med"/>
-                    </a:lnB>
-                    <a:lnTlToBr w="12700" cmpd="sng">
-                      <a:noFill/>
-                      <a:prstDash val="solid"/>
-                    </a:lnTlToBr>
-                    <a:lnBlToTr w="12700" cmpd="sng">
-                      <a:noFill/>
-                      <a:prstDash val="solid"/>
-                    </a:lnBlToTr>
-                    <a:solidFill>
-                      <a:schemeClr val="bg2">
-                        <a:lumMod val="90000"/>
-                      </a:schemeClr>
-                    </a:solidFill>
-                  </a:tcPr>
-                </a:tc>
-                <a:tc hMerge="1">
-                  <a:txBody>
-                    <a:bodyPr/>
-                    <a:lstStyle/>
-                    <a:p>
-                      <a:pPr marL="0" marR="0" lvl="0" indent="0" algn="r" defTabSz="914400" rtl="0" eaLnBrk="1" fontAlgn="base" latinLnBrk="0" hangingPunct="1">
-                        <a:lnSpc>
-                          <a:spcPct val="100000"/>
-                        </a:lnSpc>
-                        <a:spcBef>
-                          <a:spcPct val="0"/>
-                        </a:spcBef>
-                        <a:spcAft>
-                          <a:spcPct val="0"/>
-                        </a:spcAft>
-                        <a:buClrTx/>
-                        <a:buSzTx/>
-                        <a:buFontTx/>
-                        <a:buNone/>
-                        <a:tabLst/>
-                      </a:pPr>
-                      <a:endParaRPr lang="pt-BR" sz="900" b="0" kern="1200" dirty="0">
-                        <a:solidFill>
-                          <a:schemeClr val="tx1">
-                            <a:lumMod val="75000"/>
-                            <a:lumOff val="25000"/>
-                          </a:schemeClr>
-                        </a:solidFill>
-                        <a:effectLst/>
-                        <a:latin typeface="Verdana" pitchFamily="34" charset="0"/>
-                        <a:ea typeface="Verdana" pitchFamily="34" charset="0"/>
-                        <a:cs typeface="Verdana" pitchFamily="34" charset="0"/>
-                      </a:endParaRPr>
-                    </a:p>
-                  </a:txBody>
-                  <a:tcPr anchor="ctr" horzOverflow="overflow">
-                    <a:lnL w="3175" cap="flat" cmpd="sng" algn="ctr">
-                      <a:solidFill>
-                        <a:schemeClr val="bg2"/>
-                      </a:solidFill>
-                      <a:prstDash val="solid"/>
-                      <a:round/>
-                      <a:headEnd type="none" w="med" len="med"/>
-                      <a:tailEnd type="none" w="med" len="med"/>
-                    </a:lnL>
-                    <a:lnR w="3175" cap="flat" cmpd="sng" algn="ctr">
-                      <a:solidFill>
-                        <a:schemeClr val="bg2"/>
-                      </a:solidFill>
-                      <a:prstDash val="solid"/>
-                      <a:round/>
-                      <a:headEnd type="none" w="med" len="med"/>
-                      <a:tailEnd type="none" w="med" len="med"/>
-                    </a:lnR>
-                    <a:lnT w="3175" cap="flat" cmpd="sng" algn="ctr">
-                      <a:solidFill>
-                        <a:schemeClr val="bg2"/>
-                      </a:solidFill>
-                      <a:prstDash val="solid"/>
-                      <a:round/>
-                      <a:headEnd type="none" w="med" len="med"/>
-                      <a:tailEnd type="none" w="med" len="med"/>
-                    </a:lnT>
-                    <a:lnB w="3175" cap="flat" cmpd="sng" algn="ctr">
-                      <a:solidFill>
-                        <a:schemeClr val="bg1"/>
-                      </a:solidFill>
-                      <a:prstDash val="solid"/>
-                      <a:round/>
-                      <a:headEnd type="none" w="med" len="med"/>
-                      <a:tailEnd type="none" w="med" len="med"/>
-                    </a:lnB>
-                    <a:lnTlToBr w="12700" cmpd="sng">
-                      <a:noFill/>
-                      <a:prstDash val="solid"/>
-                    </a:lnTlToBr>
-                    <a:lnBlToTr w="12700" cmpd="sng">
-                      <a:noFill/>
-                      <a:prstDash val="solid"/>
-                    </a:lnBlToTr>
-                    <a:solidFill>
-                      <a:schemeClr val="bg2">
-                        <a:lumMod val="90000"/>
-                      </a:schemeClr>
-                    </a:solidFill>
-                  </a:tcPr>
-                </a:tc>
-                <a:tc>
-                  <a:txBody>
-                    <a:bodyPr/>
-                    <a:lstStyle/>
-                    <a:p>
-                      <a:endParaRPr lang="pt-BR" sz="1000" dirty="0">
-                        <a:latin typeface="Verdana" pitchFamily="34" charset="0"/>
-                        <a:ea typeface="Verdana" pitchFamily="34" charset="0"/>
-                        <a:cs typeface="Verdana" pitchFamily="34" charset="0"/>
-                      </a:endParaRPr>
-                    </a:p>
-                  </a:txBody>
-                  <a:tcPr anchor="ctr" horzOverflow="overflow">
-                    <a:lnL w="3175" cap="flat" cmpd="sng" algn="ctr">
-                      <a:solidFill>
-                        <a:schemeClr val="bg2"/>
-                      </a:solidFill>
-                      <a:prstDash val="solid"/>
-                      <a:round/>
-                      <a:headEnd type="none" w="med" len="med"/>
-                      <a:tailEnd type="none" w="med" len="med"/>
-                    </a:lnL>
-                    <a:lnR>
-                      <a:noFill/>
-                    </a:lnR>
-                    <a:lnT w="3175" cap="flat" cmpd="sng" algn="ctr">
-                      <a:solidFill>
-                        <a:schemeClr val="bg2"/>
-                      </a:solidFill>
-                      <a:prstDash val="solid"/>
-                      <a:round/>
-                      <a:headEnd type="none" w="med" len="med"/>
-                      <a:tailEnd type="none" w="med" len="med"/>
-                    </a:lnT>
-                    <a:lnB w="3175" cap="flat" cmpd="sng" algn="ctr">
-                      <a:solidFill>
-                        <a:schemeClr val="tx1"/>
-                      </a:solidFill>
-                      <a:prstDash val="solid"/>
-                      <a:round/>
-                      <a:headEnd type="none" w="med" len="med"/>
-                      <a:tailEnd type="none" w="med" len="med"/>
-                    </a:lnB>
-                    <a:lnTlToBr w="12700" cmpd="sng">
-                      <a:noFill/>
-                      <a:prstDash val="solid"/>
-                    </a:lnTlToBr>
-                    <a:lnBlToTr w="12700" cmpd="sng">
-                      <a:noFill/>
-                      <a:prstDash val="solid"/>
-                    </a:lnBlToTr>
-                    <a:solidFill>
-                      <a:schemeClr val="bg2">
-                        <a:lumMod val="90000"/>
-                      </a:schemeClr>
-                    </a:solidFill>
-                  </a:tcPr>
-                </a:tc>
-                <a:extLst>
-                  <a:ext uri="{0D108BD9-81ED-4DB2-BD59-A6C34878D82A}">
-                    <a16:rowId xmlns:a16="http://schemas.microsoft.com/office/drawing/2014/main" val="10001"/>
-                  </a:ext>
-                </a:extLst>
-              </a:tr>
-              <a:tr h="333264">
-                <a:tc>
-                  <a:txBody>
-                    <a:bodyPr/>
-                    <a:lstStyle/>
-                    <a:p>
-                      <a:pPr marL="0" marR="0" lvl="0" indent="0" algn="just" defTabSz="914400" rtl="0" eaLnBrk="1" fontAlgn="auto" latinLnBrk="0" hangingPunct="1">
-                        <a:lnSpc>
-                          <a:spcPct val="100000"/>
-                        </a:lnSpc>
-                        <a:spcBef>
-                          <a:spcPts val="0"/>
-                        </a:spcBef>
-                        <a:spcAft>
-                          <a:spcPts val="0"/>
-                        </a:spcAft>
-                        <a:buClrTx/>
-                        <a:buSzTx/>
-                        <a:buFontTx/>
-                        <a:buNone/>
-                        <a:tabLst/>
-                        <a:defRPr/>
-                      </a:pPr>
-                      <a:r>
-                        <a:rPr lang="pt-BR" sz="1000" b="1" i="1" baseline="0" dirty="0">
-                          <a:solidFill>
-                            <a:schemeClr val="tx1"/>
-                          </a:solidFill>
-                          <a:hlinkClick r:id="" action="ppaction://customshow?id=1&amp;return=true"/>
-                        </a:rPr>
-                        <a:t>Projeto</a:t>
-                      </a:r>
-                      <a:r>
-                        <a:rPr lang="pt-BR" sz="1000" b="1" i="1" dirty="0">
-                          <a:solidFill>
-                            <a:schemeClr val="tx1"/>
-                          </a:solidFill>
-                          <a:hlinkClick r:id="" action="ppaction://customshow?id=1&amp;return=true"/>
-                        </a:rPr>
-                        <a:t> 02</a:t>
-                      </a:r>
-                      <a:r>
-                        <a:rPr lang="pt-BR" sz="1000" b="1" i="1" baseline="0" dirty="0">
-                          <a:solidFill>
-                            <a:schemeClr val="tx1"/>
-                          </a:solidFill>
-                          <a:hlinkClick r:id="" action="ppaction://customshow?id=1&amp;return=true"/>
-                        </a:rPr>
-                        <a:t> </a:t>
-                      </a:r>
-                      <a:r>
-                        <a:rPr lang="pt-BR" sz="1000" b="1" i="1" baseline="0" dirty="0">
-                          <a:solidFill>
-                            <a:schemeClr val="tx1"/>
-                          </a:solidFill>
-                        </a:rPr>
-                        <a:t>– </a:t>
-                      </a:r>
-                      <a:r>
-                        <a:rPr lang="pt-BR" sz="1000" b="1" dirty="0">
-                          <a:solidFill>
-                            <a:schemeClr val="tx1">
-                              <a:lumMod val="75000"/>
-                              <a:lumOff val="25000"/>
-                            </a:schemeClr>
-                          </a:solidFill>
-                          <a:latin typeface="Arial" pitchFamily="34" charset="0"/>
-                          <a:cs typeface="Arial" pitchFamily="34" charset="0"/>
-                        </a:rPr>
-                        <a:t>Cadastro Positivo Serasa</a:t>
-                      </a:r>
-                      <a:endParaRPr kumimoji="0" lang="pt-BR" sz="1000" b="0" i="0" u="none" strike="noStrike" kern="1200" cap="none" spc="0" normalizeH="0" baseline="0" noProof="0" dirty="0">
-                        <a:ln>
-                          <a:noFill/>
-                        </a:ln>
-                        <a:solidFill>
-                          <a:prstClr val="black"/>
-                        </a:solidFill>
-                        <a:effectLst/>
-                        <a:uLnTx/>
-                        <a:uFillTx/>
-                        <a:latin typeface="+mn-lt"/>
-                        <a:ea typeface="+mn-ea"/>
-                        <a:cs typeface="+mn-cs"/>
-                      </a:endParaRPr>
-                    </a:p>
-                  </a:txBody>
-                  <a:tcPr>
-                    <a:lnL>
-                      <a:noFill/>
-                    </a:lnL>
-                    <a:lnR w="3175" cap="flat" cmpd="sng" algn="ctr">
-                      <a:solidFill>
-                        <a:schemeClr val="bg2"/>
-                      </a:solidFill>
-                      <a:prstDash val="solid"/>
-                      <a:round/>
-                      <a:headEnd type="none" w="med" len="med"/>
-                      <a:tailEnd type="none" w="med" len="med"/>
-                    </a:lnR>
-                    <a:lnT w="3175" cap="flat" cmpd="sng" algn="ctr">
-                      <a:solidFill>
-                        <a:schemeClr val="tx1"/>
-                      </a:solidFill>
-                      <a:prstDash val="solid"/>
-                      <a:round/>
-                      <a:headEnd type="none" w="med" len="med"/>
-                      <a:tailEnd type="none" w="med" len="med"/>
-                    </a:lnT>
-                    <a:lnB w="3175" cap="flat" cmpd="sng" algn="ctr">
-                      <a:solidFill>
-                        <a:schemeClr val="tx1"/>
-                      </a:solidFill>
-                      <a:prstDash val="solid"/>
-                      <a:round/>
-                      <a:headEnd type="none" w="med" len="med"/>
-                      <a:tailEnd type="none" w="med" len="med"/>
-                    </a:lnB>
-                    <a:lnTlToBr w="12700" cmpd="sng">
-                      <a:noFill/>
-                      <a:prstDash val="solid"/>
-                    </a:lnTlToBr>
-                    <a:lnBlToTr w="12700" cmpd="sng">
-                      <a:noFill/>
-                      <a:prstDash val="solid"/>
-                    </a:lnBlToTr>
-                    <a:solidFill>
-                      <a:schemeClr val="bg2">
-                        <a:lumMod val="90000"/>
-                      </a:schemeClr>
-                    </a:solidFill>
-                  </a:tcPr>
-                </a:tc>
-                <a:tc gridSpan="2">
-                  <a:txBody>
-                    <a:bodyPr/>
-                    <a:lstStyle/>
-                    <a:p>
-                      <a:pPr marL="0" marR="0" lvl="0" indent="0" algn="r" defTabSz="914400" rtl="0" eaLnBrk="1" fontAlgn="base" latinLnBrk="0" hangingPunct="1">
-                        <a:lnSpc>
-                          <a:spcPct val="100000"/>
-                        </a:lnSpc>
-                        <a:spcBef>
-                          <a:spcPct val="0"/>
-                        </a:spcBef>
-                        <a:spcAft>
-                          <a:spcPct val="0"/>
-                        </a:spcAft>
-                        <a:buClrTx/>
-                        <a:buSzTx/>
-                        <a:buFontTx/>
-                        <a:buNone/>
-                        <a:tabLst/>
-                      </a:pPr>
-                      <a:endParaRPr lang="pt-BR" sz="900" b="0" kern="1200" dirty="0">
-                        <a:solidFill>
-                          <a:schemeClr val="tx1">
-                            <a:lumMod val="75000"/>
-                            <a:lumOff val="25000"/>
-                          </a:schemeClr>
-                        </a:solidFill>
-                        <a:effectLst/>
-                        <a:latin typeface="Verdana" pitchFamily="34" charset="0"/>
-                        <a:ea typeface="Verdana" pitchFamily="34" charset="0"/>
-                        <a:cs typeface="Verdana" pitchFamily="34" charset="0"/>
-                      </a:endParaRPr>
-                    </a:p>
-                  </a:txBody>
-                  <a:tcPr anchor="ctr" horzOverflow="overflow">
-                    <a:lnL w="3175" cap="flat" cmpd="sng" algn="ctr">
-                      <a:solidFill>
-                        <a:schemeClr val="bg2"/>
-                      </a:solidFill>
-                      <a:prstDash val="solid"/>
-                      <a:round/>
-                      <a:headEnd type="none" w="med" len="med"/>
-                      <a:tailEnd type="none" w="med" len="med"/>
-                    </a:lnL>
-                    <a:lnR w="3175" cap="flat" cmpd="sng" algn="ctr">
-                      <a:solidFill>
-                        <a:schemeClr val="bg2"/>
-                      </a:solidFill>
-                      <a:prstDash val="solid"/>
-                      <a:round/>
-                      <a:headEnd type="none" w="med" len="med"/>
-                      <a:tailEnd type="none" w="med" len="med"/>
-                    </a:lnR>
-                    <a:lnT w="3175" cap="flat" cmpd="sng" algn="ctr">
-                      <a:solidFill>
-                        <a:schemeClr val="tx1"/>
-                      </a:solidFill>
-                      <a:prstDash val="solid"/>
-                      <a:round/>
-                      <a:headEnd type="none" w="med" len="med"/>
-                      <a:tailEnd type="none" w="med" len="med"/>
-                    </a:lnT>
-                    <a:lnB w="3175" cap="flat" cmpd="sng" algn="ctr">
-                      <a:solidFill>
-                        <a:schemeClr val="tx1"/>
-                      </a:solidFill>
-                      <a:prstDash val="solid"/>
-                      <a:round/>
-                      <a:headEnd type="none" w="med" len="med"/>
-                      <a:tailEnd type="none" w="med" len="med"/>
-                    </a:lnB>
-                    <a:lnTlToBr w="12700" cmpd="sng">
-                      <a:noFill/>
-                      <a:prstDash val="solid"/>
-                    </a:lnTlToBr>
-                    <a:lnBlToTr w="12700" cmpd="sng">
-                      <a:noFill/>
-                      <a:prstDash val="solid"/>
-                    </a:lnBlToTr>
-                    <a:solidFill>
-                      <a:schemeClr val="bg2">
-                        <a:lumMod val="90000"/>
-                      </a:schemeClr>
-                    </a:solidFill>
-                  </a:tcPr>
-                </a:tc>
-                <a:tc hMerge="1">
-                  <a:txBody>
-                    <a:bodyPr/>
-                    <a:lstStyle/>
-                    <a:p>
-                      <a:pPr marL="0" marR="0" lvl="0" indent="0" algn="r" defTabSz="914400" rtl="0" eaLnBrk="1" fontAlgn="base" latinLnBrk="0" hangingPunct="1">
-                        <a:lnSpc>
-                          <a:spcPct val="100000"/>
-                        </a:lnSpc>
-                        <a:spcBef>
-                          <a:spcPct val="0"/>
-                        </a:spcBef>
-                        <a:spcAft>
-                          <a:spcPct val="0"/>
-                        </a:spcAft>
-                        <a:buClrTx/>
-                        <a:buSzTx/>
-                        <a:buFontTx/>
-                        <a:buNone/>
-                        <a:tabLst/>
-                      </a:pPr>
-                      <a:endParaRPr lang="pt-BR" sz="900" b="0" kern="1200" dirty="0">
-                        <a:solidFill>
-                          <a:schemeClr val="tx1">
-                            <a:lumMod val="75000"/>
-                            <a:lumOff val="25000"/>
-                          </a:schemeClr>
-                        </a:solidFill>
-                        <a:effectLst/>
-                        <a:latin typeface="Verdana" pitchFamily="34" charset="0"/>
-                        <a:ea typeface="Verdana" pitchFamily="34" charset="0"/>
-                        <a:cs typeface="Verdana" pitchFamily="34" charset="0"/>
-                      </a:endParaRPr>
-                    </a:p>
-                  </a:txBody>
-                  <a:tcPr anchor="ctr" horzOverflow="overflow">
-                    <a:lnL w="3175" cap="flat" cmpd="sng" algn="ctr">
-                      <a:solidFill>
-                        <a:schemeClr val="bg2"/>
-                      </a:solidFill>
-                      <a:prstDash val="solid"/>
-                      <a:round/>
-                      <a:headEnd type="none" w="med" len="med"/>
-                      <a:tailEnd type="none" w="med" len="med"/>
-                    </a:lnL>
-                    <a:lnR w="3175" cap="flat" cmpd="sng" algn="ctr">
-                      <a:solidFill>
-                        <a:schemeClr val="bg2"/>
-                      </a:solidFill>
-                      <a:prstDash val="solid"/>
-                      <a:round/>
-                      <a:headEnd type="none" w="med" len="med"/>
-                      <a:tailEnd type="none" w="med" len="med"/>
-                    </a:lnR>
-                    <a:lnT w="3175" cap="flat" cmpd="sng" algn="ctr">
-                      <a:solidFill>
-                        <a:schemeClr val="tx1"/>
-                      </a:solidFill>
-                      <a:prstDash val="solid"/>
-                      <a:round/>
-                      <a:headEnd type="none" w="med" len="med"/>
-                      <a:tailEnd type="none" w="med" len="med"/>
-                    </a:lnT>
-                    <a:lnB w="3175" cap="flat" cmpd="sng" algn="ctr">
-                      <a:solidFill>
-                        <a:schemeClr val="bg1"/>
-                      </a:solidFill>
-                      <a:prstDash val="solid"/>
-                      <a:round/>
-                      <a:headEnd type="none" w="med" len="med"/>
-                      <a:tailEnd type="none" w="med" len="med"/>
-                    </a:lnB>
-                    <a:lnTlToBr w="12700" cmpd="sng">
-                      <a:noFill/>
-                      <a:prstDash val="solid"/>
-                    </a:lnTlToBr>
-                    <a:lnBlToTr w="12700" cmpd="sng">
-                      <a:noFill/>
-                      <a:prstDash val="solid"/>
-                    </a:lnBlToTr>
-                    <a:solidFill>
-                      <a:schemeClr val="bg2">
-                        <a:lumMod val="90000"/>
-                      </a:schemeClr>
-                    </a:solidFill>
-                  </a:tcPr>
-                </a:tc>
-                <a:tc>
-                  <a:txBody>
-                    <a:bodyPr/>
-                    <a:lstStyle/>
-                    <a:p>
-                      <a:endParaRPr lang="pt-BR" sz="1000" dirty="0">
-                        <a:latin typeface="Verdana" pitchFamily="34" charset="0"/>
-                        <a:ea typeface="Verdana" pitchFamily="34" charset="0"/>
-                        <a:cs typeface="Verdana" pitchFamily="34" charset="0"/>
-                      </a:endParaRPr>
-                    </a:p>
-                  </a:txBody>
-                  <a:tcPr anchor="ctr" horzOverflow="overflow">
-                    <a:lnL w="3175" cap="flat" cmpd="sng" algn="ctr">
-                      <a:solidFill>
-                        <a:schemeClr val="bg2"/>
-                      </a:solidFill>
-                      <a:prstDash val="solid"/>
-                      <a:round/>
-                      <a:headEnd type="none" w="med" len="med"/>
-                      <a:tailEnd type="none" w="med" len="med"/>
-                    </a:lnL>
-                    <a:lnR>
-                      <a:noFill/>
-                    </a:lnR>
-                    <a:lnT w="3175" cap="flat" cmpd="sng" algn="ctr">
-                      <a:solidFill>
-                        <a:schemeClr val="tx1"/>
-                      </a:solidFill>
-                      <a:prstDash val="solid"/>
-                      <a:round/>
-                      <a:headEnd type="none" w="med" len="med"/>
-                      <a:tailEnd type="none" w="med" len="med"/>
-                    </a:lnT>
-                    <a:lnB w="3175" cap="flat" cmpd="sng" algn="ctr">
-                      <a:solidFill>
-                        <a:schemeClr val="tx1"/>
-                      </a:solidFill>
-                      <a:prstDash val="solid"/>
-                      <a:round/>
-                      <a:headEnd type="none" w="med" len="med"/>
-                      <a:tailEnd type="none" w="med" len="med"/>
-                    </a:lnB>
-                    <a:lnTlToBr w="12700" cmpd="sng">
-                      <a:noFill/>
-                      <a:prstDash val="solid"/>
-                    </a:lnTlToBr>
-                    <a:lnBlToTr w="12700" cmpd="sng">
-                      <a:noFill/>
-                      <a:prstDash val="solid"/>
-                    </a:lnBlToTr>
-                    <a:solidFill>
-                      <a:schemeClr val="bg2">
-                        <a:lumMod val="90000"/>
-                      </a:schemeClr>
-                    </a:solidFill>
-                  </a:tcPr>
-                </a:tc>
-                <a:extLst>
-                  <a:ext uri="{0D108BD9-81ED-4DB2-BD59-A6C34878D82A}">
-                    <a16:rowId xmlns:a16="http://schemas.microsoft.com/office/drawing/2014/main" val="10002"/>
-                  </a:ext>
-                </a:extLst>
-              </a:tr>
-              <a:tr h="333264">
-                <a:tc>
-                  <a:txBody>
-                    <a:bodyPr/>
-                    <a:lstStyle/>
-                    <a:p>
-                      <a:pPr marL="0" marR="0" lvl="0" indent="0" algn="just" defTabSz="914400" rtl="0" eaLnBrk="1" fontAlgn="auto" latinLnBrk="0" hangingPunct="1">
-                        <a:lnSpc>
-                          <a:spcPct val="100000"/>
-                        </a:lnSpc>
-                        <a:spcBef>
-                          <a:spcPts val="0"/>
-                        </a:spcBef>
-                        <a:spcAft>
-                          <a:spcPts val="0"/>
-                        </a:spcAft>
-                        <a:buClrTx/>
-                        <a:buSzTx/>
-                        <a:buFontTx/>
-                        <a:buNone/>
-                        <a:tabLst/>
-                        <a:defRPr/>
-                      </a:pPr>
-                      <a:r>
-                        <a:rPr lang="pt-BR" sz="1000" b="1" i="1" baseline="0" dirty="0">
-                          <a:solidFill>
-                            <a:schemeClr val="tx1"/>
-                          </a:solidFill>
-                          <a:hlinkClick r:id="" action="ppaction://customshow?id=7&amp;return=true"/>
-                        </a:rPr>
-                        <a:t>Projeto</a:t>
-                      </a:r>
-                      <a:r>
-                        <a:rPr lang="pt-BR" sz="1000" b="1" i="1" dirty="0">
-                          <a:solidFill>
-                            <a:schemeClr val="tx1"/>
-                          </a:solidFill>
-                          <a:hlinkClick r:id="" action="ppaction://customshow?id=7&amp;return=true"/>
-                        </a:rPr>
-                        <a:t> 03</a:t>
-                      </a:r>
-                      <a:r>
-                        <a:rPr lang="pt-BR" sz="1000" b="1" i="1" baseline="0" dirty="0">
-                          <a:solidFill>
-                            <a:schemeClr val="tx1"/>
-                          </a:solidFill>
-                          <a:hlinkClick r:id="" action="ppaction://customshow?id=7&amp;return=true"/>
-                        </a:rPr>
-                        <a:t> </a:t>
-                      </a:r>
-                      <a:r>
-                        <a:rPr lang="pt-BR" sz="1000" b="1" i="1" baseline="0" dirty="0">
-                          <a:solidFill>
-                            <a:schemeClr val="tx1"/>
-                          </a:solidFill>
-                        </a:rPr>
-                        <a:t>– </a:t>
-                      </a:r>
-                      <a:r>
-                        <a:rPr lang="pt-BR" sz="1000" b="1" dirty="0">
-                          <a:solidFill>
-                            <a:schemeClr val="tx1">
-                              <a:lumMod val="75000"/>
-                              <a:lumOff val="25000"/>
-                            </a:schemeClr>
-                          </a:solidFill>
-                          <a:latin typeface="Arial" pitchFamily="34" charset="0"/>
-                          <a:cs typeface="Arial" pitchFamily="34" charset="0"/>
-                        </a:rPr>
-                        <a:t>Laudo Técnico</a:t>
-                      </a:r>
-                    </a:p>
-                  </a:txBody>
-                  <a:tcPr>
-                    <a:lnL>
-                      <a:noFill/>
-                    </a:lnL>
-                    <a:lnR w="3175" cap="flat" cmpd="sng" algn="ctr">
-                      <a:solidFill>
-                        <a:schemeClr val="bg2"/>
-                      </a:solidFill>
-                      <a:prstDash val="solid"/>
-                      <a:round/>
-                      <a:headEnd type="none" w="med" len="med"/>
-                      <a:tailEnd type="none" w="med" len="med"/>
-                    </a:lnR>
-                    <a:lnT w="3175" cap="flat" cmpd="sng" algn="ctr">
-                      <a:solidFill>
-                        <a:schemeClr val="tx1"/>
-                      </a:solidFill>
-                      <a:prstDash val="solid"/>
-                      <a:round/>
-                      <a:headEnd type="none" w="med" len="med"/>
-                      <a:tailEnd type="none" w="med" len="med"/>
-                    </a:lnT>
-                    <a:lnB w="3175" cap="flat" cmpd="sng" algn="ctr">
-                      <a:solidFill>
-                        <a:schemeClr val="tx1"/>
-                      </a:solidFill>
-                      <a:prstDash val="solid"/>
-                      <a:round/>
-                      <a:headEnd type="none" w="med" len="med"/>
-                      <a:tailEnd type="none" w="med" len="med"/>
-                    </a:lnB>
-                    <a:lnTlToBr w="12700" cmpd="sng">
-                      <a:noFill/>
-                      <a:prstDash val="solid"/>
-                    </a:lnTlToBr>
-                    <a:lnBlToTr w="12700" cmpd="sng">
-                      <a:noFill/>
-                      <a:prstDash val="solid"/>
-                    </a:lnBlToTr>
-                    <a:solidFill>
-                      <a:schemeClr val="bg2">
-                        <a:lumMod val="90000"/>
-                      </a:schemeClr>
-                    </a:solidFill>
-                  </a:tcPr>
-                </a:tc>
-                <a:tc gridSpan="2">
-                  <a:txBody>
-                    <a:bodyPr/>
-                    <a:lstStyle/>
-                    <a:p>
-                      <a:pPr marL="0" marR="0" lvl="0" indent="0" algn="r" defTabSz="914400" rtl="0" eaLnBrk="1" fontAlgn="base" latinLnBrk="0" hangingPunct="1">
-                        <a:lnSpc>
-                          <a:spcPct val="100000"/>
-                        </a:lnSpc>
-                        <a:spcBef>
-                          <a:spcPct val="0"/>
-                        </a:spcBef>
-                        <a:spcAft>
-                          <a:spcPct val="0"/>
-                        </a:spcAft>
-                        <a:buClrTx/>
-                        <a:buSzTx/>
-                        <a:buFontTx/>
-                        <a:buNone/>
-                        <a:tabLst/>
-                      </a:pPr>
-                      <a:endParaRPr lang="pt-BR" sz="900" b="0" kern="1200" dirty="0">
-                        <a:solidFill>
-                          <a:schemeClr val="tx1">
-                            <a:lumMod val="75000"/>
-                            <a:lumOff val="25000"/>
-                          </a:schemeClr>
-                        </a:solidFill>
-                        <a:effectLst/>
-                        <a:latin typeface="Verdana" pitchFamily="34" charset="0"/>
-                        <a:ea typeface="Verdana" pitchFamily="34" charset="0"/>
-                        <a:cs typeface="Verdana" pitchFamily="34" charset="0"/>
-                      </a:endParaRPr>
-                    </a:p>
-                  </a:txBody>
-                  <a:tcPr anchor="ctr" horzOverflow="overflow">
-                    <a:lnL w="3175" cap="flat" cmpd="sng" algn="ctr">
-                      <a:solidFill>
-                        <a:schemeClr val="bg2"/>
-                      </a:solidFill>
-                      <a:prstDash val="solid"/>
-                      <a:round/>
-                      <a:headEnd type="none" w="med" len="med"/>
-                      <a:tailEnd type="none" w="med" len="med"/>
-                    </a:lnL>
-                    <a:lnR w="3175" cap="flat" cmpd="sng" algn="ctr">
-                      <a:solidFill>
-                        <a:schemeClr val="bg2"/>
-                      </a:solidFill>
-                      <a:prstDash val="solid"/>
-                      <a:round/>
-                      <a:headEnd type="none" w="med" len="med"/>
-                      <a:tailEnd type="none" w="med" len="med"/>
-                    </a:lnR>
-                    <a:lnT w="3175" cap="flat" cmpd="sng" algn="ctr">
-                      <a:solidFill>
-                        <a:schemeClr val="tx1"/>
-                      </a:solidFill>
-                      <a:prstDash val="solid"/>
-                      <a:round/>
-                      <a:headEnd type="none" w="med" len="med"/>
-                      <a:tailEnd type="none" w="med" len="med"/>
-                    </a:lnT>
-                    <a:lnB w="3175" cap="flat" cmpd="sng" algn="ctr">
-                      <a:solidFill>
-                        <a:schemeClr val="tx1"/>
-                      </a:solidFill>
-                      <a:prstDash val="solid"/>
-                      <a:round/>
-                      <a:headEnd type="none" w="med" len="med"/>
-                      <a:tailEnd type="none" w="med" len="med"/>
-                    </a:lnB>
-                    <a:lnTlToBr w="12700" cmpd="sng">
-                      <a:noFill/>
-                      <a:prstDash val="solid"/>
-                    </a:lnTlToBr>
-                    <a:lnBlToTr w="12700" cmpd="sng">
-                      <a:noFill/>
-                      <a:prstDash val="solid"/>
-                    </a:lnBlToTr>
-                    <a:solidFill>
-                      <a:schemeClr val="bg2">
-                        <a:lumMod val="90000"/>
-                      </a:schemeClr>
-                    </a:solidFill>
-                  </a:tcPr>
-                </a:tc>
-                <a:tc hMerge="1">
-                  <a:txBody>
-                    <a:bodyPr/>
-                    <a:lstStyle/>
-                    <a:p>
-                      <a:pPr marL="0" marR="0" lvl="0" indent="0" algn="r" defTabSz="914400" rtl="0" eaLnBrk="1" fontAlgn="base" latinLnBrk="0" hangingPunct="1">
-                        <a:lnSpc>
-                          <a:spcPct val="100000"/>
-                        </a:lnSpc>
-                        <a:spcBef>
-                          <a:spcPct val="0"/>
-                        </a:spcBef>
-                        <a:spcAft>
-                          <a:spcPct val="0"/>
-                        </a:spcAft>
-                        <a:buClrTx/>
-                        <a:buSzTx/>
-                        <a:buFontTx/>
-                        <a:buNone/>
-                        <a:tabLst/>
-                      </a:pPr>
-                      <a:endParaRPr lang="pt-BR" sz="900" b="0" kern="1200" dirty="0">
-                        <a:solidFill>
-                          <a:schemeClr val="tx1">
-                            <a:lumMod val="75000"/>
-                            <a:lumOff val="25000"/>
-                          </a:schemeClr>
-                        </a:solidFill>
-                        <a:effectLst/>
-                        <a:latin typeface="Verdana" pitchFamily="34" charset="0"/>
-                        <a:ea typeface="Verdana" pitchFamily="34" charset="0"/>
-                        <a:cs typeface="Verdana" pitchFamily="34" charset="0"/>
-                      </a:endParaRPr>
-                    </a:p>
-                  </a:txBody>
-                  <a:tcPr anchor="ctr" horzOverflow="overflow">
-                    <a:lnL w="3175" cap="flat" cmpd="sng" algn="ctr">
-                      <a:solidFill>
-                        <a:schemeClr val="bg2"/>
-                      </a:solidFill>
-                      <a:prstDash val="solid"/>
-                      <a:round/>
-                      <a:headEnd type="none" w="med" len="med"/>
-                      <a:tailEnd type="none" w="med" len="med"/>
-                    </a:lnL>
-                    <a:lnR w="3175" cap="flat" cmpd="sng" algn="ctr">
-                      <a:solidFill>
-                        <a:schemeClr val="bg2"/>
-                      </a:solidFill>
-                      <a:prstDash val="solid"/>
-                      <a:round/>
-                      <a:headEnd type="none" w="med" len="med"/>
-                      <a:tailEnd type="none" w="med" len="med"/>
-                    </a:lnR>
-                    <a:lnT w="3175" cap="flat" cmpd="sng" algn="ctr">
-                      <a:solidFill>
-                        <a:schemeClr val="tx1"/>
-                      </a:solidFill>
-                      <a:prstDash val="solid"/>
-                      <a:round/>
-                      <a:headEnd type="none" w="med" len="med"/>
-                      <a:tailEnd type="none" w="med" len="med"/>
-                    </a:lnT>
-                    <a:lnB w="3175" cap="flat" cmpd="sng" algn="ctr">
-                      <a:solidFill>
-                        <a:schemeClr val="bg1"/>
-                      </a:solidFill>
-                      <a:prstDash val="solid"/>
-                      <a:round/>
-                      <a:headEnd type="none" w="med" len="med"/>
-                      <a:tailEnd type="none" w="med" len="med"/>
-                    </a:lnB>
-                    <a:lnTlToBr w="12700" cmpd="sng">
-                      <a:noFill/>
-                      <a:prstDash val="solid"/>
-                    </a:lnTlToBr>
-                    <a:lnBlToTr w="12700" cmpd="sng">
-                      <a:noFill/>
-                      <a:prstDash val="solid"/>
-                    </a:lnBlToTr>
-                    <a:solidFill>
-                      <a:schemeClr val="bg2">
-                        <a:lumMod val="90000"/>
-                      </a:schemeClr>
-                    </a:solidFill>
-                  </a:tcPr>
-                </a:tc>
-                <a:tc>
-                  <a:txBody>
-                    <a:bodyPr/>
-                    <a:lstStyle/>
-                    <a:p>
-                      <a:endParaRPr lang="pt-BR" sz="1000" dirty="0">
-                        <a:latin typeface="Verdana" pitchFamily="34" charset="0"/>
-                        <a:ea typeface="Verdana" pitchFamily="34" charset="0"/>
-                        <a:cs typeface="Verdana" pitchFamily="34" charset="0"/>
-                      </a:endParaRPr>
-                    </a:p>
-                  </a:txBody>
-                  <a:tcPr anchor="ctr" horzOverflow="overflow">
-                    <a:lnL w="3175" cap="flat" cmpd="sng" algn="ctr">
-                      <a:solidFill>
-                        <a:schemeClr val="bg2"/>
-                      </a:solidFill>
-                      <a:prstDash val="solid"/>
-                      <a:round/>
-                      <a:headEnd type="none" w="med" len="med"/>
-                      <a:tailEnd type="none" w="med" len="med"/>
-                    </a:lnL>
-                    <a:lnR>
-                      <a:noFill/>
-                    </a:lnR>
-                    <a:lnT w="3175" cap="flat" cmpd="sng" algn="ctr">
-                      <a:solidFill>
-                        <a:schemeClr val="tx1"/>
-                      </a:solidFill>
-                      <a:prstDash val="solid"/>
-                      <a:round/>
-                      <a:headEnd type="none" w="med" len="med"/>
-                      <a:tailEnd type="none" w="med" len="med"/>
-                    </a:lnT>
-                    <a:lnB w="3175" cap="flat" cmpd="sng" algn="ctr">
-                      <a:solidFill>
-                        <a:schemeClr val="tx1"/>
-                      </a:solidFill>
-                      <a:prstDash val="solid"/>
-                      <a:round/>
-                      <a:headEnd type="none" w="med" len="med"/>
-                      <a:tailEnd type="none" w="med" len="med"/>
-                    </a:lnB>
-                    <a:lnTlToBr w="12700" cmpd="sng">
-                      <a:noFill/>
-                      <a:prstDash val="solid"/>
-                    </a:lnTlToBr>
-                    <a:lnBlToTr w="12700" cmpd="sng">
-                      <a:noFill/>
-                      <a:prstDash val="solid"/>
-                    </a:lnBlToTr>
-                    <a:solidFill>
-                      <a:schemeClr val="bg2">
-                        <a:lumMod val="90000"/>
-                      </a:schemeClr>
-                    </a:solidFill>
-                  </a:tcPr>
-                </a:tc>
-                <a:extLst>
-                  <a:ext uri="{0D108BD9-81ED-4DB2-BD59-A6C34878D82A}">
-                    <a16:rowId xmlns:a16="http://schemas.microsoft.com/office/drawing/2014/main" val="10003"/>
-                  </a:ext>
-                </a:extLst>
-              </a:tr>
-              <a:tr h="333264">
-                <a:tc>
-                  <a:txBody>
-                    <a:bodyPr/>
-                    <a:lstStyle/>
-                    <a:p>
-                      <a:pPr marL="0" marR="0" lvl="0" indent="0" algn="just" defTabSz="914400" rtl="0" eaLnBrk="1" fontAlgn="auto" latinLnBrk="0" hangingPunct="1">
-                        <a:lnSpc>
-                          <a:spcPct val="100000"/>
-                        </a:lnSpc>
-                        <a:spcBef>
-                          <a:spcPts val="0"/>
-                        </a:spcBef>
-                        <a:spcAft>
-                          <a:spcPts val="0"/>
-                        </a:spcAft>
-                        <a:buClrTx/>
-                        <a:buSzTx/>
-                        <a:buFontTx/>
-                        <a:buNone/>
-                        <a:tabLst/>
-                        <a:defRPr/>
-                      </a:pPr>
-                      <a:r>
-                        <a:rPr lang="pt-BR" sz="1000" b="1" i="1" baseline="0" dirty="0">
-                          <a:solidFill>
-                            <a:schemeClr val="tx1"/>
-                          </a:solidFill>
-                          <a:hlinkClick r:id="" action="ppaction://customshow?id=2&amp;return=true"/>
-                        </a:rPr>
-                        <a:t>Projeto</a:t>
-                      </a:r>
-                      <a:r>
-                        <a:rPr lang="pt-BR" sz="1000" b="1" i="1" dirty="0">
-                          <a:solidFill>
-                            <a:schemeClr val="tx1"/>
-                          </a:solidFill>
-                          <a:hlinkClick r:id="" action="ppaction://customshow?id=2&amp;return=true"/>
-                        </a:rPr>
-                        <a:t> 04</a:t>
-                      </a:r>
-                      <a:r>
-                        <a:rPr lang="pt-BR" sz="1000" b="1" i="1" baseline="0" dirty="0">
-                          <a:solidFill>
-                            <a:schemeClr val="tx1"/>
-                          </a:solidFill>
-                          <a:hlinkClick r:id="" action="ppaction://customshow?id=2&amp;return=true"/>
-                        </a:rPr>
-                        <a:t> </a:t>
-                      </a:r>
-                      <a:r>
-                        <a:rPr lang="pt-BR" sz="1000" b="1" i="1" baseline="0" dirty="0">
-                          <a:solidFill>
-                            <a:schemeClr val="tx1"/>
-                          </a:solidFill>
-                        </a:rPr>
-                        <a:t>– </a:t>
-                      </a:r>
-                      <a:r>
-                        <a:rPr lang="pt-BR" sz="1000" b="1" dirty="0">
-                          <a:solidFill>
-                            <a:schemeClr val="tx1">
-                              <a:lumMod val="75000"/>
-                              <a:lumOff val="25000"/>
-                            </a:schemeClr>
-                          </a:solidFill>
-                          <a:latin typeface="Arial" pitchFamily="34" charset="0"/>
-                          <a:cs typeface="Arial" pitchFamily="34" charset="0"/>
-                        </a:rPr>
-                        <a:t>IQVIA – Pesquisa de Imagem</a:t>
-                      </a:r>
-                    </a:p>
-                  </a:txBody>
-                  <a:tcPr>
-                    <a:lnL>
-                      <a:noFill/>
-                    </a:lnL>
-                    <a:lnR w="3175" cap="flat" cmpd="sng" algn="ctr">
-                      <a:solidFill>
-                        <a:schemeClr val="bg2"/>
-                      </a:solidFill>
-                      <a:prstDash val="solid"/>
-                      <a:round/>
-                      <a:headEnd type="none" w="med" len="med"/>
-                      <a:tailEnd type="none" w="med" len="med"/>
-                    </a:lnR>
-                    <a:lnT w="3175" cap="flat" cmpd="sng" algn="ctr">
-                      <a:solidFill>
-                        <a:schemeClr val="tx1"/>
-                      </a:solidFill>
-                      <a:prstDash val="solid"/>
-                      <a:round/>
-                      <a:headEnd type="none" w="med" len="med"/>
-                      <a:tailEnd type="none" w="med" len="med"/>
-                    </a:lnT>
-                    <a:lnB w="3175" cap="flat" cmpd="sng" algn="ctr">
-                      <a:solidFill>
-                        <a:schemeClr val="tx1"/>
-                      </a:solidFill>
-                      <a:prstDash val="solid"/>
-                      <a:round/>
-                      <a:headEnd type="none" w="med" len="med"/>
-                      <a:tailEnd type="none" w="med" len="med"/>
-                    </a:lnB>
-                    <a:lnTlToBr w="12700" cmpd="sng">
-                      <a:noFill/>
-                      <a:prstDash val="solid"/>
-                    </a:lnTlToBr>
-                    <a:lnBlToTr w="12700" cmpd="sng">
-                      <a:noFill/>
-                      <a:prstDash val="solid"/>
-                    </a:lnBlToTr>
-                    <a:solidFill>
-                      <a:schemeClr val="bg2">
-                        <a:lumMod val="90000"/>
-                      </a:schemeClr>
-                    </a:solidFill>
-                  </a:tcPr>
-                </a:tc>
-                <a:tc gridSpan="2">
-                  <a:txBody>
-                    <a:bodyPr/>
-                    <a:lstStyle/>
-                    <a:p>
-                      <a:pPr marL="0" marR="0" lvl="0" indent="0" algn="r" defTabSz="914400" rtl="0" eaLnBrk="1" fontAlgn="base" latinLnBrk="0" hangingPunct="1">
-                        <a:lnSpc>
-                          <a:spcPct val="100000"/>
-                        </a:lnSpc>
-                        <a:spcBef>
-                          <a:spcPct val="0"/>
-                        </a:spcBef>
-                        <a:spcAft>
-                          <a:spcPct val="0"/>
-                        </a:spcAft>
-                        <a:buClrTx/>
-                        <a:buSzTx/>
-                        <a:buFontTx/>
-                        <a:buNone/>
-                        <a:tabLst/>
-                      </a:pPr>
-                      <a:endParaRPr lang="pt-BR" sz="900" b="0" kern="1200" dirty="0">
-                        <a:solidFill>
-                          <a:schemeClr val="tx1">
-                            <a:lumMod val="75000"/>
-                            <a:lumOff val="25000"/>
-                          </a:schemeClr>
-                        </a:solidFill>
-                        <a:effectLst/>
-                        <a:latin typeface="Verdana" pitchFamily="34" charset="0"/>
-                        <a:ea typeface="Verdana" pitchFamily="34" charset="0"/>
-                        <a:cs typeface="Verdana" pitchFamily="34" charset="0"/>
-                      </a:endParaRPr>
-                    </a:p>
-                  </a:txBody>
-                  <a:tcPr anchor="ctr" horzOverflow="overflow">
-                    <a:lnL w="3175" cap="flat" cmpd="sng" algn="ctr">
-                      <a:solidFill>
-                        <a:schemeClr val="bg2"/>
-                      </a:solidFill>
-                      <a:prstDash val="solid"/>
-                      <a:round/>
-                      <a:headEnd type="none" w="med" len="med"/>
-                      <a:tailEnd type="none" w="med" len="med"/>
-                    </a:lnL>
-                    <a:lnR w="3175" cap="flat" cmpd="sng" algn="ctr">
-                      <a:solidFill>
-                        <a:schemeClr val="bg2"/>
-                      </a:solidFill>
-                      <a:prstDash val="solid"/>
-                      <a:round/>
-                      <a:headEnd type="none" w="med" len="med"/>
-                      <a:tailEnd type="none" w="med" len="med"/>
-                    </a:lnR>
-                    <a:lnT w="3175" cap="flat" cmpd="sng" algn="ctr">
-                      <a:solidFill>
-                        <a:schemeClr val="tx1"/>
-                      </a:solidFill>
-                      <a:prstDash val="solid"/>
-                      <a:round/>
-                      <a:headEnd type="none" w="med" len="med"/>
-                      <a:tailEnd type="none" w="med" len="med"/>
-                    </a:lnT>
-                    <a:lnB w="3175" cap="flat" cmpd="sng" algn="ctr">
-                      <a:solidFill>
-                        <a:schemeClr val="tx1"/>
-                      </a:solidFill>
-                      <a:prstDash val="solid"/>
-                      <a:round/>
-                      <a:headEnd type="none" w="med" len="med"/>
-                      <a:tailEnd type="none" w="med" len="med"/>
-                    </a:lnB>
-                    <a:lnTlToBr w="12700" cmpd="sng">
-                      <a:noFill/>
-                      <a:prstDash val="solid"/>
-                    </a:lnTlToBr>
-                    <a:lnBlToTr w="12700" cmpd="sng">
-                      <a:noFill/>
-                      <a:prstDash val="solid"/>
-                    </a:lnBlToTr>
-                    <a:solidFill>
-                      <a:schemeClr val="bg2">
-                        <a:lumMod val="90000"/>
-                      </a:schemeClr>
-                    </a:solidFill>
-                  </a:tcPr>
-                </a:tc>
-                <a:tc hMerge="1">
-                  <a:txBody>
-                    <a:bodyPr/>
-                    <a:lstStyle/>
-                    <a:p>
-                      <a:pPr marL="0" marR="0" lvl="0" indent="0" algn="r" defTabSz="914400" rtl="0" eaLnBrk="1" fontAlgn="base" latinLnBrk="0" hangingPunct="1">
-                        <a:lnSpc>
-                          <a:spcPct val="100000"/>
-                        </a:lnSpc>
-                        <a:spcBef>
-                          <a:spcPct val="0"/>
-                        </a:spcBef>
-                        <a:spcAft>
-                          <a:spcPct val="0"/>
-                        </a:spcAft>
-                        <a:buClrTx/>
-                        <a:buSzTx/>
-                        <a:buFontTx/>
-                        <a:buNone/>
-                        <a:tabLst/>
-                      </a:pPr>
-                      <a:endParaRPr lang="pt-BR" sz="900" b="0" kern="1200" dirty="0">
-                        <a:solidFill>
-                          <a:schemeClr val="tx1">
-                            <a:lumMod val="75000"/>
-                            <a:lumOff val="25000"/>
-                          </a:schemeClr>
-                        </a:solidFill>
-                        <a:effectLst/>
-                        <a:latin typeface="Verdana" pitchFamily="34" charset="0"/>
-                        <a:ea typeface="Verdana" pitchFamily="34" charset="0"/>
-                        <a:cs typeface="Verdana" pitchFamily="34" charset="0"/>
-                      </a:endParaRPr>
-                    </a:p>
-                  </a:txBody>
-                  <a:tcPr anchor="ctr" horzOverflow="overflow">
-                    <a:lnL w="3175" cap="flat" cmpd="sng" algn="ctr">
-                      <a:solidFill>
-                        <a:schemeClr val="bg2"/>
-                      </a:solidFill>
-                      <a:prstDash val="solid"/>
-                      <a:round/>
-                      <a:headEnd type="none" w="med" len="med"/>
-                      <a:tailEnd type="none" w="med" len="med"/>
-                    </a:lnL>
-                    <a:lnR w="3175" cap="flat" cmpd="sng" algn="ctr">
-                      <a:solidFill>
-                        <a:schemeClr val="bg2"/>
-                      </a:solidFill>
-                      <a:prstDash val="solid"/>
-                      <a:round/>
-                      <a:headEnd type="none" w="med" len="med"/>
-                      <a:tailEnd type="none" w="med" len="med"/>
-                    </a:lnR>
-                    <a:lnT w="3175" cap="flat" cmpd="sng" algn="ctr">
-                      <a:solidFill>
-                        <a:schemeClr val="tx1"/>
-                      </a:solidFill>
-                      <a:prstDash val="solid"/>
-                      <a:round/>
-                      <a:headEnd type="none" w="med" len="med"/>
-                      <a:tailEnd type="none" w="med" len="med"/>
-                    </a:lnT>
-                    <a:lnB w="3175" cap="flat" cmpd="sng" algn="ctr">
-                      <a:solidFill>
-                        <a:schemeClr val="bg1"/>
-                      </a:solidFill>
-                      <a:prstDash val="solid"/>
-                      <a:round/>
-                      <a:headEnd type="none" w="med" len="med"/>
-                      <a:tailEnd type="none" w="med" len="med"/>
-                    </a:lnB>
-                    <a:lnTlToBr w="12700" cmpd="sng">
-                      <a:noFill/>
-                      <a:prstDash val="solid"/>
-                    </a:lnTlToBr>
-                    <a:lnBlToTr w="12700" cmpd="sng">
-                      <a:noFill/>
-                      <a:prstDash val="solid"/>
-                    </a:lnBlToTr>
-                    <a:solidFill>
-                      <a:schemeClr val="bg2">
-                        <a:lumMod val="90000"/>
-                      </a:schemeClr>
-                    </a:solidFill>
-                  </a:tcPr>
-                </a:tc>
-                <a:tc>
-                  <a:txBody>
-                    <a:bodyPr/>
-                    <a:lstStyle/>
-                    <a:p>
-                      <a:endParaRPr lang="pt-BR" sz="1000" dirty="0">
-                        <a:latin typeface="Verdana" pitchFamily="34" charset="0"/>
-                        <a:ea typeface="Verdana" pitchFamily="34" charset="0"/>
-                        <a:cs typeface="Verdana" pitchFamily="34" charset="0"/>
-                      </a:endParaRPr>
-                    </a:p>
-                  </a:txBody>
-                  <a:tcPr anchor="ctr" horzOverflow="overflow">
-                    <a:lnL w="3175" cap="flat" cmpd="sng" algn="ctr">
-                      <a:solidFill>
-                        <a:schemeClr val="bg2"/>
-                      </a:solidFill>
-                      <a:prstDash val="solid"/>
-                      <a:round/>
-                      <a:headEnd type="none" w="med" len="med"/>
-                      <a:tailEnd type="none" w="med" len="med"/>
-                    </a:lnL>
-                    <a:lnR>
-                      <a:noFill/>
-                    </a:lnR>
-                    <a:lnT w="3175" cap="flat" cmpd="sng" algn="ctr">
-                      <a:solidFill>
-                        <a:schemeClr val="tx1"/>
-                      </a:solidFill>
-                      <a:prstDash val="solid"/>
-                      <a:round/>
-                      <a:headEnd type="none" w="med" len="med"/>
-                      <a:tailEnd type="none" w="med" len="med"/>
-                    </a:lnT>
-                    <a:lnB w="3175" cap="flat" cmpd="sng" algn="ctr">
-                      <a:solidFill>
-                        <a:schemeClr val="tx1"/>
-                      </a:solidFill>
-                      <a:prstDash val="solid"/>
-                      <a:round/>
-                      <a:headEnd type="none" w="med" len="med"/>
-                      <a:tailEnd type="none" w="med" len="med"/>
-                    </a:lnB>
-                    <a:lnTlToBr w="12700" cmpd="sng">
-                      <a:noFill/>
-                      <a:prstDash val="solid"/>
-                    </a:lnTlToBr>
-                    <a:lnBlToTr w="12700" cmpd="sng">
-                      <a:noFill/>
-                      <a:prstDash val="solid"/>
-                    </a:lnBlToTr>
-                    <a:solidFill>
-                      <a:schemeClr val="bg2">
-                        <a:lumMod val="90000"/>
-                      </a:schemeClr>
-                    </a:solidFill>
-                  </a:tcPr>
-                </a:tc>
-                <a:extLst>
-                  <a:ext uri="{0D108BD9-81ED-4DB2-BD59-A6C34878D82A}">
-                    <a16:rowId xmlns:a16="http://schemas.microsoft.com/office/drawing/2014/main" val="3292197460"/>
-                  </a:ext>
-                </a:extLst>
-              </a:tr>
-              <a:tr h="333264">
-                <a:tc>
-                  <a:txBody>
-                    <a:bodyPr/>
-                    <a:lstStyle/>
-                    <a:p>
-                      <a:pPr marL="0" marR="0" lvl="0" indent="0" algn="just" defTabSz="914400" rtl="0" eaLnBrk="1" fontAlgn="auto" latinLnBrk="0" hangingPunct="1">
-                        <a:lnSpc>
-                          <a:spcPct val="100000"/>
-                        </a:lnSpc>
-                        <a:spcBef>
-                          <a:spcPts val="0"/>
-                        </a:spcBef>
-                        <a:spcAft>
-                          <a:spcPts val="0"/>
-                        </a:spcAft>
-                        <a:buClrTx/>
-                        <a:buSzTx/>
-                        <a:buFontTx/>
-                        <a:buNone/>
-                        <a:tabLst/>
-                        <a:defRPr/>
-                      </a:pPr>
-                      <a:r>
-                        <a:rPr lang="pt-BR" sz="1000" b="1" i="1" baseline="0" dirty="0">
-                          <a:solidFill>
-                            <a:schemeClr val="tx1"/>
-                          </a:solidFill>
-                          <a:hlinkClick r:id="" action="ppaction://customshow?id=3&amp;return=true"/>
-                        </a:rPr>
-                        <a:t>Projeto</a:t>
-                      </a:r>
-                      <a:r>
-                        <a:rPr lang="pt-BR" sz="1000" b="1" i="1" dirty="0">
-                          <a:solidFill>
-                            <a:schemeClr val="tx1"/>
-                          </a:solidFill>
-                          <a:hlinkClick r:id="" action="ppaction://customshow?id=3&amp;return=true"/>
-                        </a:rPr>
-                        <a:t> 05</a:t>
-                      </a:r>
-                      <a:r>
-                        <a:rPr lang="pt-BR" sz="1000" b="1" i="1" baseline="0" dirty="0">
-                          <a:solidFill>
-                            <a:schemeClr val="tx1"/>
-                          </a:solidFill>
-                          <a:hlinkClick r:id="" action="ppaction://customshow?id=3&amp;return=true"/>
-                        </a:rPr>
-                        <a:t> </a:t>
-                      </a:r>
-                      <a:r>
-                        <a:rPr lang="pt-BR" sz="1000" b="1" i="1" baseline="0" dirty="0">
-                          <a:solidFill>
-                            <a:schemeClr val="tx1"/>
-                          </a:solidFill>
-                        </a:rPr>
-                        <a:t>– </a:t>
-                      </a:r>
-                      <a:r>
-                        <a:rPr lang="pt-BR" sz="1000" b="1" dirty="0">
-                          <a:solidFill>
-                            <a:schemeClr val="tx1">
-                              <a:lumMod val="75000"/>
-                              <a:lumOff val="25000"/>
-                            </a:schemeClr>
-                          </a:solidFill>
-                          <a:latin typeface="Arial" pitchFamily="34" charset="0"/>
-                          <a:cs typeface="Arial" pitchFamily="34" charset="0"/>
-                        </a:rPr>
-                        <a:t>Close-up – Pesquisa em Hospitais</a:t>
-                      </a:r>
-                    </a:p>
-                  </a:txBody>
-                  <a:tcPr>
-                    <a:lnL>
-                      <a:noFill/>
-                    </a:lnL>
-                    <a:lnR w="3175" cap="flat" cmpd="sng" algn="ctr">
-                      <a:solidFill>
-                        <a:schemeClr val="bg2"/>
-                      </a:solidFill>
-                      <a:prstDash val="solid"/>
-                      <a:round/>
-                      <a:headEnd type="none" w="med" len="med"/>
-                      <a:tailEnd type="none" w="med" len="med"/>
-                    </a:lnR>
-                    <a:lnT w="3175" cap="flat" cmpd="sng" algn="ctr">
-                      <a:solidFill>
-                        <a:schemeClr val="tx1"/>
-                      </a:solidFill>
-                      <a:prstDash val="solid"/>
-                      <a:round/>
-                      <a:headEnd type="none" w="med" len="med"/>
-                      <a:tailEnd type="none" w="med" len="med"/>
-                    </a:lnT>
-                    <a:lnB w="3175" cap="flat" cmpd="sng" algn="ctr">
-                      <a:solidFill>
-                        <a:schemeClr val="tx1"/>
-                      </a:solidFill>
-                      <a:prstDash val="solid"/>
-                      <a:round/>
-                      <a:headEnd type="none" w="med" len="med"/>
-                      <a:tailEnd type="none" w="med" len="med"/>
-                    </a:lnB>
-                    <a:lnTlToBr w="12700" cmpd="sng">
-                      <a:noFill/>
-                      <a:prstDash val="solid"/>
-                    </a:lnTlToBr>
-                    <a:lnBlToTr w="12700" cmpd="sng">
-                      <a:noFill/>
-                      <a:prstDash val="solid"/>
-                    </a:lnBlToTr>
-                    <a:solidFill>
-                      <a:schemeClr val="bg2">
-                        <a:lumMod val="90000"/>
-                      </a:schemeClr>
-                    </a:solidFill>
-                  </a:tcPr>
-                </a:tc>
-                <a:tc gridSpan="2">
-                  <a:txBody>
-                    <a:bodyPr/>
-                    <a:lstStyle/>
-                    <a:p>
-                      <a:pPr marL="0" marR="0" lvl="0" indent="0" algn="r" defTabSz="914400" rtl="0" eaLnBrk="1" fontAlgn="base" latinLnBrk="0" hangingPunct="1">
-                        <a:lnSpc>
-                          <a:spcPct val="100000"/>
-                        </a:lnSpc>
-                        <a:spcBef>
-                          <a:spcPct val="0"/>
-                        </a:spcBef>
-                        <a:spcAft>
-                          <a:spcPct val="0"/>
-                        </a:spcAft>
-                        <a:buClrTx/>
-                        <a:buSzTx/>
-                        <a:buFontTx/>
-                        <a:buNone/>
-                        <a:tabLst/>
-                        <a:defRPr/>
-                      </a:pPr>
-                      <a:endParaRPr lang="pt-BR" sz="900" b="0" kern="1200" dirty="0">
-                        <a:solidFill>
-                          <a:schemeClr val="tx1">
-                            <a:lumMod val="75000"/>
-                            <a:lumOff val="25000"/>
-                          </a:schemeClr>
-                        </a:solidFill>
-                        <a:effectLst/>
-                        <a:latin typeface="Verdana" pitchFamily="34" charset="0"/>
-                        <a:ea typeface="Verdana" pitchFamily="34" charset="0"/>
-                        <a:cs typeface="Verdana" pitchFamily="34" charset="0"/>
-                      </a:endParaRPr>
-                    </a:p>
-                  </a:txBody>
-                  <a:tcPr anchor="ctr" horzOverflow="overflow">
-                    <a:lnL w="3175" cap="flat" cmpd="sng" algn="ctr">
-                      <a:solidFill>
-                        <a:schemeClr val="bg2"/>
-                      </a:solidFill>
-                      <a:prstDash val="solid"/>
-                      <a:round/>
-                      <a:headEnd type="none" w="med" len="med"/>
-                      <a:tailEnd type="none" w="med" len="med"/>
-                    </a:lnL>
-                    <a:lnR w="3175" cap="flat" cmpd="sng" algn="ctr">
-                      <a:solidFill>
-                        <a:schemeClr val="bg2"/>
-                      </a:solidFill>
-                      <a:prstDash val="solid"/>
-                      <a:round/>
-                      <a:headEnd type="none" w="med" len="med"/>
-                      <a:tailEnd type="none" w="med" len="med"/>
-                    </a:lnR>
-                    <a:lnT w="3175" cap="flat" cmpd="sng" algn="ctr">
-                      <a:solidFill>
-                        <a:schemeClr val="tx1"/>
-                      </a:solidFill>
-                      <a:prstDash val="solid"/>
-                      <a:round/>
-                      <a:headEnd type="none" w="med" len="med"/>
-                      <a:tailEnd type="none" w="med" len="med"/>
-                    </a:lnT>
-                    <a:lnB w="3175" cap="flat" cmpd="sng" algn="ctr">
-                      <a:solidFill>
-                        <a:schemeClr val="tx1"/>
-                      </a:solidFill>
-                      <a:prstDash val="solid"/>
-                      <a:round/>
-                      <a:headEnd type="none" w="med" len="med"/>
-                      <a:tailEnd type="none" w="med" len="med"/>
-                    </a:lnB>
-                    <a:lnTlToBr w="12700" cmpd="sng">
-                      <a:noFill/>
-                      <a:prstDash val="solid"/>
-                    </a:lnTlToBr>
-                    <a:lnBlToTr w="12700" cmpd="sng">
-                      <a:noFill/>
-                      <a:prstDash val="solid"/>
-                    </a:lnBlToTr>
-                    <a:solidFill>
-                      <a:schemeClr val="bg2">
-                        <a:lumMod val="90000"/>
-                      </a:schemeClr>
-                    </a:solidFill>
-                  </a:tcPr>
-                </a:tc>
-                <a:tc hMerge="1">
-                  <a:txBody>
-                    <a:bodyPr/>
-                    <a:lstStyle/>
-                    <a:p>
-                      <a:pPr marL="0" marR="0" lvl="0" indent="0" algn="r" defTabSz="914400" rtl="0" eaLnBrk="1" fontAlgn="base" latinLnBrk="0" hangingPunct="1">
-                        <a:lnSpc>
-                          <a:spcPct val="100000"/>
-                        </a:lnSpc>
-                        <a:spcBef>
-                          <a:spcPct val="0"/>
-                        </a:spcBef>
-                        <a:spcAft>
-                          <a:spcPct val="0"/>
-                        </a:spcAft>
-                        <a:buClrTx/>
-                        <a:buSzTx/>
-                        <a:buFontTx/>
-                        <a:buNone/>
-                        <a:tabLst/>
-                      </a:pPr>
-                      <a:endParaRPr lang="pt-BR" sz="900" b="0" kern="1200" dirty="0">
-                        <a:solidFill>
-                          <a:schemeClr val="tx1">
-                            <a:lumMod val="75000"/>
-                            <a:lumOff val="25000"/>
-                          </a:schemeClr>
-                        </a:solidFill>
-                        <a:effectLst/>
-                        <a:latin typeface="Verdana" pitchFamily="34" charset="0"/>
-                        <a:ea typeface="Verdana" pitchFamily="34" charset="0"/>
-                        <a:cs typeface="Verdana" pitchFamily="34" charset="0"/>
-                      </a:endParaRPr>
-                    </a:p>
-                  </a:txBody>
-                  <a:tcPr anchor="ctr" horzOverflow="overflow">
-                    <a:lnL w="3175" cap="flat" cmpd="sng" algn="ctr">
-                      <a:solidFill>
-                        <a:schemeClr val="bg2"/>
-                      </a:solidFill>
-                      <a:prstDash val="solid"/>
-                      <a:round/>
-                      <a:headEnd type="none" w="med" len="med"/>
-                      <a:tailEnd type="none" w="med" len="med"/>
-                    </a:lnL>
-                    <a:lnR w="3175" cap="flat" cmpd="sng" algn="ctr">
-                      <a:solidFill>
-                        <a:schemeClr val="bg2"/>
-                      </a:solidFill>
-                      <a:prstDash val="solid"/>
-                      <a:round/>
-                      <a:headEnd type="none" w="med" len="med"/>
-                      <a:tailEnd type="none" w="med" len="med"/>
-                    </a:lnR>
-                    <a:lnT w="3175" cap="flat" cmpd="sng" algn="ctr">
-                      <a:solidFill>
-                        <a:schemeClr val="tx1"/>
-                      </a:solidFill>
-                      <a:prstDash val="solid"/>
-                      <a:round/>
-                      <a:headEnd type="none" w="med" len="med"/>
-                      <a:tailEnd type="none" w="med" len="med"/>
-                    </a:lnT>
-                    <a:lnB w="3175" cap="flat" cmpd="sng" algn="ctr">
-                      <a:solidFill>
-                        <a:schemeClr val="bg1"/>
-                      </a:solidFill>
-                      <a:prstDash val="solid"/>
-                      <a:round/>
-                      <a:headEnd type="none" w="med" len="med"/>
-                      <a:tailEnd type="none" w="med" len="med"/>
-                    </a:lnB>
-                    <a:lnTlToBr w="12700" cmpd="sng">
-                      <a:noFill/>
-                      <a:prstDash val="solid"/>
-                    </a:lnTlToBr>
-                    <a:lnBlToTr w="12700" cmpd="sng">
-                      <a:noFill/>
-                      <a:prstDash val="solid"/>
-                    </a:lnBlToTr>
-                    <a:solidFill>
-                      <a:schemeClr val="bg2">
-                        <a:lumMod val="90000"/>
-                      </a:schemeClr>
-                    </a:solidFill>
-                  </a:tcPr>
-                </a:tc>
-                <a:tc>
-                  <a:txBody>
-                    <a:bodyPr/>
-                    <a:lstStyle/>
-                    <a:p>
-                      <a:endParaRPr lang="pt-BR" sz="1000" dirty="0">
-                        <a:latin typeface="Verdana" pitchFamily="34" charset="0"/>
-                        <a:ea typeface="Verdana" pitchFamily="34" charset="0"/>
-                        <a:cs typeface="Verdana" pitchFamily="34" charset="0"/>
-                      </a:endParaRPr>
-                    </a:p>
-                  </a:txBody>
-                  <a:tcPr anchor="ctr" horzOverflow="overflow">
-                    <a:lnL w="3175" cap="flat" cmpd="sng" algn="ctr">
-                      <a:solidFill>
-                        <a:schemeClr val="bg2"/>
-                      </a:solidFill>
-                      <a:prstDash val="solid"/>
-                      <a:round/>
-                      <a:headEnd type="none" w="med" len="med"/>
-                      <a:tailEnd type="none" w="med" len="med"/>
-                    </a:lnL>
-                    <a:lnR>
-                      <a:noFill/>
-                    </a:lnR>
-                    <a:lnT w="3175" cap="flat" cmpd="sng" algn="ctr">
-                      <a:solidFill>
-                        <a:schemeClr val="tx1"/>
-                      </a:solidFill>
-                      <a:prstDash val="solid"/>
-                      <a:round/>
-                      <a:headEnd type="none" w="med" len="med"/>
-                      <a:tailEnd type="none" w="med" len="med"/>
-                    </a:lnT>
-                    <a:lnB w="3175" cap="flat" cmpd="sng" algn="ctr">
-                      <a:solidFill>
-                        <a:schemeClr val="tx1"/>
-                      </a:solidFill>
-                      <a:prstDash val="solid"/>
-                      <a:round/>
-                      <a:headEnd type="none" w="med" len="med"/>
-                      <a:tailEnd type="none" w="med" len="med"/>
-                    </a:lnB>
-                    <a:lnTlToBr w="12700" cmpd="sng">
-                      <a:noFill/>
-                      <a:prstDash val="solid"/>
-                    </a:lnTlToBr>
-                    <a:lnBlToTr w="12700" cmpd="sng">
-                      <a:noFill/>
-                      <a:prstDash val="solid"/>
-                    </a:lnBlToTr>
-                    <a:solidFill>
-                      <a:schemeClr val="bg2">
-                        <a:lumMod val="90000"/>
-                      </a:schemeClr>
-                    </a:solidFill>
-                  </a:tcPr>
-                </a:tc>
-                <a:extLst>
-                  <a:ext uri="{0D108BD9-81ED-4DB2-BD59-A6C34878D82A}">
-                    <a16:rowId xmlns:a16="http://schemas.microsoft.com/office/drawing/2014/main" val="2440476575"/>
-                  </a:ext>
-                </a:extLst>
-              </a:tr>
-              <a:tr h="287714">
-                <a:tc>
-                  <a:txBody>
-                    <a:bodyPr/>
-                    <a:lstStyle/>
-                    <a:p>
-                      <a:pPr marL="0" marR="0" lvl="0" indent="0" algn="just" defTabSz="914400" rtl="0" eaLnBrk="1" fontAlgn="auto" latinLnBrk="0" hangingPunct="1">
-                        <a:lnSpc>
-                          <a:spcPct val="100000"/>
-                        </a:lnSpc>
-                        <a:spcBef>
-                          <a:spcPts val="0"/>
-                        </a:spcBef>
-                        <a:spcAft>
-                          <a:spcPts val="0"/>
-                        </a:spcAft>
-                        <a:buClrTx/>
-                        <a:buSzTx/>
-                        <a:buFontTx/>
-                        <a:buNone/>
-                        <a:tabLst/>
-                        <a:defRPr/>
-                      </a:pPr>
-                      <a:r>
-                        <a:rPr lang="pt-BR" sz="1000" b="1" i="1" baseline="0" dirty="0">
-                          <a:solidFill>
-                            <a:schemeClr val="tx1"/>
-                          </a:solidFill>
-                          <a:hlinkClick r:id="" action="ppaction://customshow?id=4&amp;return=true"/>
-                        </a:rPr>
-                        <a:t>Projeto</a:t>
-                      </a:r>
-                      <a:r>
-                        <a:rPr lang="pt-BR" sz="1000" b="1" i="1" dirty="0">
-                          <a:solidFill>
-                            <a:schemeClr val="tx1"/>
-                          </a:solidFill>
-                          <a:hlinkClick r:id="" action="ppaction://customshow?id=4&amp;return=true"/>
-                        </a:rPr>
-                        <a:t> 06</a:t>
-                      </a:r>
-                      <a:r>
-                        <a:rPr lang="pt-BR" sz="1000" b="1" i="1" baseline="0" dirty="0">
-                          <a:solidFill>
-                            <a:schemeClr val="tx1"/>
-                          </a:solidFill>
-                          <a:hlinkClick r:id="" action="ppaction://customshow?id=4&amp;return=true"/>
-                        </a:rPr>
-                        <a:t> </a:t>
-                      </a:r>
-                      <a:r>
-                        <a:rPr lang="pt-BR" sz="1000" b="1" i="1" baseline="0" dirty="0">
-                          <a:solidFill>
-                            <a:schemeClr val="tx1"/>
-                          </a:solidFill>
-                        </a:rPr>
-                        <a:t>– </a:t>
-                      </a:r>
-                      <a:r>
-                        <a:rPr lang="pt-BR" sz="1000" b="1" dirty="0">
-                          <a:solidFill>
-                            <a:schemeClr val="tx1">
-                              <a:lumMod val="75000"/>
-                              <a:lumOff val="25000"/>
-                            </a:schemeClr>
-                          </a:solidFill>
-                          <a:latin typeface="Arial" pitchFamily="34" charset="0"/>
-                          <a:cs typeface="Arial" pitchFamily="34" charset="0"/>
-                        </a:rPr>
-                        <a:t>Periódicos Abradimex</a:t>
-                      </a:r>
-                    </a:p>
-                  </a:txBody>
-                  <a:tcPr>
-                    <a:lnL>
-                      <a:noFill/>
-                    </a:lnL>
-                    <a:lnR w="3175" cap="flat" cmpd="sng" algn="ctr">
-                      <a:solidFill>
-                        <a:schemeClr val="bg2"/>
-                      </a:solidFill>
-                      <a:prstDash val="solid"/>
-                      <a:round/>
-                      <a:headEnd type="none" w="med" len="med"/>
-                      <a:tailEnd type="none" w="med" len="med"/>
-                    </a:lnR>
-                    <a:lnT w="3175" cap="flat" cmpd="sng" algn="ctr">
-                      <a:solidFill>
-                        <a:schemeClr val="tx1"/>
-                      </a:solidFill>
-                      <a:prstDash val="solid"/>
-                      <a:round/>
-                      <a:headEnd type="none" w="med" len="med"/>
-                      <a:tailEnd type="none" w="med" len="med"/>
-                    </a:lnT>
-                    <a:lnB w="3175" cap="flat" cmpd="sng" algn="ctr">
-                      <a:solidFill>
-                        <a:schemeClr val="tx1"/>
-                      </a:solidFill>
-                      <a:prstDash val="solid"/>
-                      <a:round/>
-                      <a:headEnd type="none" w="med" len="med"/>
-                      <a:tailEnd type="none" w="med" len="med"/>
-                    </a:lnB>
-                    <a:lnTlToBr w="12700" cmpd="sng">
-                      <a:noFill/>
-                      <a:prstDash val="solid"/>
-                    </a:lnTlToBr>
-                    <a:lnBlToTr w="12700" cmpd="sng">
-                      <a:noFill/>
-                      <a:prstDash val="solid"/>
-                    </a:lnBlToTr>
-                    <a:solidFill>
-                      <a:schemeClr val="bg2">
-                        <a:lumMod val="90000"/>
-                      </a:schemeClr>
-                    </a:solidFill>
-                  </a:tcPr>
-                </a:tc>
-                <a:tc gridSpan="2">
-                  <a:txBody>
-                    <a:bodyPr/>
-                    <a:lstStyle/>
-                    <a:p>
-                      <a:pPr marL="0" marR="0" lvl="0" indent="0" algn="r" defTabSz="914400" rtl="0" eaLnBrk="1" fontAlgn="base" latinLnBrk="0" hangingPunct="1">
-                        <a:lnSpc>
-                          <a:spcPct val="100000"/>
-                        </a:lnSpc>
-                        <a:spcBef>
-                          <a:spcPct val="0"/>
-                        </a:spcBef>
-                        <a:spcAft>
-                          <a:spcPct val="0"/>
-                        </a:spcAft>
-                        <a:buClrTx/>
-                        <a:buSzTx/>
-                        <a:buFontTx/>
-                        <a:buNone/>
-                        <a:tabLst/>
-                        <a:defRPr/>
-                      </a:pPr>
-                      <a:endParaRPr lang="pt-BR" sz="900" b="0" kern="1200" dirty="0">
-                        <a:solidFill>
-                          <a:schemeClr val="tx1">
-                            <a:lumMod val="75000"/>
-                            <a:lumOff val="25000"/>
-                          </a:schemeClr>
-                        </a:solidFill>
-                        <a:effectLst/>
-                        <a:latin typeface="Verdana" pitchFamily="34" charset="0"/>
-                        <a:ea typeface="Verdana" pitchFamily="34" charset="0"/>
-                        <a:cs typeface="Verdana" pitchFamily="34" charset="0"/>
-                      </a:endParaRPr>
-                    </a:p>
-                  </a:txBody>
-                  <a:tcPr anchor="ctr" horzOverflow="overflow">
-                    <a:lnL w="3175" cap="flat" cmpd="sng" algn="ctr">
-                      <a:solidFill>
-                        <a:schemeClr val="bg2"/>
-                      </a:solidFill>
-                      <a:prstDash val="solid"/>
-                      <a:round/>
-                      <a:headEnd type="none" w="med" len="med"/>
-                      <a:tailEnd type="none" w="med" len="med"/>
-                    </a:lnL>
-                    <a:lnR w="3175" cap="flat" cmpd="sng" algn="ctr">
-                      <a:solidFill>
-                        <a:schemeClr val="bg2"/>
-                      </a:solidFill>
-                      <a:prstDash val="solid"/>
-                      <a:round/>
-                      <a:headEnd type="none" w="med" len="med"/>
-                      <a:tailEnd type="none" w="med" len="med"/>
-                    </a:lnR>
-                    <a:lnT w="3175" cap="flat" cmpd="sng" algn="ctr">
-                      <a:solidFill>
-                        <a:schemeClr val="tx1"/>
-                      </a:solidFill>
-                      <a:prstDash val="solid"/>
-                      <a:round/>
-                      <a:headEnd type="none" w="med" len="med"/>
-                      <a:tailEnd type="none" w="med" len="med"/>
-                    </a:lnT>
-                    <a:lnB w="3175" cap="flat" cmpd="sng" algn="ctr">
-                      <a:solidFill>
-                        <a:schemeClr val="tx1"/>
-                      </a:solidFill>
-                      <a:prstDash val="solid"/>
-                      <a:round/>
-                      <a:headEnd type="none" w="med" len="med"/>
-                      <a:tailEnd type="none" w="med" len="med"/>
-                    </a:lnB>
-                    <a:lnTlToBr w="12700" cmpd="sng">
-                      <a:noFill/>
-                      <a:prstDash val="solid"/>
-                    </a:lnTlToBr>
-                    <a:lnBlToTr w="12700" cmpd="sng">
-                      <a:noFill/>
-                      <a:prstDash val="solid"/>
-                    </a:lnBlToTr>
-                    <a:solidFill>
-                      <a:schemeClr val="bg2">
-                        <a:lumMod val="90000"/>
-                      </a:schemeClr>
-                    </a:solidFill>
-                  </a:tcPr>
-                </a:tc>
-                <a:tc hMerge="1">
-                  <a:txBody>
-                    <a:bodyPr/>
-                    <a:lstStyle/>
-                    <a:p>
-                      <a:pPr marL="0" marR="0" lvl="0" indent="0" algn="r" defTabSz="914400" rtl="0" eaLnBrk="1" fontAlgn="base" latinLnBrk="0" hangingPunct="1">
-                        <a:lnSpc>
-                          <a:spcPct val="100000"/>
-                        </a:lnSpc>
-                        <a:spcBef>
-                          <a:spcPct val="0"/>
-                        </a:spcBef>
-                        <a:spcAft>
-                          <a:spcPct val="0"/>
-                        </a:spcAft>
-                        <a:buClrTx/>
-                        <a:buSzTx/>
-                        <a:buFontTx/>
-                        <a:buNone/>
-                        <a:tabLst/>
-                        <a:defRPr/>
-                      </a:pPr>
-                      <a:endParaRPr lang="pt-BR" sz="900" b="0" kern="1200" dirty="0">
-                        <a:solidFill>
-                          <a:schemeClr val="tx1">
-                            <a:lumMod val="75000"/>
-                            <a:lumOff val="25000"/>
-                          </a:schemeClr>
-                        </a:solidFill>
-                        <a:effectLst/>
-                        <a:latin typeface="Verdana" pitchFamily="34" charset="0"/>
-                        <a:ea typeface="Verdana" pitchFamily="34" charset="0"/>
-                        <a:cs typeface="Verdana" pitchFamily="34" charset="0"/>
-                      </a:endParaRPr>
-                    </a:p>
-                  </a:txBody>
-                  <a:tcPr anchor="ctr" horzOverflow="overflow">
-                    <a:lnL w="3175" cap="flat" cmpd="sng" algn="ctr">
-                      <a:solidFill>
-                        <a:schemeClr val="bg2"/>
-                      </a:solidFill>
-                      <a:prstDash val="solid"/>
-                      <a:round/>
-                      <a:headEnd type="none" w="med" len="med"/>
-                      <a:tailEnd type="none" w="med" len="med"/>
-                    </a:lnL>
-                    <a:lnR w="3175" cap="flat" cmpd="sng" algn="ctr">
-                      <a:solidFill>
-                        <a:schemeClr val="bg2"/>
-                      </a:solidFill>
-                      <a:prstDash val="solid"/>
-                      <a:round/>
-                      <a:headEnd type="none" w="med" len="med"/>
-                      <a:tailEnd type="none" w="med" len="med"/>
-                    </a:lnR>
-                    <a:lnT w="3175" cap="flat" cmpd="sng" algn="ctr">
-                      <a:solidFill>
-                        <a:schemeClr val="tx1"/>
-                      </a:solidFill>
-                      <a:prstDash val="solid"/>
-                      <a:round/>
-                      <a:headEnd type="none" w="med" len="med"/>
-                      <a:tailEnd type="none" w="med" len="med"/>
-                    </a:lnT>
-                    <a:lnB w="3175" cap="flat" cmpd="sng" algn="ctr">
-                      <a:solidFill>
-                        <a:schemeClr val="tx1"/>
-                      </a:solidFill>
-                      <a:prstDash val="solid"/>
-                      <a:round/>
-                      <a:headEnd type="none" w="med" len="med"/>
-                      <a:tailEnd type="none" w="med" len="med"/>
-                    </a:lnB>
-                    <a:lnTlToBr w="12700" cmpd="sng">
-                      <a:noFill/>
-                      <a:prstDash val="solid"/>
-                    </a:lnTlToBr>
-                    <a:lnBlToTr w="12700" cmpd="sng">
-                      <a:noFill/>
-                      <a:prstDash val="solid"/>
-                    </a:lnBlToTr>
-                    <a:solidFill>
-                      <a:schemeClr val="bg2">
-                        <a:lumMod val="90000"/>
-                      </a:schemeClr>
-                    </a:solidFill>
-                  </a:tcPr>
-                </a:tc>
-                <a:tc>
-                  <a:txBody>
-                    <a:bodyPr/>
-                    <a:lstStyle/>
-                    <a:p>
-                      <a:endParaRPr lang="pt-BR" sz="1000" dirty="0">
-                        <a:latin typeface="Verdana" pitchFamily="34" charset="0"/>
-                        <a:ea typeface="Verdana" pitchFamily="34" charset="0"/>
-                        <a:cs typeface="Verdana" pitchFamily="34" charset="0"/>
-                      </a:endParaRPr>
-                    </a:p>
-                  </a:txBody>
-                  <a:tcPr anchor="ctr" horzOverflow="overflow">
-                    <a:lnL w="3175" cap="flat" cmpd="sng" algn="ctr">
-                      <a:solidFill>
-                        <a:schemeClr val="bg2"/>
-                      </a:solidFill>
-                      <a:prstDash val="solid"/>
-                      <a:round/>
-                      <a:headEnd type="none" w="med" len="med"/>
-                      <a:tailEnd type="none" w="med" len="med"/>
-                    </a:lnL>
-                    <a:lnR>
-                      <a:noFill/>
-                    </a:lnR>
-                    <a:lnT w="3175" cap="flat" cmpd="sng" algn="ctr">
-                      <a:solidFill>
-                        <a:schemeClr val="tx1"/>
-                      </a:solidFill>
-                      <a:prstDash val="solid"/>
-                      <a:round/>
-                      <a:headEnd type="none" w="med" len="med"/>
-                      <a:tailEnd type="none" w="med" len="med"/>
-                    </a:lnT>
-                    <a:lnB w="3175" cap="flat" cmpd="sng" algn="ctr">
-                      <a:solidFill>
-                        <a:schemeClr val="tx1"/>
-                      </a:solidFill>
-                      <a:prstDash val="solid"/>
-                      <a:round/>
-                      <a:headEnd type="none" w="med" len="med"/>
-                      <a:tailEnd type="none" w="med" len="med"/>
-                    </a:lnB>
-                    <a:lnTlToBr w="12700" cmpd="sng">
-                      <a:noFill/>
-                      <a:prstDash val="solid"/>
-                    </a:lnTlToBr>
-                    <a:lnBlToTr w="12700" cmpd="sng">
-                      <a:noFill/>
-                      <a:prstDash val="solid"/>
-                    </a:lnBlToTr>
-                    <a:solidFill>
-                      <a:schemeClr val="bg2">
-                        <a:lumMod val="90000"/>
-                      </a:schemeClr>
-                    </a:solidFill>
-                  </a:tcPr>
-                </a:tc>
-                <a:extLst>
-                  <a:ext uri="{0D108BD9-81ED-4DB2-BD59-A6C34878D82A}">
-                    <a16:rowId xmlns:a16="http://schemas.microsoft.com/office/drawing/2014/main" val="3940043586"/>
-                  </a:ext>
-                </a:extLst>
-              </a:tr>
-              <a:tr h="287714">
-                <a:tc>
-                  <a:txBody>
-                    <a:bodyPr/>
-                    <a:lstStyle/>
-                    <a:p>
-                      <a:pPr marL="0" marR="0" lvl="0" indent="0" algn="just" defTabSz="914400" rtl="0" eaLnBrk="1" fontAlgn="auto" latinLnBrk="0" hangingPunct="1">
-                        <a:lnSpc>
-                          <a:spcPct val="100000"/>
-                        </a:lnSpc>
-                        <a:spcBef>
-                          <a:spcPts val="0"/>
-                        </a:spcBef>
-                        <a:spcAft>
-                          <a:spcPts val="0"/>
-                        </a:spcAft>
-                        <a:buClrTx/>
-                        <a:buSzTx/>
-                        <a:buFontTx/>
-                        <a:buNone/>
-                        <a:tabLst/>
-                        <a:defRPr/>
-                      </a:pPr>
-                      <a:r>
-                        <a:rPr lang="pt-BR" sz="1000" b="1" i="1" baseline="0" dirty="0">
-                          <a:solidFill>
-                            <a:schemeClr val="tx1"/>
-                          </a:solidFill>
-                          <a:hlinkClick r:id="" action="ppaction://customshow?id=5&amp;return=true"/>
-                        </a:rPr>
-                        <a:t>Projeto</a:t>
-                      </a:r>
-                      <a:r>
-                        <a:rPr lang="pt-BR" sz="1000" b="1" i="1" dirty="0">
-                          <a:solidFill>
-                            <a:schemeClr val="tx1"/>
-                          </a:solidFill>
-                          <a:hlinkClick r:id="" action="ppaction://customshow?id=5&amp;return=true"/>
-                        </a:rPr>
-                        <a:t> 07</a:t>
-                      </a:r>
-                      <a:r>
-                        <a:rPr lang="pt-BR" sz="1000" b="1" i="1" baseline="0" dirty="0">
-                          <a:solidFill>
-                            <a:schemeClr val="tx1"/>
-                          </a:solidFill>
-                          <a:hlinkClick r:id="" action="ppaction://customshow?id=5&amp;return=true"/>
-                        </a:rPr>
-                        <a:t> </a:t>
-                      </a:r>
-                      <a:r>
-                        <a:rPr lang="pt-BR" sz="1000" b="1" i="1" baseline="0" dirty="0">
-                          <a:solidFill>
-                            <a:schemeClr val="tx1"/>
-                          </a:solidFill>
-                        </a:rPr>
-                        <a:t>– </a:t>
-                      </a:r>
-                      <a:r>
-                        <a:rPr lang="pt-BR" sz="1000" b="1" dirty="0">
-                          <a:solidFill>
-                            <a:schemeClr val="tx1">
-                              <a:lumMod val="75000"/>
-                              <a:lumOff val="25000"/>
-                            </a:schemeClr>
-                          </a:solidFill>
-                          <a:latin typeface="Arial" pitchFamily="34" charset="0"/>
-                          <a:cs typeface="Arial" pitchFamily="34" charset="0"/>
-                        </a:rPr>
-                        <a:t>Nova Sede</a:t>
-                      </a:r>
-                    </a:p>
-                  </a:txBody>
-                  <a:tcPr>
-                    <a:lnL>
-                      <a:noFill/>
-                    </a:lnL>
-                    <a:lnR w="3175" cap="flat" cmpd="sng" algn="ctr">
-                      <a:solidFill>
-                        <a:schemeClr val="bg2"/>
-                      </a:solidFill>
-                      <a:prstDash val="solid"/>
-                      <a:round/>
-                      <a:headEnd type="none" w="med" len="med"/>
-                      <a:tailEnd type="none" w="med" len="med"/>
-                    </a:lnR>
-                    <a:lnT w="3175" cap="flat" cmpd="sng" algn="ctr">
-                      <a:solidFill>
-                        <a:schemeClr val="tx1"/>
-                      </a:solidFill>
-                      <a:prstDash val="solid"/>
-                      <a:round/>
-                      <a:headEnd type="none" w="med" len="med"/>
-                      <a:tailEnd type="none" w="med" len="med"/>
-                    </a:lnT>
-                    <a:lnB w="3175" cap="flat" cmpd="sng" algn="ctr">
-                      <a:solidFill>
-                        <a:schemeClr val="tx1"/>
-                      </a:solidFill>
-                      <a:prstDash val="solid"/>
-                      <a:round/>
-                      <a:headEnd type="none" w="med" len="med"/>
-                      <a:tailEnd type="none" w="med" len="med"/>
-                    </a:lnB>
-                    <a:lnTlToBr w="12700" cmpd="sng">
-                      <a:noFill/>
-                      <a:prstDash val="solid"/>
-                    </a:lnTlToBr>
-                    <a:lnBlToTr w="12700" cmpd="sng">
-                      <a:noFill/>
-                      <a:prstDash val="solid"/>
-                    </a:lnBlToTr>
-                    <a:solidFill>
-                      <a:schemeClr val="bg2">
-                        <a:lumMod val="90000"/>
-                      </a:schemeClr>
-                    </a:solidFill>
-                  </a:tcPr>
-                </a:tc>
-                <a:tc gridSpan="2">
-                  <a:txBody>
-                    <a:bodyPr/>
-                    <a:lstStyle/>
-                    <a:p>
-                      <a:pPr marL="0" marR="0" lvl="0" indent="0" algn="r" defTabSz="914400" rtl="0" eaLnBrk="1" fontAlgn="base" latinLnBrk="0" hangingPunct="1">
-                        <a:lnSpc>
-                          <a:spcPct val="100000"/>
-                        </a:lnSpc>
-                        <a:spcBef>
-                          <a:spcPct val="0"/>
-                        </a:spcBef>
-                        <a:spcAft>
-                          <a:spcPct val="0"/>
-                        </a:spcAft>
-                        <a:buClrTx/>
-                        <a:buSzTx/>
-                        <a:buFontTx/>
-                        <a:buNone/>
-                        <a:tabLst/>
-                        <a:defRPr/>
-                      </a:pPr>
-                      <a:endParaRPr lang="pt-BR" sz="900" b="0" kern="1200" dirty="0">
-                        <a:solidFill>
-                          <a:schemeClr val="tx1">
-                            <a:lumMod val="75000"/>
-                            <a:lumOff val="25000"/>
-                          </a:schemeClr>
-                        </a:solidFill>
-                        <a:effectLst/>
-                        <a:latin typeface="Verdana" pitchFamily="34" charset="0"/>
-                        <a:ea typeface="Verdana" pitchFamily="34" charset="0"/>
-                        <a:cs typeface="Verdana" pitchFamily="34" charset="0"/>
-                      </a:endParaRPr>
-                    </a:p>
-                  </a:txBody>
-                  <a:tcPr anchor="ctr" horzOverflow="overflow">
-                    <a:lnL w="3175" cap="flat" cmpd="sng" algn="ctr">
-                      <a:solidFill>
-                        <a:schemeClr val="bg2"/>
-                      </a:solidFill>
-                      <a:prstDash val="solid"/>
-                      <a:round/>
-                      <a:headEnd type="none" w="med" len="med"/>
-                      <a:tailEnd type="none" w="med" len="med"/>
-                    </a:lnL>
-                    <a:lnR w="3175" cap="flat" cmpd="sng" algn="ctr">
-                      <a:solidFill>
-                        <a:schemeClr val="bg2"/>
-                      </a:solidFill>
-                      <a:prstDash val="solid"/>
-                      <a:round/>
-                      <a:headEnd type="none" w="med" len="med"/>
-                      <a:tailEnd type="none" w="med" len="med"/>
-                    </a:lnR>
-                    <a:lnT w="3175" cap="flat" cmpd="sng" algn="ctr">
-                      <a:solidFill>
-                        <a:schemeClr val="tx1"/>
-                      </a:solidFill>
-                      <a:prstDash val="solid"/>
-                      <a:round/>
-                      <a:headEnd type="none" w="med" len="med"/>
-                      <a:tailEnd type="none" w="med" len="med"/>
-                    </a:lnT>
-                    <a:lnB w="3175" cap="flat" cmpd="sng" algn="ctr">
-                      <a:solidFill>
-                        <a:schemeClr val="tx1"/>
-                      </a:solidFill>
-                      <a:prstDash val="solid"/>
-                      <a:round/>
-                      <a:headEnd type="none" w="med" len="med"/>
-                      <a:tailEnd type="none" w="med" len="med"/>
-                    </a:lnB>
-                    <a:lnTlToBr w="12700" cmpd="sng">
-                      <a:noFill/>
-                      <a:prstDash val="solid"/>
-                    </a:lnTlToBr>
-                    <a:lnBlToTr w="12700" cmpd="sng">
-                      <a:noFill/>
-                      <a:prstDash val="solid"/>
-                    </a:lnBlToTr>
-                    <a:solidFill>
-                      <a:schemeClr val="bg2">
-                        <a:lumMod val="90000"/>
-                      </a:schemeClr>
-                    </a:solidFill>
-                  </a:tcPr>
-                </a:tc>
-                <a:tc hMerge="1">
-                  <a:txBody>
-                    <a:bodyPr/>
-                    <a:lstStyle/>
-                    <a:p>
-                      <a:pPr marL="0" marR="0" lvl="0" indent="0" algn="r" defTabSz="914400" rtl="0" eaLnBrk="1" fontAlgn="base" latinLnBrk="0" hangingPunct="1">
-                        <a:lnSpc>
-                          <a:spcPct val="100000"/>
-                        </a:lnSpc>
-                        <a:spcBef>
-                          <a:spcPct val="0"/>
-                        </a:spcBef>
-                        <a:spcAft>
-                          <a:spcPct val="0"/>
-                        </a:spcAft>
-                        <a:buClrTx/>
-                        <a:buSzTx/>
-                        <a:buFontTx/>
-                        <a:buNone/>
-                        <a:tabLst/>
-                        <a:defRPr/>
-                      </a:pPr>
-                      <a:endParaRPr lang="pt-BR" sz="900" b="0" kern="1200" dirty="0">
-                        <a:solidFill>
-                          <a:schemeClr val="tx1">
-                            <a:lumMod val="75000"/>
-                            <a:lumOff val="25000"/>
-                          </a:schemeClr>
-                        </a:solidFill>
-                        <a:effectLst/>
-                        <a:latin typeface="Verdana" pitchFamily="34" charset="0"/>
-                        <a:ea typeface="Verdana" pitchFamily="34" charset="0"/>
-                        <a:cs typeface="Verdana" pitchFamily="34" charset="0"/>
-                      </a:endParaRPr>
-                    </a:p>
-                  </a:txBody>
-                  <a:tcPr anchor="ctr" horzOverflow="overflow">
-                    <a:lnL w="3175" cap="flat" cmpd="sng" algn="ctr">
-                      <a:solidFill>
-                        <a:schemeClr val="bg2"/>
-                      </a:solidFill>
-                      <a:prstDash val="solid"/>
-                      <a:round/>
-                      <a:headEnd type="none" w="med" len="med"/>
-                      <a:tailEnd type="none" w="med" len="med"/>
-                    </a:lnL>
-                    <a:lnR w="3175" cap="flat" cmpd="sng" algn="ctr">
-                      <a:solidFill>
-                        <a:schemeClr val="bg2"/>
-                      </a:solidFill>
-                      <a:prstDash val="solid"/>
-                      <a:round/>
-                      <a:headEnd type="none" w="med" len="med"/>
-                      <a:tailEnd type="none" w="med" len="med"/>
-                    </a:lnR>
-                    <a:lnT w="3175" cap="flat" cmpd="sng" algn="ctr">
-                      <a:solidFill>
-                        <a:schemeClr val="tx1"/>
-                      </a:solidFill>
-                      <a:prstDash val="solid"/>
-                      <a:round/>
-                      <a:headEnd type="none" w="med" len="med"/>
-                      <a:tailEnd type="none" w="med" len="med"/>
-                    </a:lnT>
-                    <a:lnB w="3175" cap="flat" cmpd="sng" algn="ctr">
-                      <a:solidFill>
-                        <a:schemeClr val="bg2"/>
-                      </a:solidFill>
-                      <a:prstDash val="solid"/>
-                      <a:round/>
-                      <a:headEnd type="none" w="med" len="med"/>
-                      <a:tailEnd type="none" w="med" len="med"/>
-                    </a:lnB>
-                    <a:lnTlToBr w="12700" cmpd="sng">
-                      <a:noFill/>
-                      <a:prstDash val="solid"/>
-                    </a:lnTlToBr>
-                    <a:lnBlToTr w="12700" cmpd="sng">
-                      <a:noFill/>
-                      <a:prstDash val="solid"/>
-                    </a:lnBlToTr>
-                    <a:solidFill>
-                      <a:schemeClr val="bg2">
-                        <a:lumMod val="90000"/>
-                      </a:schemeClr>
-                    </a:solidFill>
-                  </a:tcPr>
-                </a:tc>
-                <a:tc>
-                  <a:txBody>
-                    <a:bodyPr/>
-                    <a:lstStyle/>
-                    <a:p>
-                      <a:endParaRPr lang="pt-BR" sz="1000" dirty="0">
-                        <a:latin typeface="Verdana" pitchFamily="34" charset="0"/>
-                        <a:ea typeface="Verdana" pitchFamily="34" charset="0"/>
-                        <a:cs typeface="Verdana" pitchFamily="34" charset="0"/>
-                      </a:endParaRPr>
-                    </a:p>
-                  </a:txBody>
-                  <a:tcPr anchor="ctr" horzOverflow="overflow">
-                    <a:lnL w="3175" cap="flat" cmpd="sng" algn="ctr">
-                      <a:solidFill>
-                        <a:schemeClr val="bg2"/>
-                      </a:solidFill>
-                      <a:prstDash val="solid"/>
-                      <a:round/>
-                      <a:headEnd type="none" w="med" len="med"/>
-                      <a:tailEnd type="none" w="med" len="med"/>
-                    </a:lnL>
-                    <a:lnR>
-                      <a:noFill/>
-                    </a:lnR>
-                    <a:lnT w="3175" cap="flat" cmpd="sng" algn="ctr">
-                      <a:solidFill>
-                        <a:schemeClr val="tx1"/>
-                      </a:solidFill>
-                      <a:prstDash val="solid"/>
-                      <a:round/>
-                      <a:headEnd type="none" w="med" len="med"/>
-                      <a:tailEnd type="none" w="med" len="med"/>
-                    </a:lnT>
-                    <a:lnB w="3175" cap="flat" cmpd="sng" algn="ctr">
-                      <a:solidFill>
-                        <a:schemeClr val="tx1"/>
-                      </a:solidFill>
-                      <a:prstDash val="solid"/>
-                      <a:round/>
-                      <a:headEnd type="none" w="med" len="med"/>
-                      <a:tailEnd type="none" w="med" len="med"/>
-                    </a:lnB>
-                    <a:lnTlToBr w="12700" cmpd="sng">
-                      <a:noFill/>
-                      <a:prstDash val="solid"/>
-                    </a:lnTlToBr>
-                    <a:lnBlToTr w="12700" cmpd="sng">
-                      <a:noFill/>
-                      <a:prstDash val="solid"/>
-                    </a:lnBlToTr>
-                    <a:solidFill>
-                      <a:schemeClr val="bg2">
-                        <a:lumMod val="90000"/>
-                      </a:schemeClr>
-                    </a:solidFill>
-                  </a:tcPr>
-                </a:tc>
-                <a:extLst>
-                  <a:ext uri="{0D108BD9-81ED-4DB2-BD59-A6C34878D82A}">
-                    <a16:rowId xmlns:a16="http://schemas.microsoft.com/office/drawing/2014/main" val="3543705546"/>
-                  </a:ext>
-                </a:extLst>
-              </a:tr>
-              <a:tr h="287714">
-                <a:tc>
-                  <a:txBody>
-                    <a:bodyPr/>
-                    <a:lstStyle/>
-                    <a:p>
-                      <a:pPr marL="0" marR="0" lvl="0" indent="0" algn="just" defTabSz="914400" rtl="0" eaLnBrk="1" fontAlgn="auto" latinLnBrk="0" hangingPunct="1">
-                        <a:lnSpc>
-                          <a:spcPct val="100000"/>
-                        </a:lnSpc>
-                        <a:spcBef>
-                          <a:spcPts val="0"/>
-                        </a:spcBef>
-                        <a:spcAft>
-                          <a:spcPts val="0"/>
-                        </a:spcAft>
-                        <a:buClrTx/>
-                        <a:buSzTx/>
-                        <a:buFontTx/>
-                        <a:buNone/>
-                        <a:tabLst/>
-                        <a:defRPr/>
-                      </a:pPr>
-                      <a:r>
-                        <a:rPr lang="pt-BR" sz="1000" b="1" i="1" baseline="0" dirty="0">
-                          <a:solidFill>
-                            <a:schemeClr val="tx1"/>
-                          </a:solidFill>
-                          <a:hlinkClick r:id="" action="ppaction://customshow?id=6&amp;return=true"/>
-                        </a:rPr>
-                        <a:t>Projeto</a:t>
-                      </a:r>
-                      <a:r>
-                        <a:rPr lang="pt-BR" sz="1000" b="1" i="1" dirty="0">
-                          <a:solidFill>
-                            <a:schemeClr val="tx1"/>
-                          </a:solidFill>
-                          <a:hlinkClick r:id="" action="ppaction://customshow?id=6&amp;return=true"/>
-                        </a:rPr>
-                        <a:t> 08</a:t>
-                      </a:r>
-                      <a:r>
-                        <a:rPr lang="pt-BR" sz="1000" b="1" i="1" baseline="0" dirty="0">
-                          <a:solidFill>
-                            <a:schemeClr val="tx1"/>
-                          </a:solidFill>
-                          <a:hlinkClick r:id="" action="ppaction://customshow?id=6&amp;return=true"/>
-                        </a:rPr>
-                        <a:t> </a:t>
-                      </a:r>
-                      <a:r>
-                        <a:rPr lang="pt-BR" sz="1000" b="1" i="1" baseline="0" dirty="0">
-                          <a:solidFill>
-                            <a:schemeClr val="tx1"/>
-                          </a:solidFill>
-                        </a:rPr>
-                        <a:t>– </a:t>
-                      </a:r>
-                      <a:r>
-                        <a:rPr lang="pt-BR" sz="1000" b="1" dirty="0">
-                          <a:solidFill>
-                            <a:schemeClr val="tx1">
-                              <a:lumMod val="75000"/>
-                              <a:lumOff val="25000"/>
-                            </a:schemeClr>
-                          </a:solidFill>
-                          <a:latin typeface="Arial" pitchFamily="34" charset="0"/>
-                          <a:cs typeface="Arial" pitchFamily="34" charset="0"/>
-                        </a:rPr>
-                        <a:t>Rastreabilidade</a:t>
-                      </a:r>
-                    </a:p>
-                  </a:txBody>
-                  <a:tcPr>
-                    <a:lnL>
-                      <a:noFill/>
-                    </a:lnL>
-                    <a:lnR w="3175" cap="flat" cmpd="sng" algn="ctr">
-                      <a:solidFill>
-                        <a:schemeClr val="bg2"/>
-                      </a:solidFill>
-                      <a:prstDash val="solid"/>
-                      <a:round/>
-                      <a:headEnd type="none" w="med" len="med"/>
-                      <a:tailEnd type="none" w="med" len="med"/>
-                    </a:lnR>
-                    <a:lnT w="3175" cap="flat" cmpd="sng" algn="ctr">
-                      <a:solidFill>
-                        <a:schemeClr val="tx1"/>
-                      </a:solidFill>
-                      <a:prstDash val="solid"/>
-                      <a:round/>
-                      <a:headEnd type="none" w="med" len="med"/>
-                      <a:tailEnd type="none" w="med" len="med"/>
-                    </a:lnT>
-                    <a:lnB w="3175" cap="flat" cmpd="sng" algn="ctr">
-                      <a:solidFill>
-                        <a:schemeClr val="tx1"/>
-                      </a:solidFill>
-                      <a:prstDash val="solid"/>
-                      <a:round/>
-                      <a:headEnd type="none" w="med" len="med"/>
-                      <a:tailEnd type="none" w="med" len="med"/>
-                    </a:lnB>
-                    <a:lnTlToBr w="12700" cmpd="sng">
-                      <a:noFill/>
-                      <a:prstDash val="solid"/>
-                    </a:lnTlToBr>
-                    <a:lnBlToTr w="12700" cmpd="sng">
-                      <a:noFill/>
-                      <a:prstDash val="solid"/>
-                    </a:lnBlToTr>
-                    <a:solidFill>
-                      <a:schemeClr val="bg2">
-                        <a:lumMod val="90000"/>
-                      </a:schemeClr>
-                    </a:solidFill>
-                  </a:tcPr>
-                </a:tc>
-                <a:tc gridSpan="2">
-                  <a:txBody>
-                    <a:bodyPr/>
-                    <a:lstStyle/>
-                    <a:p>
-                      <a:pPr marL="0" marR="0" lvl="0" indent="0" algn="r" defTabSz="914400" rtl="0" eaLnBrk="1" fontAlgn="base" latinLnBrk="0" hangingPunct="1">
-                        <a:lnSpc>
-                          <a:spcPct val="100000"/>
-                        </a:lnSpc>
-                        <a:spcBef>
-                          <a:spcPct val="0"/>
-                        </a:spcBef>
-                        <a:spcAft>
-                          <a:spcPct val="0"/>
-                        </a:spcAft>
-                        <a:buClrTx/>
-                        <a:buSzTx/>
-                        <a:buFontTx/>
-                        <a:buNone/>
-                        <a:tabLst/>
-                        <a:defRPr/>
-                      </a:pPr>
-                      <a:endParaRPr lang="pt-BR" sz="900" b="0" kern="1200" dirty="0">
-                        <a:solidFill>
-                          <a:schemeClr val="tx1">
-                            <a:lumMod val="75000"/>
-                            <a:lumOff val="25000"/>
-                          </a:schemeClr>
-                        </a:solidFill>
-                        <a:effectLst/>
-                        <a:latin typeface="Verdana" pitchFamily="34" charset="0"/>
-                        <a:ea typeface="Verdana" pitchFamily="34" charset="0"/>
-                        <a:cs typeface="Verdana" pitchFamily="34" charset="0"/>
-                      </a:endParaRPr>
-                    </a:p>
-                  </a:txBody>
-                  <a:tcPr anchor="ctr" horzOverflow="overflow">
-                    <a:lnL w="3175" cap="flat" cmpd="sng" algn="ctr">
-                      <a:solidFill>
-                        <a:schemeClr val="bg2"/>
-                      </a:solidFill>
-                      <a:prstDash val="solid"/>
-                      <a:round/>
-                      <a:headEnd type="none" w="med" len="med"/>
-                      <a:tailEnd type="none" w="med" len="med"/>
-                    </a:lnL>
-                    <a:lnR w="3175" cap="flat" cmpd="sng" algn="ctr">
-                      <a:solidFill>
-                        <a:schemeClr val="bg2"/>
-                      </a:solidFill>
-                      <a:prstDash val="solid"/>
-                      <a:round/>
-                      <a:headEnd type="none" w="med" len="med"/>
-                      <a:tailEnd type="none" w="med" len="med"/>
-                    </a:lnR>
-                    <a:lnT w="3175" cap="flat" cmpd="sng" algn="ctr">
-                      <a:solidFill>
-                        <a:schemeClr val="tx1"/>
-                      </a:solidFill>
-                      <a:prstDash val="solid"/>
-                      <a:round/>
-                      <a:headEnd type="none" w="med" len="med"/>
-                      <a:tailEnd type="none" w="med" len="med"/>
-                    </a:lnT>
-                    <a:lnB w="3175" cap="flat" cmpd="sng" algn="ctr">
-                      <a:solidFill>
-                        <a:schemeClr val="tx1"/>
-                      </a:solidFill>
-                      <a:prstDash val="solid"/>
-                      <a:round/>
-                      <a:headEnd type="none" w="med" len="med"/>
-                      <a:tailEnd type="none" w="med" len="med"/>
-                    </a:lnB>
-                    <a:lnTlToBr w="12700" cmpd="sng">
-                      <a:noFill/>
-                      <a:prstDash val="solid"/>
-                    </a:lnTlToBr>
-                    <a:lnBlToTr w="12700" cmpd="sng">
-                      <a:noFill/>
-                      <a:prstDash val="solid"/>
-                    </a:lnBlToTr>
-                    <a:solidFill>
-                      <a:schemeClr val="bg2">
-                        <a:lumMod val="90000"/>
-                      </a:schemeClr>
-                    </a:solidFill>
-                  </a:tcPr>
-                </a:tc>
-                <a:tc hMerge="1">
-                  <a:txBody>
-                    <a:bodyPr/>
-                    <a:lstStyle/>
-                    <a:p>
-                      <a:endParaRPr lang="pt-BR"/>
-                    </a:p>
-                  </a:txBody>
-                  <a:tcPr/>
-                </a:tc>
-                <a:tc>
-                  <a:txBody>
-                    <a:bodyPr/>
-                    <a:lstStyle/>
-                    <a:p>
-                      <a:endParaRPr lang="pt-BR" sz="1000" dirty="0">
-                        <a:latin typeface="Verdana" pitchFamily="34" charset="0"/>
-                        <a:ea typeface="Verdana" pitchFamily="34" charset="0"/>
-                        <a:cs typeface="Verdana" pitchFamily="34" charset="0"/>
-                      </a:endParaRPr>
-                    </a:p>
-                  </a:txBody>
-                  <a:tcPr anchor="ctr" horzOverflow="overflow">
-                    <a:lnL w="3175" cap="flat" cmpd="sng" algn="ctr">
-                      <a:solidFill>
-                        <a:schemeClr val="bg2"/>
-                      </a:solidFill>
-                      <a:prstDash val="solid"/>
-                      <a:round/>
-                      <a:headEnd type="none" w="med" len="med"/>
-                      <a:tailEnd type="none" w="med" len="med"/>
-                    </a:lnL>
-                    <a:lnR>
-                      <a:noFill/>
-                    </a:lnR>
-                    <a:lnT w="3175" cap="flat" cmpd="sng" algn="ctr">
-                      <a:solidFill>
-                        <a:schemeClr val="tx1"/>
-                      </a:solidFill>
-                      <a:prstDash val="solid"/>
-                      <a:round/>
-                      <a:headEnd type="none" w="med" len="med"/>
-                      <a:tailEnd type="none" w="med" len="med"/>
-                    </a:lnT>
-                    <a:lnB w="3175" cap="flat" cmpd="sng" algn="ctr">
-                      <a:solidFill>
-                        <a:schemeClr val="tx1"/>
-                      </a:solidFill>
-                      <a:prstDash val="solid"/>
-                      <a:round/>
-                      <a:headEnd type="none" w="med" len="med"/>
-                      <a:tailEnd type="none" w="med" len="med"/>
-                    </a:lnB>
-                    <a:lnTlToBr w="12700" cmpd="sng">
-                      <a:noFill/>
-                      <a:prstDash val="solid"/>
-                    </a:lnTlToBr>
-                    <a:lnBlToTr w="12700" cmpd="sng">
-                      <a:noFill/>
-                      <a:prstDash val="solid"/>
-                    </a:lnBlToTr>
-                    <a:solidFill>
-                      <a:schemeClr val="bg2">
-                        <a:lumMod val="90000"/>
-                      </a:schemeClr>
-                    </a:solidFill>
-                  </a:tcPr>
-                </a:tc>
-                <a:extLst>
-                  <a:ext uri="{0D108BD9-81ED-4DB2-BD59-A6C34878D82A}">
-                    <a16:rowId xmlns:a16="http://schemas.microsoft.com/office/drawing/2014/main" val="2742283465"/>
-                  </a:ext>
-                </a:extLst>
-              </a:tr>
-              <a:tr h="287714">
-                <a:tc>
-                  <a:txBody>
-                    <a:bodyPr/>
-                    <a:lstStyle/>
-                    <a:p>
-                      <a:pPr marL="0" marR="0" lvl="0" indent="0" algn="just" defTabSz="914400" rtl="0" eaLnBrk="1" fontAlgn="auto" latinLnBrk="0" hangingPunct="1">
-                        <a:lnSpc>
-                          <a:spcPct val="100000"/>
-                        </a:lnSpc>
-                        <a:spcBef>
-                          <a:spcPts val="0"/>
-                        </a:spcBef>
-                        <a:spcAft>
-                          <a:spcPts val="0"/>
-                        </a:spcAft>
-                        <a:buClrTx/>
-                        <a:buSzTx/>
-                        <a:buFontTx/>
-                        <a:buNone/>
-                        <a:tabLst/>
-                        <a:defRPr/>
-                      </a:pPr>
-                      <a:r>
-                        <a:rPr lang="pt-BR" sz="1000" b="1" i="1" baseline="0" dirty="0">
-                          <a:solidFill>
-                            <a:schemeClr val="tx1"/>
-                          </a:solidFill>
-                          <a:hlinkClick r:id="" action="ppaction://customshow?id=8&amp;return=true"/>
-                        </a:rPr>
-                        <a:t>Projeto</a:t>
-                      </a:r>
-                      <a:r>
-                        <a:rPr lang="pt-BR" sz="1000" b="1" i="1" dirty="0">
-                          <a:solidFill>
-                            <a:schemeClr val="tx1"/>
-                          </a:solidFill>
-                          <a:hlinkClick r:id="" action="ppaction://customshow?id=8&amp;return=true"/>
-                        </a:rPr>
-                        <a:t> 09</a:t>
-                      </a:r>
-                      <a:r>
-                        <a:rPr lang="pt-BR" sz="1000" b="1" i="1" baseline="0" dirty="0">
-                          <a:solidFill>
-                            <a:schemeClr val="tx1"/>
-                          </a:solidFill>
-                          <a:hlinkClick r:id="" action="ppaction://customshow?id=8&amp;return=true"/>
-                        </a:rPr>
-                        <a:t> </a:t>
-                      </a:r>
-                      <a:r>
-                        <a:rPr lang="pt-BR" sz="1000" b="1" i="1" baseline="0" dirty="0">
-                          <a:solidFill>
-                            <a:schemeClr val="tx1"/>
-                          </a:solidFill>
-                        </a:rPr>
-                        <a:t>– </a:t>
-                      </a:r>
-                      <a:r>
-                        <a:rPr lang="pt-BR" sz="1000" b="1" dirty="0">
-                          <a:solidFill>
-                            <a:schemeClr val="tx1">
-                              <a:lumMod val="75000"/>
-                              <a:lumOff val="25000"/>
-                            </a:schemeClr>
-                          </a:solidFill>
-                          <a:latin typeface="Arial" pitchFamily="34" charset="0"/>
-                          <a:cs typeface="Arial" pitchFamily="34" charset="0"/>
-                        </a:rPr>
-                        <a:t>Seguros para Associados</a:t>
-                      </a:r>
-                    </a:p>
-                  </a:txBody>
-                  <a:tcPr>
-                    <a:lnL>
-                      <a:noFill/>
-                    </a:lnL>
-                    <a:lnR w="3175" cap="flat" cmpd="sng" algn="ctr">
-                      <a:solidFill>
-                        <a:schemeClr val="bg2"/>
-                      </a:solidFill>
-                      <a:prstDash val="solid"/>
-                      <a:round/>
-                      <a:headEnd type="none" w="med" len="med"/>
-                      <a:tailEnd type="none" w="med" len="med"/>
-                    </a:lnR>
-                    <a:lnT w="3175" cap="flat" cmpd="sng" algn="ctr">
-                      <a:solidFill>
-                        <a:schemeClr val="tx1"/>
-                      </a:solidFill>
-                      <a:prstDash val="solid"/>
-                      <a:round/>
-                      <a:headEnd type="none" w="med" len="med"/>
-                      <a:tailEnd type="none" w="med" len="med"/>
-                    </a:lnT>
-                    <a:lnB w="3175" cap="flat" cmpd="sng" algn="ctr">
-                      <a:solidFill>
-                        <a:schemeClr val="tx1"/>
-                      </a:solidFill>
-                      <a:prstDash val="solid"/>
-                      <a:round/>
-                      <a:headEnd type="none" w="med" len="med"/>
-                      <a:tailEnd type="none" w="med" len="med"/>
-                    </a:lnB>
-                    <a:lnTlToBr w="12700" cmpd="sng">
-                      <a:noFill/>
-                      <a:prstDash val="solid"/>
-                    </a:lnTlToBr>
-                    <a:lnBlToTr w="12700" cmpd="sng">
-                      <a:noFill/>
-                      <a:prstDash val="solid"/>
-                    </a:lnBlToTr>
-                    <a:solidFill>
-                      <a:schemeClr val="bg2">
-                        <a:lumMod val="90000"/>
-                      </a:schemeClr>
-                    </a:solidFill>
-                  </a:tcPr>
-                </a:tc>
-                <a:tc gridSpan="2">
-                  <a:txBody>
-                    <a:bodyPr/>
-                    <a:lstStyle/>
-                    <a:p>
-                      <a:pPr marL="0" marR="0" lvl="0" indent="0" algn="r" defTabSz="914400" rtl="0" eaLnBrk="1" fontAlgn="base" latinLnBrk="0" hangingPunct="1">
-                        <a:lnSpc>
-                          <a:spcPct val="100000"/>
-                        </a:lnSpc>
-                        <a:spcBef>
-                          <a:spcPct val="0"/>
-                        </a:spcBef>
-                        <a:spcAft>
-                          <a:spcPct val="0"/>
-                        </a:spcAft>
-                        <a:buClrTx/>
-                        <a:buSzTx/>
-                        <a:buFontTx/>
-                        <a:buNone/>
-                        <a:tabLst/>
-                        <a:defRPr/>
-                      </a:pPr>
-                      <a:endParaRPr lang="pt-BR" sz="900" b="0" kern="1200" dirty="0">
-                        <a:solidFill>
-                          <a:schemeClr val="tx1">
-                            <a:lumMod val="75000"/>
-                            <a:lumOff val="25000"/>
-                          </a:schemeClr>
-                        </a:solidFill>
-                        <a:effectLst/>
-                        <a:latin typeface="Verdana" pitchFamily="34" charset="0"/>
-                        <a:ea typeface="Verdana" pitchFamily="34" charset="0"/>
-                        <a:cs typeface="Verdana" pitchFamily="34" charset="0"/>
-                      </a:endParaRPr>
-                    </a:p>
-                  </a:txBody>
-                  <a:tcPr anchor="ctr" horzOverflow="overflow">
-                    <a:lnL w="3175" cap="flat" cmpd="sng" algn="ctr">
-                      <a:solidFill>
-                        <a:schemeClr val="bg2"/>
-                      </a:solidFill>
-                      <a:prstDash val="solid"/>
-                      <a:round/>
-                      <a:headEnd type="none" w="med" len="med"/>
-                      <a:tailEnd type="none" w="med" len="med"/>
-                    </a:lnL>
-                    <a:lnR w="3175" cap="flat" cmpd="sng" algn="ctr">
-                      <a:solidFill>
-                        <a:schemeClr val="bg2"/>
-                      </a:solidFill>
-                      <a:prstDash val="solid"/>
-                      <a:round/>
-                      <a:headEnd type="none" w="med" len="med"/>
-                      <a:tailEnd type="none" w="med" len="med"/>
-                    </a:lnR>
-                    <a:lnT w="3175" cap="flat" cmpd="sng" algn="ctr">
-                      <a:solidFill>
-                        <a:schemeClr val="tx1"/>
-                      </a:solidFill>
-                      <a:prstDash val="solid"/>
-                      <a:round/>
-                      <a:headEnd type="none" w="med" len="med"/>
-                      <a:tailEnd type="none" w="med" len="med"/>
-                    </a:lnT>
-                    <a:lnB w="3175" cap="flat" cmpd="sng" algn="ctr">
-                      <a:solidFill>
-                        <a:schemeClr val="tx1"/>
-                      </a:solidFill>
-                      <a:prstDash val="solid"/>
-                      <a:round/>
-                      <a:headEnd type="none" w="med" len="med"/>
-                      <a:tailEnd type="none" w="med" len="med"/>
-                    </a:lnB>
-                    <a:lnTlToBr w="12700" cmpd="sng">
-                      <a:noFill/>
-                      <a:prstDash val="solid"/>
-                    </a:lnTlToBr>
-                    <a:lnBlToTr w="12700" cmpd="sng">
-                      <a:noFill/>
-                      <a:prstDash val="solid"/>
-                    </a:lnBlToTr>
-                    <a:solidFill>
-                      <a:schemeClr val="bg2">
-                        <a:lumMod val="90000"/>
-                      </a:schemeClr>
-                    </a:solidFill>
-                  </a:tcPr>
-                </a:tc>
-                <a:tc hMerge="1">
-                  <a:txBody>
-                    <a:bodyPr/>
-                    <a:lstStyle/>
-                    <a:p>
-                      <a:endParaRPr lang="pt-BR"/>
-                    </a:p>
-                  </a:txBody>
-                  <a:tcPr/>
-                </a:tc>
-                <a:tc>
-                  <a:txBody>
-                    <a:bodyPr/>
-                    <a:lstStyle/>
-                    <a:p>
-                      <a:endParaRPr lang="pt-BR" sz="1000" dirty="0">
-                        <a:latin typeface="Verdana" pitchFamily="34" charset="0"/>
-                        <a:ea typeface="Verdana" pitchFamily="34" charset="0"/>
-                        <a:cs typeface="Verdana" pitchFamily="34" charset="0"/>
-                      </a:endParaRPr>
-                    </a:p>
-                  </a:txBody>
-                  <a:tcPr anchor="ctr" horzOverflow="overflow">
-                    <a:lnL w="3175" cap="flat" cmpd="sng" algn="ctr">
-                      <a:solidFill>
-                        <a:schemeClr val="bg2"/>
-                      </a:solidFill>
-                      <a:prstDash val="solid"/>
-                      <a:round/>
-                      <a:headEnd type="none" w="med" len="med"/>
-                      <a:tailEnd type="none" w="med" len="med"/>
-                    </a:lnL>
-                    <a:lnR>
-                      <a:noFill/>
-                    </a:lnR>
-                    <a:lnT w="3175" cap="flat" cmpd="sng" algn="ctr">
-                      <a:solidFill>
-                        <a:schemeClr val="tx1"/>
-                      </a:solidFill>
-                      <a:prstDash val="solid"/>
-                      <a:round/>
-                      <a:headEnd type="none" w="med" len="med"/>
-                      <a:tailEnd type="none" w="med" len="med"/>
-                    </a:lnT>
-                    <a:lnB w="3175" cap="flat" cmpd="sng" algn="ctr">
-                      <a:solidFill>
-                        <a:schemeClr val="tx1"/>
-                      </a:solidFill>
-                      <a:prstDash val="solid"/>
-                      <a:round/>
-                      <a:headEnd type="none" w="med" len="med"/>
-                      <a:tailEnd type="none" w="med" len="med"/>
-                    </a:lnB>
-                    <a:lnTlToBr w="12700" cmpd="sng">
-                      <a:noFill/>
-                      <a:prstDash val="solid"/>
-                    </a:lnTlToBr>
-                    <a:lnBlToTr w="12700" cmpd="sng">
-                      <a:noFill/>
-                      <a:prstDash val="solid"/>
-                    </a:lnBlToTr>
-                    <a:solidFill>
-                      <a:schemeClr val="bg2">
-                        <a:lumMod val="90000"/>
-                      </a:schemeClr>
-                    </a:solidFill>
-                  </a:tcPr>
-                </a:tc>
-                <a:extLst>
-                  <a:ext uri="{0D108BD9-81ED-4DB2-BD59-A6C34878D82A}">
-                    <a16:rowId xmlns:a16="http://schemas.microsoft.com/office/drawing/2014/main" val="1370773045"/>
-                  </a:ext>
-                </a:extLst>
-              </a:tr>
-              <a:tr h="287714">
-                <a:tc>
-                  <a:txBody>
-                    <a:bodyPr/>
-                    <a:lstStyle/>
-                    <a:p>
-                      <a:pPr marL="0" marR="0" lvl="0" indent="0" algn="just" defTabSz="914400" rtl="0" eaLnBrk="1" fontAlgn="auto" latinLnBrk="0" hangingPunct="1">
-                        <a:lnSpc>
-                          <a:spcPct val="100000"/>
-                        </a:lnSpc>
-                        <a:spcBef>
-                          <a:spcPts val="0"/>
-                        </a:spcBef>
-                        <a:spcAft>
-                          <a:spcPts val="0"/>
-                        </a:spcAft>
-                        <a:buClrTx/>
-                        <a:buSzTx/>
-                        <a:buFontTx/>
-                        <a:buNone/>
-                        <a:tabLst/>
-                        <a:defRPr/>
-                      </a:pPr>
-                      <a:r>
-                        <a:rPr lang="pt-BR" sz="1000" b="1" i="1" baseline="0" dirty="0">
-                          <a:solidFill>
-                            <a:schemeClr val="tx1"/>
-                          </a:solidFill>
-                          <a:hlinkClick r:id="" action="ppaction://customshow?id=9&amp;return=true"/>
-                        </a:rPr>
-                        <a:t>Projeto</a:t>
-                      </a:r>
-                      <a:r>
-                        <a:rPr lang="pt-BR" sz="1000" b="1" i="1" dirty="0">
-                          <a:solidFill>
-                            <a:schemeClr val="tx1"/>
-                          </a:solidFill>
-                          <a:hlinkClick r:id="" action="ppaction://customshow?id=9&amp;return=true"/>
-                        </a:rPr>
-                        <a:t> 10</a:t>
-                      </a:r>
-                      <a:r>
-                        <a:rPr lang="pt-BR" sz="1000" b="1" i="1" baseline="0" dirty="0">
-                          <a:solidFill>
-                            <a:schemeClr val="tx1"/>
-                          </a:solidFill>
-                          <a:hlinkClick r:id="" action="ppaction://customshow?id=9&amp;return=true"/>
-                        </a:rPr>
-                        <a:t> </a:t>
-                      </a:r>
-                      <a:r>
-                        <a:rPr lang="pt-BR" sz="1000" b="1" i="1" baseline="0" dirty="0">
-                          <a:solidFill>
-                            <a:schemeClr val="tx1"/>
-                          </a:solidFill>
-                        </a:rPr>
-                        <a:t>–  </a:t>
-                      </a:r>
-                      <a:r>
-                        <a:rPr lang="pt-BR" sz="1000" b="1" dirty="0">
-                          <a:solidFill>
-                            <a:schemeClr val="tx1">
-                              <a:lumMod val="75000"/>
-                              <a:lumOff val="25000"/>
-                            </a:schemeClr>
-                          </a:solidFill>
-                          <a:latin typeface="Arial" pitchFamily="34" charset="0"/>
-                          <a:cs typeface="Arial" pitchFamily="34" charset="0"/>
-                        </a:rPr>
-                        <a:t>Fórum de Roubo de Carga</a:t>
-                      </a:r>
-                    </a:p>
-                  </a:txBody>
-                  <a:tcPr>
-                    <a:lnL>
-                      <a:noFill/>
-                    </a:lnL>
-                    <a:lnR w="3175" cap="flat" cmpd="sng" algn="ctr">
-                      <a:solidFill>
-                        <a:schemeClr val="bg2"/>
-                      </a:solidFill>
-                      <a:prstDash val="solid"/>
-                      <a:round/>
-                      <a:headEnd type="none" w="med" len="med"/>
-                      <a:tailEnd type="none" w="med" len="med"/>
-                    </a:lnR>
-                    <a:lnT w="3175" cap="flat" cmpd="sng" algn="ctr">
-                      <a:solidFill>
-                        <a:schemeClr val="tx1"/>
-                      </a:solidFill>
-                      <a:prstDash val="solid"/>
-                      <a:round/>
-                      <a:headEnd type="none" w="med" len="med"/>
-                      <a:tailEnd type="none" w="med" len="med"/>
-                    </a:lnT>
-                    <a:lnB w="3175" cap="flat" cmpd="sng" algn="ctr">
-                      <a:solidFill>
-                        <a:schemeClr val="tx1"/>
-                      </a:solidFill>
-                      <a:prstDash val="solid"/>
-                      <a:round/>
-                      <a:headEnd type="none" w="med" len="med"/>
-                      <a:tailEnd type="none" w="med" len="med"/>
-                    </a:lnB>
-                    <a:lnTlToBr w="12700" cmpd="sng">
-                      <a:noFill/>
-                      <a:prstDash val="solid"/>
-                    </a:lnTlToBr>
-                    <a:lnBlToTr w="12700" cmpd="sng">
-                      <a:noFill/>
-                      <a:prstDash val="solid"/>
-                    </a:lnBlToTr>
-                    <a:solidFill>
-                      <a:schemeClr val="bg2">
-                        <a:lumMod val="90000"/>
-                      </a:schemeClr>
-                    </a:solidFill>
-                  </a:tcPr>
-                </a:tc>
-                <a:tc gridSpan="2">
-                  <a:txBody>
-                    <a:bodyPr/>
-                    <a:lstStyle/>
-                    <a:p>
-                      <a:pPr marL="0" marR="0" lvl="0" indent="0" algn="r" defTabSz="914400" rtl="0" eaLnBrk="1" fontAlgn="base" latinLnBrk="0" hangingPunct="1">
-                        <a:lnSpc>
-                          <a:spcPct val="100000"/>
-                        </a:lnSpc>
-                        <a:spcBef>
-                          <a:spcPct val="0"/>
-                        </a:spcBef>
-                        <a:spcAft>
-                          <a:spcPct val="0"/>
-                        </a:spcAft>
-                        <a:buClrTx/>
-                        <a:buSzTx/>
-                        <a:buFontTx/>
-                        <a:buNone/>
-                        <a:tabLst/>
-                        <a:defRPr/>
-                      </a:pPr>
-                      <a:endParaRPr lang="pt-BR" sz="900" b="0" kern="1200" dirty="0">
-                        <a:solidFill>
-                          <a:schemeClr val="tx1">
-                            <a:lumMod val="75000"/>
-                            <a:lumOff val="25000"/>
-                          </a:schemeClr>
-                        </a:solidFill>
-                        <a:effectLst/>
-                        <a:latin typeface="Verdana" pitchFamily="34" charset="0"/>
-                        <a:ea typeface="Verdana" pitchFamily="34" charset="0"/>
-                        <a:cs typeface="Verdana" pitchFamily="34" charset="0"/>
-                      </a:endParaRPr>
-                    </a:p>
-                  </a:txBody>
-                  <a:tcPr anchor="ctr" horzOverflow="overflow">
-                    <a:lnL w="3175" cap="flat" cmpd="sng" algn="ctr">
-                      <a:solidFill>
-                        <a:schemeClr val="bg2"/>
-                      </a:solidFill>
-                      <a:prstDash val="solid"/>
-                      <a:round/>
-                      <a:headEnd type="none" w="med" len="med"/>
-                      <a:tailEnd type="none" w="med" len="med"/>
-                    </a:lnL>
-                    <a:lnR w="3175" cap="flat" cmpd="sng" algn="ctr">
-                      <a:solidFill>
-                        <a:schemeClr val="bg2"/>
-                      </a:solidFill>
-                      <a:prstDash val="solid"/>
-                      <a:round/>
-                      <a:headEnd type="none" w="med" len="med"/>
-                      <a:tailEnd type="none" w="med" len="med"/>
-                    </a:lnR>
-                    <a:lnT w="3175" cap="flat" cmpd="sng" algn="ctr">
-                      <a:solidFill>
-                        <a:schemeClr val="tx1"/>
-                      </a:solidFill>
-                      <a:prstDash val="solid"/>
-                      <a:round/>
-                      <a:headEnd type="none" w="med" len="med"/>
-                      <a:tailEnd type="none" w="med" len="med"/>
-                    </a:lnT>
-                    <a:lnB w="3175" cap="flat" cmpd="sng" algn="ctr">
-                      <a:solidFill>
-                        <a:schemeClr val="tx1"/>
-                      </a:solidFill>
-                      <a:prstDash val="solid"/>
-                      <a:round/>
-                      <a:headEnd type="none" w="med" len="med"/>
-                      <a:tailEnd type="none" w="med" len="med"/>
-                    </a:lnB>
-                    <a:lnTlToBr w="12700" cmpd="sng">
-                      <a:noFill/>
-                      <a:prstDash val="solid"/>
-                    </a:lnTlToBr>
-                    <a:lnBlToTr w="12700" cmpd="sng">
-                      <a:noFill/>
-                      <a:prstDash val="solid"/>
-                    </a:lnBlToTr>
-                    <a:solidFill>
-                      <a:schemeClr val="bg2">
-                        <a:lumMod val="90000"/>
-                      </a:schemeClr>
-                    </a:solidFill>
-                  </a:tcPr>
-                </a:tc>
-                <a:tc hMerge="1">
-                  <a:txBody>
-                    <a:bodyPr/>
-                    <a:lstStyle/>
-                    <a:p>
-                      <a:endParaRPr lang="pt-BR"/>
-                    </a:p>
-                  </a:txBody>
-                  <a:tcPr/>
-                </a:tc>
-                <a:tc>
-                  <a:txBody>
-                    <a:bodyPr/>
-                    <a:lstStyle/>
-                    <a:p>
-                      <a:endParaRPr lang="pt-BR" sz="1000" dirty="0">
-                        <a:latin typeface="Verdana" pitchFamily="34" charset="0"/>
-                        <a:ea typeface="Verdana" pitchFamily="34" charset="0"/>
-                        <a:cs typeface="Verdana" pitchFamily="34" charset="0"/>
-                      </a:endParaRPr>
-                    </a:p>
-                  </a:txBody>
-                  <a:tcPr anchor="ctr" horzOverflow="overflow">
-                    <a:lnL w="3175" cap="flat" cmpd="sng" algn="ctr">
-                      <a:solidFill>
-                        <a:schemeClr val="bg2"/>
-                      </a:solidFill>
-                      <a:prstDash val="solid"/>
-                      <a:round/>
-                      <a:headEnd type="none" w="med" len="med"/>
-                      <a:tailEnd type="none" w="med" len="med"/>
-                    </a:lnL>
-                    <a:lnR>
-                      <a:noFill/>
-                    </a:lnR>
-                    <a:lnT w="3175" cap="flat" cmpd="sng" algn="ctr">
-                      <a:solidFill>
-                        <a:schemeClr val="tx1"/>
-                      </a:solidFill>
-                      <a:prstDash val="solid"/>
-                      <a:round/>
-                      <a:headEnd type="none" w="med" len="med"/>
-                      <a:tailEnd type="none" w="med" len="med"/>
-                    </a:lnT>
-                    <a:lnB w="3175" cap="flat" cmpd="sng" algn="ctr">
-                      <a:solidFill>
-                        <a:schemeClr val="tx1"/>
-                      </a:solidFill>
-                      <a:prstDash val="solid"/>
-                      <a:round/>
-                      <a:headEnd type="none" w="med" len="med"/>
-                      <a:tailEnd type="none" w="med" len="med"/>
-                    </a:lnB>
-                    <a:lnTlToBr w="12700" cmpd="sng">
-                      <a:noFill/>
-                      <a:prstDash val="solid"/>
-                    </a:lnTlToBr>
-                    <a:lnBlToTr w="12700" cmpd="sng">
-                      <a:noFill/>
-                      <a:prstDash val="solid"/>
-                    </a:lnBlToTr>
-                    <a:solidFill>
-                      <a:schemeClr val="bg2">
-                        <a:lumMod val="90000"/>
-                      </a:schemeClr>
-                    </a:solidFill>
-                  </a:tcPr>
-                </a:tc>
-                <a:extLst>
-                  <a:ext uri="{0D108BD9-81ED-4DB2-BD59-A6C34878D82A}">
-                    <a16:rowId xmlns:a16="http://schemas.microsoft.com/office/drawing/2014/main" val="2962041377"/>
-                  </a:ext>
-                </a:extLst>
-              </a:tr>
-            </a:tbl>
-          </a:graphicData>
-        </a:graphic>
-      </p:graphicFrame>
-      <p:pic>
-        <p:nvPicPr>
-          <p:cNvPr id="19" name="Picture 9" descr="D:\JrMachado\ID2\ID2\MGP\Imagens\sphereYellow.png"/>
-          <p:cNvPicPr>
-            <a:picLocks noChangeAspect="1" noChangeArrowheads="1"/>
-          </p:cNvPicPr>
-          <p:nvPr/>
-        </p:nvPicPr>
-        <p:blipFill>
-          <a:blip r:embed="rId6" cstate="print">
-            <a:extLst>
-              <a:ext uri="{28A0092B-C50C-407E-A947-70E740481C1C}">
-                <a14:useLocalDpi xmlns:a14="http://schemas.microsoft.com/office/drawing/2010/main" val="0"/>
-              </a:ext>
-            </a:extLst>
-          </a:blip>
-          <a:srcRect/>
-          <a:stretch>
-            <a:fillRect/>
-          </a:stretch>
-        </p:blipFill>
-        <p:spPr bwMode="auto">
-          <a:xfrm>
-            <a:off x="-216000" y="5409220"/>
-            <a:ext cx="216000" cy="216000"/>
-          </a:xfrm>
-          <a:prstGeom prst="rect">
-            <a:avLst/>
-          </a:prstGeom>
-          <a:noFill/>
-          <a:extLst>
-            <a:ext uri="{909E8E84-426E-40DD-AFC4-6F175D3DCCD1}">
-              <a14:hiddenFill xmlns:a14="http://schemas.microsoft.com/office/drawing/2010/main">
-                <a:solidFill>
-                  <a:srgbClr val="FFFFFF"/>
-                </a:solidFill>
-              </a14:hiddenFill>
-            </a:ext>
-          </a:extLst>
-        </p:spPr>
-      </p:pic>
-    </p:spTree>
-    <p:extLst>
-      <p:ext uri="{BB962C8B-B14F-4D97-AF65-F5344CB8AC3E}">
-        <p14:creationId xmlns:p14="http://schemas.microsoft.com/office/powerpoint/2010/main" val="2247918294"/>
-      </p:ext>
-    </p:extLst>
-  </p:cSld>
-  <p:clrMapOvr>
-    <a:masterClrMapping/>
-  </p:clrMapOvr>
-</p:sld>
-</file>
-
-<file path=ppt/slides/slide3.xml><?xml version="1.0" encoding="utf-8"?>
 <p:sld xmlns:a="http://schemas.openxmlformats.org/drawingml/2006/main" xmlns:r="http://schemas.openxmlformats.org/officeDocument/2006/relationships" xmlns:p="http://schemas.openxmlformats.org/presentationml/2006/main">
   <p:cSld>
     <p:spTree>
@@ -28895,7 +23830,7 @@
 </p:sld>
 </file>
 
-<file path=ppt/slides/slide4.xml><?xml version="1.0" encoding="utf-8"?>
+<file path=ppt/slides/slide3.xml><?xml version="1.0" encoding="utf-8"?>
 <p:sld xmlns:a="http://schemas.openxmlformats.org/drawingml/2006/main" xmlns:r="http://schemas.openxmlformats.org/officeDocument/2006/relationships" xmlns:p="http://schemas.openxmlformats.org/presentationml/2006/main">
   <p:cSld>
     <p:spTree>
@@ -30909,7 +25844,7 @@
 </p:sld>
 </file>
 
-<file path=ppt/slides/slide5.xml><?xml version="1.0" encoding="utf-8"?>
+<file path=ppt/slides/slide4.xml><?xml version="1.0" encoding="utf-8"?>
 <p:sld xmlns:a="http://schemas.openxmlformats.org/drawingml/2006/main" xmlns:r="http://schemas.openxmlformats.org/officeDocument/2006/relationships" xmlns:p="http://schemas.openxmlformats.org/presentationml/2006/main">
   <p:cSld>
     <p:spTree>
@@ -35848,7 +30783,7 @@
 </p:sld>
 </file>
 
-<file path=ppt/slides/slide6.xml><?xml version="1.0" encoding="utf-8"?>
+<file path=ppt/slides/slide5.xml><?xml version="1.0" encoding="utf-8"?>
 <p:sld xmlns:a="http://schemas.openxmlformats.org/drawingml/2006/main" xmlns:r="http://schemas.openxmlformats.org/officeDocument/2006/relationships" xmlns:p="http://schemas.openxmlformats.org/presentationml/2006/main">
   <p:cSld>
     <p:spTree>
@@ -40005,7 +34940,7 @@
 </p:sld>
 </file>
 
-<file path=ppt/slides/slide7.xml><?xml version="1.0" encoding="utf-8"?>
+<file path=ppt/slides/slide6.xml><?xml version="1.0" encoding="utf-8"?>
 <p:sld xmlns:a="http://schemas.openxmlformats.org/drawingml/2006/main" xmlns:r="http://schemas.openxmlformats.org/officeDocument/2006/relationships" xmlns:p="http://schemas.openxmlformats.org/presentationml/2006/main">
   <p:cSld>
     <p:spTree>
@@ -41391,7 +36326,7 @@
 </p:sld>
 </file>
 
-<file path=ppt/slides/slide8.xml><?xml version="1.0" encoding="utf-8"?>
+<file path=ppt/slides/slide7.xml><?xml version="1.0" encoding="utf-8"?>
 <p:sld xmlns:a="http://schemas.openxmlformats.org/drawingml/2006/main" xmlns:r="http://schemas.openxmlformats.org/officeDocument/2006/relationships" xmlns:p="http://schemas.openxmlformats.org/presentationml/2006/main">
   <p:cSld>
     <p:spTree>
@@ -45371,2398 +40306,6 @@
         <p14:creationId xmlns:p14="http://schemas.microsoft.com/office/powerpoint/2010/main" val="2793415333"/>
       </p:ext>
     </p:extLst>
-  </p:cSld>
-  <p:clrMapOvr>
-    <a:masterClrMapping/>
-  </p:clrMapOvr>
-</p:sld>
-</file>
-
-<file path=ppt/slides/slide9.xml><?xml version="1.0" encoding="utf-8"?>
-<p:sld xmlns:a="http://schemas.openxmlformats.org/drawingml/2006/main" xmlns:r="http://schemas.openxmlformats.org/officeDocument/2006/relationships" xmlns:p="http://schemas.openxmlformats.org/presentationml/2006/main">
-  <p:cSld>
-    <p:spTree>
-      <p:nvGrpSpPr>
-        <p:cNvPr id="1" name=""/>
-        <p:cNvGrpSpPr/>
-        <p:nvPr/>
-      </p:nvGrpSpPr>
-      <p:grpSpPr>
-        <a:xfrm>
-          <a:off x="0" y="0"/>
-          <a:ext cx="0" cy="0"/>
-          <a:chOff x="0" y="0"/>
-          <a:chExt cx="0" cy="0"/>
-        </a:xfrm>
-      </p:grpSpPr>
-      <p:sp>
-        <p:nvSpPr>
-          <p:cNvPr id="7" name="Retângulo de cantos arredondados 6"/>
-          <p:cNvSpPr/>
-          <p:nvPr/>
-        </p:nvSpPr>
-        <p:spPr>
-          <a:xfrm>
-            <a:off x="142844" y="1174578"/>
-            <a:ext cx="8858312" cy="4876972"/>
-          </a:xfrm>
-          <a:prstGeom prst="roundRect">
-            <a:avLst>
-              <a:gd name="adj" fmla="val 1765"/>
-            </a:avLst>
-          </a:prstGeom>
-          <a:solidFill>
-            <a:schemeClr val="bg2">
-              <a:lumMod val="75000"/>
-            </a:schemeClr>
-          </a:solidFill>
-          <a:ln>
-            <a:noFill/>
-            <a:headEnd/>
-            <a:tailEnd/>
-          </a:ln>
-        </p:spPr>
-        <p:style>
-          <a:lnRef idx="1">
-            <a:schemeClr val="accent1"/>
-          </a:lnRef>
-          <a:fillRef idx="2">
-            <a:schemeClr val="accent1"/>
-          </a:fillRef>
-          <a:effectRef idx="1">
-            <a:schemeClr val="accent1"/>
-          </a:effectRef>
-          <a:fontRef idx="minor">
-            <a:schemeClr val="dk1"/>
-          </a:fontRef>
-        </p:style>
-        <p:txBody>
-          <a:bodyPr anchor="t"/>
-          <a:lstStyle/>
-          <a:p>
-            <a:pPr>
-              <a:spcBef>
-                <a:spcPct val="50000"/>
-              </a:spcBef>
-              <a:defRPr/>
-            </a:pPr>
-            <a:endParaRPr lang="pt-BR" sz="1200" b="1" dirty="0">
-              <a:solidFill>
-                <a:schemeClr val="bg1"/>
-              </a:solidFill>
-              <a:latin typeface="Arial" pitchFamily="34" charset="0"/>
-              <a:cs typeface="Arial" pitchFamily="34" charset="0"/>
-            </a:endParaRPr>
-          </a:p>
-        </p:txBody>
-      </p:sp>
-      <p:sp>
-        <p:nvSpPr>
-          <p:cNvPr id="8" name="Retângulo de cantos arredondados 7"/>
-          <p:cNvSpPr/>
-          <p:nvPr/>
-        </p:nvSpPr>
-        <p:spPr>
-          <a:xfrm>
-            <a:off x="214282" y="1250950"/>
-            <a:ext cx="8715436" cy="4711700"/>
-          </a:xfrm>
-          <a:prstGeom prst="roundRect">
-            <a:avLst>
-              <a:gd name="adj" fmla="val 874"/>
-            </a:avLst>
-          </a:prstGeom>
-          <a:solidFill>
-            <a:schemeClr val="bg1"/>
-          </a:solidFill>
-          <a:ln>
-            <a:noFill/>
-            <a:headEnd/>
-            <a:tailEnd/>
-          </a:ln>
-          <a:effectLst>
-            <a:outerShdw blurRad="50800" dist="38100" dir="2700000" algn="tl" rotWithShape="0">
-              <a:prstClr val="black">
-                <a:alpha val="40000"/>
-              </a:prstClr>
-            </a:outerShdw>
-          </a:effectLst>
-        </p:spPr>
-        <p:style>
-          <a:lnRef idx="1">
-            <a:schemeClr val="accent1"/>
-          </a:lnRef>
-          <a:fillRef idx="2">
-            <a:schemeClr val="accent1"/>
-          </a:fillRef>
-          <a:effectRef idx="1">
-            <a:schemeClr val="accent1"/>
-          </a:effectRef>
-          <a:fontRef idx="minor">
-            <a:schemeClr val="dk1"/>
-          </a:fontRef>
-        </p:style>
-        <p:txBody>
-          <a:bodyPr anchor="t"/>
-          <a:lstStyle/>
-          <a:p>
-            <a:pPr>
-              <a:spcBef>
-                <a:spcPct val="50000"/>
-              </a:spcBef>
-              <a:defRPr/>
-            </a:pPr>
-            <a:r>
-              <a:rPr lang="pt-BR" sz="1200" b="1" dirty="0">
-                <a:solidFill>
-                  <a:schemeClr val="tx1">
-                    <a:lumMod val="75000"/>
-                    <a:lumOff val="25000"/>
-                  </a:schemeClr>
-                </a:solidFill>
-                <a:latin typeface="Arial" pitchFamily="34" charset="0"/>
-                <a:cs typeface="Arial" pitchFamily="34" charset="0"/>
-              </a:rPr>
-              <a:t>       Problemas</a:t>
-            </a:r>
-          </a:p>
-        </p:txBody>
-      </p:sp>
-      <p:graphicFrame>
-        <p:nvGraphicFramePr>
-          <p:cNvPr id="5" name="Group 58"/>
-          <p:cNvGraphicFramePr>
-            <a:graphicFrameLocks noGrp="1"/>
-          </p:cNvGraphicFramePr>
-          <p:nvPr>
-            <p:extLst>
-              <p:ext uri="{D42A27DB-BD31-4B8C-83A1-F6EECF244321}">
-                <p14:modId xmlns:p14="http://schemas.microsoft.com/office/powerpoint/2010/main" val="2763662756"/>
-              </p:ext>
-            </p:extLst>
-          </p:nvPr>
-        </p:nvGraphicFramePr>
-        <p:xfrm>
-          <a:off x="285750" y="1551704"/>
-          <a:ext cx="8572500" cy="4352571"/>
-        </p:xfrm>
-        <a:graphic>
-          <a:graphicData uri="http://schemas.openxmlformats.org/drawingml/2006/table">
-            <a:tbl>
-              <a:tblPr firstRow="1" bandRow="1">
-                <a:tableStyleId>{21E4AEA4-8DFA-4A89-87EB-49C32662AFE0}</a:tableStyleId>
-              </a:tblPr>
-              <a:tblGrid>
-                <a:gridCol w="7131050">
-                  <a:extLst>
-                    <a:ext uri="{9D8B030D-6E8A-4147-A177-3AD203B41FA5}">
-                      <a16:colId xmlns:a16="http://schemas.microsoft.com/office/drawing/2014/main" val="20000"/>
-                    </a:ext>
-                  </a:extLst>
-                </a:gridCol>
-                <a:gridCol w="1441450">
-                  <a:extLst>
-                    <a:ext uri="{9D8B030D-6E8A-4147-A177-3AD203B41FA5}">
-                      <a16:colId xmlns:a16="http://schemas.microsoft.com/office/drawing/2014/main" val="20001"/>
-                    </a:ext>
-                  </a:extLst>
-                </a:gridCol>
-              </a:tblGrid>
-              <a:tr h="288966">
-                <a:tc>
-                  <a:txBody>
-                    <a:bodyPr/>
-                    <a:lstStyle/>
-                    <a:p>
-                      <a:pPr marL="0" marR="0" lvl="0" indent="0" algn="ctr" defTabSz="914400" rtl="0" eaLnBrk="1" fontAlgn="base" latinLnBrk="0" hangingPunct="1">
-                        <a:lnSpc>
-                          <a:spcPct val="100000"/>
-                        </a:lnSpc>
-                        <a:spcBef>
-                          <a:spcPct val="0"/>
-                        </a:spcBef>
-                        <a:spcAft>
-                          <a:spcPct val="0"/>
-                        </a:spcAft>
-                        <a:buClrTx/>
-                        <a:buSzTx/>
-                        <a:buFontTx/>
-                        <a:buNone/>
-                        <a:tabLst/>
-                      </a:pPr>
-                      <a:r>
-                        <a:rPr kumimoji="0" lang="pt-BR" sz="1000" u="none" strike="noStrike" cap="none" normalizeH="0" baseline="0" dirty="0">
-                          <a:ln>
-                            <a:noFill/>
-                          </a:ln>
-                          <a:effectLst/>
-                          <a:latin typeface="Arial" pitchFamily="34" charset="0"/>
-                          <a:cs typeface="Arial" pitchFamily="34" charset="0"/>
-                        </a:rPr>
-                        <a:t>Descrição</a:t>
-                      </a:r>
-                      <a:endParaRPr kumimoji="0" lang="pt-BR" sz="1000" b="1" i="0" u="none" strike="noStrike" cap="none" normalizeH="0" baseline="0" dirty="0">
-                        <a:ln>
-                          <a:noFill/>
-                        </a:ln>
-                        <a:solidFill>
-                          <a:schemeClr val="bg1"/>
-                        </a:solidFill>
-                        <a:effectLst/>
-                        <a:latin typeface="Arial" pitchFamily="34" charset="0"/>
-                        <a:cs typeface="Arial" pitchFamily="34" charset="0"/>
-                      </a:endParaRPr>
-                    </a:p>
-                  </a:txBody>
-                  <a:tcPr anchor="ctr" horzOverflow="overflow">
-                    <a:lnL w="12700" cmpd="sng">
-                      <a:noFill/>
-                    </a:lnL>
-                    <a:lnR w="12700" cap="flat" cmpd="sng" algn="ctr">
-                      <a:solidFill>
-                        <a:schemeClr val="bg1"/>
-                      </a:solidFill>
-                      <a:prstDash val="solid"/>
-                      <a:round/>
-                      <a:headEnd type="none" w="med" len="med"/>
-                      <a:tailEnd type="none" w="med" len="med"/>
-                    </a:lnR>
-                    <a:lnT w="12700" cmpd="sng">
-                      <a:noFill/>
-                    </a:lnT>
-                    <a:lnB w="38100" cmpd="sng">
-                      <a:noFill/>
-                    </a:lnB>
-                    <a:lnTlToBr w="12700" cmpd="sng">
-                      <a:noFill/>
-                      <a:prstDash val="solid"/>
-                    </a:lnTlToBr>
-                    <a:lnBlToTr w="12700" cmpd="sng">
-                      <a:noFill/>
-                      <a:prstDash val="solid"/>
-                    </a:lnBlToTr>
-                  </a:tcPr>
-                </a:tc>
-                <a:tc>
-                  <a:txBody>
-                    <a:bodyPr/>
-                    <a:lstStyle/>
-                    <a:p>
-                      <a:pPr marL="0" marR="0" lvl="0" indent="0" algn="ctr" defTabSz="914400" rtl="0" eaLnBrk="1" fontAlgn="base" latinLnBrk="0" hangingPunct="1">
-                        <a:lnSpc>
-                          <a:spcPct val="100000"/>
-                        </a:lnSpc>
-                        <a:spcBef>
-                          <a:spcPct val="0"/>
-                        </a:spcBef>
-                        <a:spcAft>
-                          <a:spcPct val="0"/>
-                        </a:spcAft>
-                        <a:buClrTx/>
-                        <a:buSzTx/>
-                        <a:buFontTx/>
-                        <a:buNone/>
-                        <a:tabLst/>
-                      </a:pPr>
-                      <a:r>
-                        <a:rPr kumimoji="0" lang="pt-BR" sz="1000" u="none" strike="noStrike" cap="none" normalizeH="0" baseline="0" dirty="0">
-                          <a:ln>
-                            <a:noFill/>
-                          </a:ln>
-                          <a:effectLst/>
-                          <a:latin typeface="Arial" pitchFamily="34" charset="0"/>
-                          <a:cs typeface="Arial" pitchFamily="34" charset="0"/>
-                        </a:rPr>
-                        <a:t>Data</a:t>
-                      </a:r>
-                      <a:endParaRPr kumimoji="0" lang="pt-BR" sz="1000" b="1" i="0" u="none" strike="noStrike" cap="none" normalizeH="0" baseline="0" dirty="0">
-                        <a:ln>
-                          <a:noFill/>
-                        </a:ln>
-                        <a:solidFill>
-                          <a:schemeClr val="bg1"/>
-                        </a:solidFill>
-                        <a:effectLst/>
-                        <a:latin typeface="Arial" pitchFamily="34" charset="0"/>
-                        <a:cs typeface="Arial" pitchFamily="34" charset="0"/>
-                      </a:endParaRPr>
-                    </a:p>
-                  </a:txBody>
-                  <a:tcPr anchor="ctr" horzOverflow="overflow">
-                    <a:lnL w="12700" cap="flat" cmpd="sng" algn="ctr">
-                      <a:solidFill>
-                        <a:schemeClr val="bg1"/>
-                      </a:solidFill>
-                      <a:prstDash val="solid"/>
-                      <a:round/>
-                      <a:headEnd type="none" w="med" len="med"/>
-                      <a:tailEnd type="none" w="med" len="med"/>
-                    </a:lnL>
-                    <a:lnR w="12700" cmpd="sng">
-                      <a:noFill/>
-                    </a:lnR>
-                    <a:lnT w="12700" cmpd="sng">
-                      <a:noFill/>
-                    </a:lnT>
-                    <a:lnB w="38100" cmpd="sng">
-                      <a:noFill/>
-                    </a:lnB>
-                    <a:lnTlToBr w="12700" cmpd="sng">
-                      <a:noFill/>
-                      <a:prstDash val="solid"/>
-                    </a:lnTlToBr>
-                    <a:lnBlToTr w="12700" cmpd="sng">
-                      <a:noFill/>
-                      <a:prstDash val="solid"/>
-                    </a:lnBlToTr>
-                  </a:tcPr>
-                </a:tc>
-                <a:extLst>
-                  <a:ext uri="{0D108BD9-81ED-4DB2-BD59-A6C34878D82A}">
-                    <a16:rowId xmlns:a16="http://schemas.microsoft.com/office/drawing/2014/main" val="10000"/>
-                  </a:ext>
-                </a:extLst>
-              </a:tr>
-              <a:tr h="270907">
-                <a:tc>
-                  <a:txBody>
-                    <a:bodyPr/>
-                    <a:lstStyle/>
-                    <a:p>
-                      <a:pPr marL="0" marR="0" lvl="0" indent="0" algn="l" defTabSz="914400" rtl="0" eaLnBrk="1" fontAlgn="base" latinLnBrk="0" hangingPunct="1">
-                        <a:lnSpc>
-                          <a:spcPct val="100000"/>
-                        </a:lnSpc>
-                        <a:spcBef>
-                          <a:spcPct val="0"/>
-                        </a:spcBef>
-                        <a:spcAft>
-                          <a:spcPct val="0"/>
-                        </a:spcAft>
-                        <a:buClrTx/>
-                        <a:buSzTx/>
-                        <a:buFontTx/>
-                        <a:buNone/>
-                        <a:tabLst/>
-                      </a:pPr>
-                      <a:endParaRPr kumimoji="0" lang="pt-BR" sz="1000" b="0" i="0" u="none" strike="noStrike" cap="none" normalizeH="0" baseline="0" dirty="0">
-                        <a:ln>
-                          <a:noFill/>
-                        </a:ln>
-                        <a:solidFill>
-                          <a:schemeClr val="tx1"/>
-                        </a:solidFill>
-                        <a:effectLst/>
-                        <a:latin typeface="Arial" pitchFamily="34" charset="0"/>
-                        <a:cs typeface="Arial" pitchFamily="34" charset="0"/>
-                      </a:endParaRPr>
-                    </a:p>
-                  </a:txBody>
-                  <a:tcPr marL="44450" marR="44450" marT="0" marB="0" anchor="ctr" horzOverflow="overflow">
-                    <a:lnL w="12700" cmpd="sng">
-                      <a:noFill/>
-                    </a:lnL>
-                    <a:lnR w="12700" cap="flat" cmpd="sng" algn="ctr">
-                      <a:solidFill>
-                        <a:schemeClr val="bg1"/>
-                      </a:solidFill>
-                      <a:prstDash val="solid"/>
-                      <a:round/>
-                      <a:headEnd type="none" w="med" len="med"/>
-                      <a:tailEnd type="none" w="med" len="med"/>
-                    </a:lnR>
-                    <a:lnT w="38100" cmpd="sng">
-                      <a:noFill/>
-                    </a:lnT>
-                    <a:lnB w="12700" cmpd="sng">
-                      <a:noFill/>
-                    </a:lnB>
-                    <a:lnTlToBr w="12700" cmpd="sng">
-                      <a:noFill/>
-                      <a:prstDash val="solid"/>
-                    </a:lnTlToBr>
-                    <a:lnBlToTr w="12700" cmpd="sng">
-                      <a:noFill/>
-                      <a:prstDash val="solid"/>
-                    </a:lnBlToTr>
-                  </a:tcPr>
-                </a:tc>
-                <a:tc>
-                  <a:txBody>
-                    <a:bodyPr/>
-                    <a:lstStyle/>
-                    <a:p>
-                      <a:pPr marL="0" marR="0" lvl="0" indent="0" algn="ctr" defTabSz="914400" rtl="0" eaLnBrk="1" fontAlgn="base" latinLnBrk="0" hangingPunct="1">
-                        <a:lnSpc>
-                          <a:spcPct val="100000"/>
-                        </a:lnSpc>
-                        <a:spcBef>
-                          <a:spcPct val="0"/>
-                        </a:spcBef>
-                        <a:spcAft>
-                          <a:spcPct val="0"/>
-                        </a:spcAft>
-                        <a:buClrTx/>
-                        <a:buSzTx/>
-                        <a:buFontTx/>
-                        <a:buNone/>
-                        <a:tabLst/>
-                      </a:pPr>
-                      <a:endParaRPr kumimoji="0" lang="pt-BR" sz="1000" b="0" i="0" u="none" strike="noStrike" cap="none" normalizeH="0" baseline="0" dirty="0">
-                        <a:ln>
-                          <a:noFill/>
-                        </a:ln>
-                        <a:solidFill>
-                          <a:schemeClr val="tx1"/>
-                        </a:solidFill>
-                        <a:effectLst/>
-                        <a:latin typeface="Arial" pitchFamily="34" charset="0"/>
-                        <a:cs typeface="Arial" pitchFamily="34" charset="0"/>
-                      </a:endParaRPr>
-                    </a:p>
-                  </a:txBody>
-                  <a:tcPr anchor="ctr" horzOverflow="overflow">
-                    <a:lnL w="12700" cap="flat" cmpd="sng" algn="ctr">
-                      <a:solidFill>
-                        <a:schemeClr val="bg1"/>
-                      </a:solidFill>
-                      <a:prstDash val="solid"/>
-                      <a:round/>
-                      <a:headEnd type="none" w="med" len="med"/>
-                      <a:tailEnd type="none" w="med" len="med"/>
-                    </a:lnL>
-                    <a:lnR w="12700" cmpd="sng">
-                      <a:noFill/>
-                    </a:lnR>
-                    <a:lnT w="38100" cmpd="sng">
-                      <a:noFill/>
-                    </a:lnT>
-                    <a:lnB w="12700" cmpd="sng">
-                      <a:noFill/>
-                    </a:lnB>
-                    <a:lnTlToBr w="12700" cmpd="sng">
-                      <a:noFill/>
-                      <a:prstDash val="solid"/>
-                    </a:lnTlToBr>
-                    <a:lnBlToTr w="12700" cmpd="sng">
-                      <a:noFill/>
-                      <a:prstDash val="solid"/>
-                    </a:lnBlToTr>
-                  </a:tcPr>
-                </a:tc>
-                <a:extLst>
-                  <a:ext uri="{0D108BD9-81ED-4DB2-BD59-A6C34878D82A}">
-                    <a16:rowId xmlns:a16="http://schemas.microsoft.com/office/drawing/2014/main" val="10001"/>
-                  </a:ext>
-                </a:extLst>
-              </a:tr>
-              <a:tr h="270907">
-                <a:tc>
-                  <a:txBody>
-                    <a:bodyPr/>
-                    <a:lstStyle/>
-                    <a:p>
-                      <a:pPr marL="0" marR="0" lvl="0" indent="0" algn="l" defTabSz="914400" rtl="0" eaLnBrk="1" fontAlgn="base" latinLnBrk="0" hangingPunct="1">
-                        <a:lnSpc>
-                          <a:spcPct val="100000"/>
-                        </a:lnSpc>
-                        <a:spcBef>
-                          <a:spcPct val="0"/>
-                        </a:spcBef>
-                        <a:spcAft>
-                          <a:spcPct val="0"/>
-                        </a:spcAft>
-                        <a:buClrTx/>
-                        <a:buSzTx/>
-                        <a:buFontTx/>
-                        <a:buNone/>
-                        <a:tabLst/>
-                      </a:pPr>
-                      <a:endParaRPr kumimoji="0" lang="pt-BR" sz="1000" b="0" i="0" u="none" strike="noStrike" cap="none" normalizeH="0" baseline="0" dirty="0">
-                        <a:ln>
-                          <a:noFill/>
-                        </a:ln>
-                        <a:solidFill>
-                          <a:schemeClr val="tx1"/>
-                        </a:solidFill>
-                        <a:effectLst/>
-                        <a:latin typeface="Arial" pitchFamily="34" charset="0"/>
-                        <a:ea typeface="Calibri" pitchFamily="34" charset="0"/>
-                        <a:cs typeface="Arial" pitchFamily="34" charset="0"/>
-                      </a:endParaRPr>
-                    </a:p>
-                  </a:txBody>
-                  <a:tcPr marL="44450" marR="44450" marT="0" marB="0" anchor="ctr" horzOverflow="overflow">
-                    <a:lnL w="12700" cmpd="sng">
-                      <a:noFill/>
-                    </a:lnL>
-                    <a:lnR w="12700" cap="flat" cmpd="sng" algn="ctr">
-                      <a:solidFill>
-                        <a:schemeClr val="bg1"/>
-                      </a:solidFill>
-                      <a:prstDash val="solid"/>
-                      <a:round/>
-                      <a:headEnd type="none" w="med" len="med"/>
-                      <a:tailEnd type="none" w="med" len="med"/>
-                    </a:lnR>
-                    <a:lnT w="12700" cmpd="sng">
-                      <a:noFill/>
-                    </a:lnT>
-                    <a:lnB w="12700" cmpd="sng">
-                      <a:noFill/>
-                    </a:lnB>
-                    <a:lnTlToBr w="12700" cmpd="sng">
-                      <a:noFill/>
-                      <a:prstDash val="solid"/>
-                    </a:lnTlToBr>
-                    <a:lnBlToTr w="12700" cmpd="sng">
-                      <a:noFill/>
-                      <a:prstDash val="solid"/>
-                    </a:lnBlToTr>
-                  </a:tcPr>
-                </a:tc>
-                <a:tc>
-                  <a:txBody>
-                    <a:bodyPr/>
-                    <a:lstStyle/>
-                    <a:p>
-                      <a:pPr marL="0" marR="0" lvl="0" indent="0" algn="ctr" defTabSz="914400" rtl="0" eaLnBrk="1" fontAlgn="base" latinLnBrk="0" hangingPunct="1">
-                        <a:lnSpc>
-                          <a:spcPct val="100000"/>
-                        </a:lnSpc>
-                        <a:spcBef>
-                          <a:spcPct val="0"/>
-                        </a:spcBef>
-                        <a:spcAft>
-                          <a:spcPct val="0"/>
-                        </a:spcAft>
-                        <a:buClrTx/>
-                        <a:buSzTx/>
-                        <a:buFontTx/>
-                        <a:buNone/>
-                        <a:tabLst/>
-                      </a:pPr>
-                      <a:endParaRPr kumimoji="0" lang="pt-BR" sz="1000" b="0" i="0" u="none" strike="noStrike" cap="none" normalizeH="0" baseline="0" dirty="0">
-                        <a:ln>
-                          <a:noFill/>
-                        </a:ln>
-                        <a:solidFill>
-                          <a:schemeClr val="tx1"/>
-                        </a:solidFill>
-                        <a:effectLst/>
-                        <a:latin typeface="Arial" pitchFamily="34" charset="0"/>
-                        <a:cs typeface="Arial" pitchFamily="34" charset="0"/>
-                      </a:endParaRPr>
-                    </a:p>
-                  </a:txBody>
-                  <a:tcPr anchor="ctr" horzOverflow="overflow">
-                    <a:lnL w="12700" cap="flat" cmpd="sng" algn="ctr">
-                      <a:solidFill>
-                        <a:schemeClr val="bg1"/>
-                      </a:solidFill>
-                      <a:prstDash val="solid"/>
-                      <a:round/>
-                      <a:headEnd type="none" w="med" len="med"/>
-                      <a:tailEnd type="none" w="med" len="med"/>
-                    </a:lnL>
-                    <a:lnR w="12700" cmpd="sng">
-                      <a:noFill/>
-                    </a:lnR>
-                    <a:lnT w="12700" cmpd="sng">
-                      <a:noFill/>
-                    </a:lnT>
-                    <a:lnB w="12700" cmpd="sng">
-                      <a:noFill/>
-                    </a:lnB>
-                    <a:lnTlToBr w="12700" cmpd="sng">
-                      <a:noFill/>
-                      <a:prstDash val="solid"/>
-                    </a:lnTlToBr>
-                    <a:lnBlToTr w="12700" cmpd="sng">
-                      <a:noFill/>
-                      <a:prstDash val="solid"/>
-                    </a:lnBlToTr>
-                  </a:tcPr>
-                </a:tc>
-                <a:extLst>
-                  <a:ext uri="{0D108BD9-81ED-4DB2-BD59-A6C34878D82A}">
-                    <a16:rowId xmlns:a16="http://schemas.microsoft.com/office/drawing/2014/main" val="10002"/>
-                  </a:ext>
-                </a:extLst>
-              </a:tr>
-              <a:tr h="270907">
-                <a:tc>
-                  <a:txBody>
-                    <a:bodyPr/>
-                    <a:lstStyle/>
-                    <a:p>
-                      <a:pPr marL="0" marR="0" lvl="0" indent="0" algn="l" defTabSz="914400" rtl="0" eaLnBrk="1" fontAlgn="base" latinLnBrk="0" hangingPunct="1">
-                        <a:lnSpc>
-                          <a:spcPct val="100000"/>
-                        </a:lnSpc>
-                        <a:spcBef>
-                          <a:spcPct val="0"/>
-                        </a:spcBef>
-                        <a:spcAft>
-                          <a:spcPct val="0"/>
-                        </a:spcAft>
-                        <a:buClrTx/>
-                        <a:buSzTx/>
-                        <a:buFontTx/>
-                        <a:buNone/>
-                        <a:tabLst/>
-                      </a:pPr>
-                      <a:endParaRPr kumimoji="0" lang="pt-BR" sz="1000" b="0" i="0" u="none" strike="noStrike" cap="none" normalizeH="0" baseline="0" dirty="0">
-                        <a:ln>
-                          <a:noFill/>
-                        </a:ln>
-                        <a:solidFill>
-                          <a:schemeClr val="bg1"/>
-                        </a:solidFill>
-                        <a:effectLst/>
-                        <a:latin typeface="Arial" pitchFamily="34" charset="0"/>
-                        <a:ea typeface="Calibri" pitchFamily="34" charset="0"/>
-                        <a:cs typeface="Arial" pitchFamily="34" charset="0"/>
-                      </a:endParaRPr>
-                    </a:p>
-                  </a:txBody>
-                  <a:tcPr marL="44450" marR="44450" marT="0" marB="0" anchor="ctr" horzOverflow="overflow">
-                    <a:lnL w="12700" cmpd="sng">
-                      <a:noFill/>
-                    </a:lnL>
-                    <a:lnR w="12700" cap="flat" cmpd="sng" algn="ctr">
-                      <a:solidFill>
-                        <a:schemeClr val="bg1"/>
-                      </a:solidFill>
-                      <a:prstDash val="solid"/>
-                      <a:round/>
-                      <a:headEnd type="none" w="med" len="med"/>
-                      <a:tailEnd type="none" w="med" len="med"/>
-                    </a:lnR>
-                    <a:lnT w="12700" cmpd="sng">
-                      <a:noFill/>
-                    </a:lnT>
-                    <a:lnB w="12700" cmpd="sng">
-                      <a:noFill/>
-                    </a:lnB>
-                    <a:lnTlToBr w="12700" cmpd="sng">
-                      <a:noFill/>
-                      <a:prstDash val="solid"/>
-                    </a:lnTlToBr>
-                    <a:lnBlToTr w="12700" cmpd="sng">
-                      <a:noFill/>
-                      <a:prstDash val="solid"/>
-                    </a:lnBlToTr>
-                  </a:tcPr>
-                </a:tc>
-                <a:tc>
-                  <a:txBody>
-                    <a:bodyPr/>
-                    <a:lstStyle/>
-                    <a:p>
-                      <a:pPr marL="0" marR="0" lvl="0" indent="0" algn="ctr" defTabSz="914400" rtl="0" eaLnBrk="1" fontAlgn="base" latinLnBrk="0" hangingPunct="1">
-                        <a:lnSpc>
-                          <a:spcPct val="100000"/>
-                        </a:lnSpc>
-                        <a:spcBef>
-                          <a:spcPct val="0"/>
-                        </a:spcBef>
-                        <a:spcAft>
-                          <a:spcPct val="0"/>
-                        </a:spcAft>
-                        <a:buClrTx/>
-                        <a:buSzTx/>
-                        <a:buFontTx/>
-                        <a:buNone/>
-                        <a:tabLst/>
-                      </a:pPr>
-                      <a:endParaRPr kumimoji="0" lang="pt-BR" sz="1000" b="0" i="0" u="none" strike="noStrike" cap="none" normalizeH="0" baseline="0" dirty="0">
-                        <a:ln>
-                          <a:noFill/>
-                        </a:ln>
-                        <a:solidFill>
-                          <a:schemeClr val="bg1"/>
-                        </a:solidFill>
-                        <a:effectLst/>
-                        <a:latin typeface="Arial" pitchFamily="34" charset="0"/>
-                        <a:cs typeface="Arial" pitchFamily="34" charset="0"/>
-                      </a:endParaRPr>
-                    </a:p>
-                  </a:txBody>
-                  <a:tcPr anchor="ctr" horzOverflow="overflow">
-                    <a:lnL w="12700" cap="flat" cmpd="sng" algn="ctr">
-                      <a:solidFill>
-                        <a:schemeClr val="bg1"/>
-                      </a:solidFill>
-                      <a:prstDash val="solid"/>
-                      <a:round/>
-                      <a:headEnd type="none" w="med" len="med"/>
-                      <a:tailEnd type="none" w="med" len="med"/>
-                    </a:lnL>
-                    <a:lnR w="12700" cmpd="sng">
-                      <a:noFill/>
-                    </a:lnR>
-                    <a:lnT w="12700" cmpd="sng">
-                      <a:noFill/>
-                    </a:lnT>
-                    <a:lnB w="12700" cmpd="sng">
-                      <a:noFill/>
-                    </a:lnB>
-                    <a:lnTlToBr w="12700" cmpd="sng">
-                      <a:noFill/>
-                      <a:prstDash val="solid"/>
-                    </a:lnTlToBr>
-                    <a:lnBlToTr w="12700" cmpd="sng">
-                      <a:noFill/>
-                      <a:prstDash val="solid"/>
-                    </a:lnBlToTr>
-                  </a:tcPr>
-                </a:tc>
-                <a:extLst>
-                  <a:ext uri="{0D108BD9-81ED-4DB2-BD59-A6C34878D82A}">
-                    <a16:rowId xmlns:a16="http://schemas.microsoft.com/office/drawing/2014/main" val="10003"/>
-                  </a:ext>
-                </a:extLst>
-              </a:tr>
-              <a:tr h="270907">
-                <a:tc>
-                  <a:txBody>
-                    <a:bodyPr/>
-                    <a:lstStyle/>
-                    <a:p>
-                      <a:pPr marL="0" marR="0" lvl="0" indent="0" algn="l" defTabSz="914400" rtl="0" eaLnBrk="1" fontAlgn="base" latinLnBrk="0" hangingPunct="1">
-                        <a:lnSpc>
-                          <a:spcPct val="100000"/>
-                        </a:lnSpc>
-                        <a:spcBef>
-                          <a:spcPct val="0"/>
-                        </a:spcBef>
-                        <a:spcAft>
-                          <a:spcPct val="0"/>
-                        </a:spcAft>
-                        <a:buClrTx/>
-                        <a:buSzTx/>
-                        <a:buFontTx/>
-                        <a:buNone/>
-                        <a:tabLst/>
-                      </a:pPr>
-                      <a:endParaRPr kumimoji="0" lang="pt-BR" sz="1000" b="0" i="0" u="none" strike="noStrike" cap="none" normalizeH="0" baseline="0" dirty="0">
-                        <a:ln>
-                          <a:noFill/>
-                        </a:ln>
-                        <a:solidFill>
-                          <a:schemeClr val="bg1"/>
-                        </a:solidFill>
-                        <a:effectLst/>
-                        <a:latin typeface="Arial" pitchFamily="34" charset="0"/>
-                        <a:ea typeface="Calibri" pitchFamily="34" charset="0"/>
-                        <a:cs typeface="Arial" pitchFamily="34" charset="0"/>
-                      </a:endParaRPr>
-                    </a:p>
-                  </a:txBody>
-                  <a:tcPr marL="44450" marR="44450" marT="0" marB="0" anchor="ctr" horzOverflow="overflow">
-                    <a:lnL w="12700" cmpd="sng">
-                      <a:noFill/>
-                    </a:lnL>
-                    <a:lnR w="12700" cap="flat" cmpd="sng" algn="ctr">
-                      <a:solidFill>
-                        <a:schemeClr val="bg1"/>
-                      </a:solidFill>
-                      <a:prstDash val="solid"/>
-                      <a:round/>
-                      <a:headEnd type="none" w="med" len="med"/>
-                      <a:tailEnd type="none" w="med" len="med"/>
-                    </a:lnR>
-                    <a:lnT w="12700" cmpd="sng">
-                      <a:noFill/>
-                    </a:lnT>
-                    <a:lnB w="12700" cmpd="sng">
-                      <a:noFill/>
-                    </a:lnB>
-                    <a:lnTlToBr w="12700" cmpd="sng">
-                      <a:noFill/>
-                      <a:prstDash val="solid"/>
-                    </a:lnTlToBr>
-                    <a:lnBlToTr w="12700" cmpd="sng">
-                      <a:noFill/>
-                      <a:prstDash val="solid"/>
-                    </a:lnBlToTr>
-                  </a:tcPr>
-                </a:tc>
-                <a:tc>
-                  <a:txBody>
-                    <a:bodyPr/>
-                    <a:lstStyle/>
-                    <a:p>
-                      <a:pPr marL="0" marR="0" lvl="0" indent="0" algn="ctr" defTabSz="914400" rtl="0" eaLnBrk="1" fontAlgn="base" latinLnBrk="0" hangingPunct="1">
-                        <a:lnSpc>
-                          <a:spcPct val="100000"/>
-                        </a:lnSpc>
-                        <a:spcBef>
-                          <a:spcPct val="0"/>
-                        </a:spcBef>
-                        <a:spcAft>
-                          <a:spcPct val="0"/>
-                        </a:spcAft>
-                        <a:buClrTx/>
-                        <a:buSzTx/>
-                        <a:buFontTx/>
-                        <a:buNone/>
-                        <a:tabLst/>
-                      </a:pPr>
-                      <a:endParaRPr kumimoji="0" lang="pt-BR" sz="1000" b="0" i="0" u="none" strike="noStrike" cap="none" normalizeH="0" baseline="0" dirty="0">
-                        <a:ln>
-                          <a:noFill/>
-                        </a:ln>
-                        <a:solidFill>
-                          <a:schemeClr val="bg1"/>
-                        </a:solidFill>
-                        <a:effectLst/>
-                        <a:latin typeface="Arial" pitchFamily="34" charset="0"/>
-                        <a:cs typeface="Arial" pitchFamily="34" charset="0"/>
-                      </a:endParaRPr>
-                    </a:p>
-                  </a:txBody>
-                  <a:tcPr anchor="ctr" horzOverflow="overflow">
-                    <a:lnL w="12700" cap="flat" cmpd="sng" algn="ctr">
-                      <a:solidFill>
-                        <a:schemeClr val="bg1"/>
-                      </a:solidFill>
-                      <a:prstDash val="solid"/>
-                      <a:round/>
-                      <a:headEnd type="none" w="med" len="med"/>
-                      <a:tailEnd type="none" w="med" len="med"/>
-                    </a:lnL>
-                    <a:lnR w="12700" cmpd="sng">
-                      <a:noFill/>
-                    </a:lnR>
-                    <a:lnT w="12700" cmpd="sng">
-                      <a:noFill/>
-                    </a:lnT>
-                    <a:lnB w="12700" cmpd="sng">
-                      <a:noFill/>
-                    </a:lnB>
-                    <a:lnTlToBr w="12700" cmpd="sng">
-                      <a:noFill/>
-                      <a:prstDash val="solid"/>
-                    </a:lnTlToBr>
-                    <a:lnBlToTr w="12700" cmpd="sng">
-                      <a:noFill/>
-                      <a:prstDash val="solid"/>
-                    </a:lnBlToTr>
-                  </a:tcPr>
-                </a:tc>
-                <a:extLst>
-                  <a:ext uri="{0D108BD9-81ED-4DB2-BD59-A6C34878D82A}">
-                    <a16:rowId xmlns:a16="http://schemas.microsoft.com/office/drawing/2014/main" val="10004"/>
-                  </a:ext>
-                </a:extLst>
-              </a:tr>
-              <a:tr h="270907">
-                <a:tc>
-                  <a:txBody>
-                    <a:bodyPr/>
-                    <a:lstStyle/>
-                    <a:p>
-                      <a:pPr marL="0" marR="0" lvl="0" indent="0" algn="l" defTabSz="914400" rtl="0" eaLnBrk="1" fontAlgn="base" latinLnBrk="0" hangingPunct="1">
-                        <a:lnSpc>
-                          <a:spcPct val="100000"/>
-                        </a:lnSpc>
-                        <a:spcBef>
-                          <a:spcPct val="0"/>
-                        </a:spcBef>
-                        <a:spcAft>
-                          <a:spcPct val="0"/>
-                        </a:spcAft>
-                        <a:buClrTx/>
-                        <a:buSzTx/>
-                        <a:buFontTx/>
-                        <a:buNone/>
-                        <a:tabLst/>
-                      </a:pPr>
-                      <a:endParaRPr kumimoji="0" lang="pt-BR" sz="1000" b="0" i="0" u="none" strike="noStrike" cap="none" normalizeH="0" baseline="0" dirty="0">
-                        <a:ln>
-                          <a:noFill/>
-                        </a:ln>
-                        <a:solidFill>
-                          <a:schemeClr val="bg1"/>
-                        </a:solidFill>
-                        <a:effectLst/>
-                        <a:latin typeface="Arial" pitchFamily="34" charset="0"/>
-                        <a:ea typeface="Calibri" pitchFamily="34" charset="0"/>
-                        <a:cs typeface="Arial" pitchFamily="34" charset="0"/>
-                      </a:endParaRPr>
-                    </a:p>
-                  </a:txBody>
-                  <a:tcPr marL="44450" marR="44450" marT="0" marB="0" anchor="ctr" horzOverflow="overflow">
-                    <a:lnL w="12700" cmpd="sng">
-                      <a:noFill/>
-                    </a:lnL>
-                    <a:lnR w="12700" cap="flat" cmpd="sng" algn="ctr">
-                      <a:solidFill>
-                        <a:schemeClr val="bg1"/>
-                      </a:solidFill>
-                      <a:prstDash val="solid"/>
-                      <a:round/>
-                      <a:headEnd type="none" w="med" len="med"/>
-                      <a:tailEnd type="none" w="med" len="med"/>
-                    </a:lnR>
-                    <a:lnT w="12700" cmpd="sng">
-                      <a:noFill/>
-                    </a:lnT>
-                    <a:lnB w="12700" cmpd="sng">
-                      <a:noFill/>
-                    </a:lnB>
-                    <a:lnTlToBr w="12700" cmpd="sng">
-                      <a:noFill/>
-                      <a:prstDash val="solid"/>
-                    </a:lnTlToBr>
-                    <a:lnBlToTr w="12700" cmpd="sng">
-                      <a:noFill/>
-                      <a:prstDash val="solid"/>
-                    </a:lnBlToTr>
-                  </a:tcPr>
-                </a:tc>
-                <a:tc>
-                  <a:txBody>
-                    <a:bodyPr/>
-                    <a:lstStyle/>
-                    <a:p>
-                      <a:pPr marL="0" marR="0" lvl="0" indent="0" algn="ctr" defTabSz="914400" rtl="0" eaLnBrk="1" fontAlgn="base" latinLnBrk="0" hangingPunct="1">
-                        <a:lnSpc>
-                          <a:spcPct val="100000"/>
-                        </a:lnSpc>
-                        <a:spcBef>
-                          <a:spcPct val="0"/>
-                        </a:spcBef>
-                        <a:spcAft>
-                          <a:spcPct val="0"/>
-                        </a:spcAft>
-                        <a:buClrTx/>
-                        <a:buSzTx/>
-                        <a:buFontTx/>
-                        <a:buNone/>
-                        <a:tabLst/>
-                      </a:pPr>
-                      <a:endParaRPr kumimoji="0" lang="pt-BR" sz="1000" b="0" i="0" u="none" strike="noStrike" cap="none" normalizeH="0" baseline="0" dirty="0">
-                        <a:ln>
-                          <a:noFill/>
-                        </a:ln>
-                        <a:solidFill>
-                          <a:schemeClr val="bg1"/>
-                        </a:solidFill>
-                        <a:effectLst/>
-                        <a:latin typeface="Arial" pitchFamily="34" charset="0"/>
-                        <a:cs typeface="Arial" pitchFamily="34" charset="0"/>
-                      </a:endParaRPr>
-                    </a:p>
-                  </a:txBody>
-                  <a:tcPr anchor="ctr" horzOverflow="overflow">
-                    <a:lnL w="12700" cap="flat" cmpd="sng" algn="ctr">
-                      <a:solidFill>
-                        <a:schemeClr val="bg1"/>
-                      </a:solidFill>
-                      <a:prstDash val="solid"/>
-                      <a:round/>
-                      <a:headEnd type="none" w="med" len="med"/>
-                      <a:tailEnd type="none" w="med" len="med"/>
-                    </a:lnL>
-                    <a:lnR w="12700" cmpd="sng">
-                      <a:noFill/>
-                    </a:lnR>
-                    <a:lnT w="12700" cmpd="sng">
-                      <a:noFill/>
-                    </a:lnT>
-                    <a:lnB w="12700" cmpd="sng">
-                      <a:noFill/>
-                    </a:lnB>
-                    <a:lnTlToBr w="12700" cmpd="sng">
-                      <a:noFill/>
-                      <a:prstDash val="solid"/>
-                    </a:lnTlToBr>
-                    <a:lnBlToTr w="12700" cmpd="sng">
-                      <a:noFill/>
-                      <a:prstDash val="solid"/>
-                    </a:lnBlToTr>
-                  </a:tcPr>
-                </a:tc>
-                <a:extLst>
-                  <a:ext uri="{0D108BD9-81ED-4DB2-BD59-A6C34878D82A}">
-                    <a16:rowId xmlns:a16="http://schemas.microsoft.com/office/drawing/2014/main" val="10005"/>
-                  </a:ext>
-                </a:extLst>
-              </a:tr>
-              <a:tr h="270907">
-                <a:tc>
-                  <a:txBody>
-                    <a:bodyPr/>
-                    <a:lstStyle/>
-                    <a:p>
-                      <a:pPr marL="0" marR="0" lvl="0" indent="0" algn="l" defTabSz="914400" rtl="0" eaLnBrk="1" fontAlgn="base" latinLnBrk="0" hangingPunct="1">
-                        <a:lnSpc>
-                          <a:spcPct val="100000"/>
-                        </a:lnSpc>
-                        <a:spcBef>
-                          <a:spcPct val="0"/>
-                        </a:spcBef>
-                        <a:spcAft>
-                          <a:spcPct val="0"/>
-                        </a:spcAft>
-                        <a:buClrTx/>
-                        <a:buSzTx/>
-                        <a:buFontTx/>
-                        <a:buNone/>
-                        <a:tabLst/>
-                      </a:pPr>
-                      <a:endParaRPr kumimoji="0" lang="pt-BR" sz="1000" b="0" i="0" u="none" strike="noStrike" cap="none" normalizeH="0" baseline="0" dirty="0">
-                        <a:ln>
-                          <a:noFill/>
-                        </a:ln>
-                        <a:solidFill>
-                          <a:schemeClr val="bg1"/>
-                        </a:solidFill>
-                        <a:effectLst/>
-                        <a:latin typeface="Arial" pitchFamily="34" charset="0"/>
-                        <a:ea typeface="Calibri" pitchFamily="34" charset="0"/>
-                        <a:cs typeface="Arial" pitchFamily="34" charset="0"/>
-                      </a:endParaRPr>
-                    </a:p>
-                  </a:txBody>
-                  <a:tcPr marL="44450" marR="44450" marT="0" marB="0" anchor="ctr" horzOverflow="overflow">
-                    <a:lnL w="12700" cmpd="sng">
-                      <a:noFill/>
-                    </a:lnL>
-                    <a:lnR w="12700" cap="flat" cmpd="sng" algn="ctr">
-                      <a:solidFill>
-                        <a:schemeClr val="bg1"/>
-                      </a:solidFill>
-                      <a:prstDash val="solid"/>
-                      <a:round/>
-                      <a:headEnd type="none" w="med" len="med"/>
-                      <a:tailEnd type="none" w="med" len="med"/>
-                    </a:lnR>
-                    <a:lnT w="12700" cmpd="sng">
-                      <a:noFill/>
-                    </a:lnT>
-                    <a:lnB w="12700" cmpd="sng">
-                      <a:noFill/>
-                    </a:lnB>
-                    <a:lnTlToBr w="12700" cmpd="sng">
-                      <a:noFill/>
-                      <a:prstDash val="solid"/>
-                    </a:lnTlToBr>
-                    <a:lnBlToTr w="12700" cmpd="sng">
-                      <a:noFill/>
-                      <a:prstDash val="solid"/>
-                    </a:lnBlToTr>
-                  </a:tcPr>
-                </a:tc>
-                <a:tc>
-                  <a:txBody>
-                    <a:bodyPr/>
-                    <a:lstStyle/>
-                    <a:p>
-                      <a:pPr marL="0" marR="0" lvl="0" indent="0" algn="ctr" defTabSz="914400" rtl="0" eaLnBrk="1" fontAlgn="base" latinLnBrk="0" hangingPunct="1">
-                        <a:lnSpc>
-                          <a:spcPct val="100000"/>
-                        </a:lnSpc>
-                        <a:spcBef>
-                          <a:spcPct val="0"/>
-                        </a:spcBef>
-                        <a:spcAft>
-                          <a:spcPct val="0"/>
-                        </a:spcAft>
-                        <a:buClrTx/>
-                        <a:buSzTx/>
-                        <a:buFontTx/>
-                        <a:buNone/>
-                        <a:tabLst/>
-                      </a:pPr>
-                      <a:endParaRPr kumimoji="0" lang="pt-BR" sz="1000" b="0" i="0" u="none" strike="noStrike" cap="none" normalizeH="0" baseline="0" dirty="0">
-                        <a:ln>
-                          <a:noFill/>
-                        </a:ln>
-                        <a:solidFill>
-                          <a:schemeClr val="bg1"/>
-                        </a:solidFill>
-                        <a:effectLst/>
-                        <a:latin typeface="Arial" pitchFamily="34" charset="0"/>
-                        <a:cs typeface="Arial" pitchFamily="34" charset="0"/>
-                      </a:endParaRPr>
-                    </a:p>
-                  </a:txBody>
-                  <a:tcPr anchor="ctr" horzOverflow="overflow">
-                    <a:lnL w="12700" cap="flat" cmpd="sng" algn="ctr">
-                      <a:solidFill>
-                        <a:schemeClr val="bg1"/>
-                      </a:solidFill>
-                      <a:prstDash val="solid"/>
-                      <a:round/>
-                      <a:headEnd type="none" w="med" len="med"/>
-                      <a:tailEnd type="none" w="med" len="med"/>
-                    </a:lnL>
-                    <a:lnR w="12700" cmpd="sng">
-                      <a:noFill/>
-                    </a:lnR>
-                    <a:lnT w="12700" cmpd="sng">
-                      <a:noFill/>
-                    </a:lnT>
-                    <a:lnB w="12700" cmpd="sng">
-                      <a:noFill/>
-                    </a:lnB>
-                    <a:lnTlToBr w="12700" cmpd="sng">
-                      <a:noFill/>
-                      <a:prstDash val="solid"/>
-                    </a:lnTlToBr>
-                    <a:lnBlToTr w="12700" cmpd="sng">
-                      <a:noFill/>
-                      <a:prstDash val="solid"/>
-                    </a:lnBlToTr>
-                  </a:tcPr>
-                </a:tc>
-                <a:extLst>
-                  <a:ext uri="{0D108BD9-81ED-4DB2-BD59-A6C34878D82A}">
-                    <a16:rowId xmlns:a16="http://schemas.microsoft.com/office/drawing/2014/main" val="10006"/>
-                  </a:ext>
-                </a:extLst>
-              </a:tr>
-              <a:tr h="270907">
-                <a:tc>
-                  <a:txBody>
-                    <a:bodyPr/>
-                    <a:lstStyle/>
-                    <a:p>
-                      <a:pPr marL="0" marR="0" lvl="0" indent="0" algn="l" defTabSz="914400" rtl="0" eaLnBrk="1" fontAlgn="base" latinLnBrk="0" hangingPunct="1">
-                        <a:lnSpc>
-                          <a:spcPct val="100000"/>
-                        </a:lnSpc>
-                        <a:spcBef>
-                          <a:spcPct val="0"/>
-                        </a:spcBef>
-                        <a:spcAft>
-                          <a:spcPct val="0"/>
-                        </a:spcAft>
-                        <a:buClrTx/>
-                        <a:buSzTx/>
-                        <a:buFontTx/>
-                        <a:buNone/>
-                        <a:tabLst/>
-                      </a:pPr>
-                      <a:endParaRPr kumimoji="0" lang="pt-BR" sz="1000" b="0" i="0" u="none" strike="noStrike" cap="none" normalizeH="0" baseline="0" dirty="0">
-                        <a:ln>
-                          <a:noFill/>
-                        </a:ln>
-                        <a:solidFill>
-                          <a:schemeClr val="bg1"/>
-                        </a:solidFill>
-                        <a:effectLst/>
-                        <a:latin typeface="Arial" pitchFamily="34" charset="0"/>
-                        <a:ea typeface="Calibri" pitchFamily="34" charset="0"/>
-                        <a:cs typeface="Arial" pitchFamily="34" charset="0"/>
-                      </a:endParaRPr>
-                    </a:p>
-                  </a:txBody>
-                  <a:tcPr marL="44450" marR="44450" marT="0" marB="0" anchor="ctr" horzOverflow="overflow">
-                    <a:lnL w="12700" cmpd="sng">
-                      <a:noFill/>
-                    </a:lnL>
-                    <a:lnR w="12700" cap="flat" cmpd="sng" algn="ctr">
-                      <a:solidFill>
-                        <a:schemeClr val="bg1"/>
-                      </a:solidFill>
-                      <a:prstDash val="solid"/>
-                      <a:round/>
-                      <a:headEnd type="none" w="med" len="med"/>
-                      <a:tailEnd type="none" w="med" len="med"/>
-                    </a:lnR>
-                    <a:lnT w="12700" cmpd="sng">
-                      <a:noFill/>
-                    </a:lnT>
-                    <a:lnB w="12700" cmpd="sng">
-                      <a:noFill/>
-                    </a:lnB>
-                    <a:lnTlToBr w="12700" cmpd="sng">
-                      <a:noFill/>
-                      <a:prstDash val="solid"/>
-                    </a:lnTlToBr>
-                    <a:lnBlToTr w="12700" cmpd="sng">
-                      <a:noFill/>
-                      <a:prstDash val="solid"/>
-                    </a:lnBlToTr>
-                  </a:tcPr>
-                </a:tc>
-                <a:tc>
-                  <a:txBody>
-                    <a:bodyPr/>
-                    <a:lstStyle/>
-                    <a:p>
-                      <a:pPr marL="0" marR="0" lvl="0" indent="0" algn="ctr" defTabSz="914400" rtl="0" eaLnBrk="1" fontAlgn="base" latinLnBrk="0" hangingPunct="1">
-                        <a:lnSpc>
-                          <a:spcPct val="100000"/>
-                        </a:lnSpc>
-                        <a:spcBef>
-                          <a:spcPct val="0"/>
-                        </a:spcBef>
-                        <a:spcAft>
-                          <a:spcPct val="0"/>
-                        </a:spcAft>
-                        <a:buClrTx/>
-                        <a:buSzTx/>
-                        <a:buFontTx/>
-                        <a:buNone/>
-                        <a:tabLst/>
-                      </a:pPr>
-                      <a:endParaRPr kumimoji="0" lang="pt-BR" sz="1000" b="0" i="0" u="none" strike="noStrike" cap="none" normalizeH="0" baseline="0" dirty="0">
-                        <a:ln>
-                          <a:noFill/>
-                        </a:ln>
-                        <a:solidFill>
-                          <a:schemeClr val="bg1"/>
-                        </a:solidFill>
-                        <a:effectLst/>
-                        <a:latin typeface="Arial" pitchFamily="34" charset="0"/>
-                        <a:cs typeface="Arial" pitchFamily="34" charset="0"/>
-                      </a:endParaRPr>
-                    </a:p>
-                  </a:txBody>
-                  <a:tcPr anchor="ctr" horzOverflow="overflow">
-                    <a:lnL w="12700" cap="flat" cmpd="sng" algn="ctr">
-                      <a:solidFill>
-                        <a:schemeClr val="bg1"/>
-                      </a:solidFill>
-                      <a:prstDash val="solid"/>
-                      <a:round/>
-                      <a:headEnd type="none" w="med" len="med"/>
-                      <a:tailEnd type="none" w="med" len="med"/>
-                    </a:lnL>
-                    <a:lnR w="12700" cmpd="sng">
-                      <a:noFill/>
-                    </a:lnR>
-                    <a:lnT w="12700" cmpd="sng">
-                      <a:noFill/>
-                    </a:lnT>
-                    <a:lnB w="12700" cmpd="sng">
-                      <a:noFill/>
-                    </a:lnB>
-                    <a:lnTlToBr w="12700" cmpd="sng">
-                      <a:noFill/>
-                      <a:prstDash val="solid"/>
-                    </a:lnTlToBr>
-                    <a:lnBlToTr w="12700" cmpd="sng">
-                      <a:noFill/>
-                      <a:prstDash val="solid"/>
-                    </a:lnBlToTr>
-                  </a:tcPr>
-                </a:tc>
-                <a:extLst>
-                  <a:ext uri="{0D108BD9-81ED-4DB2-BD59-A6C34878D82A}">
-                    <a16:rowId xmlns:a16="http://schemas.microsoft.com/office/drawing/2014/main" val="10007"/>
-                  </a:ext>
-                </a:extLst>
-              </a:tr>
-              <a:tr h="270907">
-                <a:tc>
-                  <a:txBody>
-                    <a:bodyPr/>
-                    <a:lstStyle/>
-                    <a:p>
-                      <a:pPr marL="0" marR="0" lvl="0" indent="0" algn="l" defTabSz="914400" rtl="0" eaLnBrk="1" fontAlgn="base" latinLnBrk="0" hangingPunct="1">
-                        <a:lnSpc>
-                          <a:spcPct val="100000"/>
-                        </a:lnSpc>
-                        <a:spcBef>
-                          <a:spcPct val="0"/>
-                        </a:spcBef>
-                        <a:spcAft>
-                          <a:spcPct val="0"/>
-                        </a:spcAft>
-                        <a:buClrTx/>
-                        <a:buSzTx/>
-                        <a:buFontTx/>
-                        <a:buNone/>
-                        <a:tabLst/>
-                      </a:pPr>
-                      <a:endParaRPr kumimoji="0" lang="pt-BR" sz="1000" b="0" i="0" u="none" strike="noStrike" cap="none" normalizeH="0" baseline="0" dirty="0">
-                        <a:ln>
-                          <a:noFill/>
-                        </a:ln>
-                        <a:solidFill>
-                          <a:schemeClr val="bg1"/>
-                        </a:solidFill>
-                        <a:effectLst/>
-                        <a:latin typeface="Arial" pitchFamily="34" charset="0"/>
-                        <a:ea typeface="Calibri" pitchFamily="34" charset="0"/>
-                        <a:cs typeface="Arial" pitchFamily="34" charset="0"/>
-                      </a:endParaRPr>
-                    </a:p>
-                  </a:txBody>
-                  <a:tcPr marL="44450" marR="44450" marT="0" marB="0" anchor="ctr" horzOverflow="overflow">
-                    <a:lnL w="12700" cmpd="sng">
-                      <a:noFill/>
-                    </a:lnL>
-                    <a:lnR w="12700" cap="flat" cmpd="sng" algn="ctr">
-                      <a:solidFill>
-                        <a:schemeClr val="bg1"/>
-                      </a:solidFill>
-                      <a:prstDash val="solid"/>
-                      <a:round/>
-                      <a:headEnd type="none" w="med" len="med"/>
-                      <a:tailEnd type="none" w="med" len="med"/>
-                    </a:lnR>
-                    <a:lnT w="12700" cmpd="sng">
-                      <a:noFill/>
-                    </a:lnT>
-                    <a:lnB w="12700" cmpd="sng">
-                      <a:noFill/>
-                    </a:lnB>
-                    <a:lnTlToBr w="12700" cmpd="sng">
-                      <a:noFill/>
-                      <a:prstDash val="solid"/>
-                    </a:lnTlToBr>
-                    <a:lnBlToTr w="12700" cmpd="sng">
-                      <a:noFill/>
-                      <a:prstDash val="solid"/>
-                    </a:lnBlToTr>
-                  </a:tcPr>
-                </a:tc>
-                <a:tc>
-                  <a:txBody>
-                    <a:bodyPr/>
-                    <a:lstStyle/>
-                    <a:p>
-                      <a:pPr marL="0" marR="0" lvl="0" indent="0" algn="ctr" defTabSz="914400" rtl="0" eaLnBrk="1" fontAlgn="base" latinLnBrk="0" hangingPunct="1">
-                        <a:lnSpc>
-                          <a:spcPct val="100000"/>
-                        </a:lnSpc>
-                        <a:spcBef>
-                          <a:spcPct val="0"/>
-                        </a:spcBef>
-                        <a:spcAft>
-                          <a:spcPct val="0"/>
-                        </a:spcAft>
-                        <a:buClrTx/>
-                        <a:buSzTx/>
-                        <a:buFontTx/>
-                        <a:buNone/>
-                        <a:tabLst/>
-                      </a:pPr>
-                      <a:endParaRPr kumimoji="0" lang="pt-BR" sz="1000" b="0" i="0" u="none" strike="noStrike" cap="none" normalizeH="0" baseline="0" dirty="0">
-                        <a:ln>
-                          <a:noFill/>
-                        </a:ln>
-                        <a:solidFill>
-                          <a:schemeClr val="bg1"/>
-                        </a:solidFill>
-                        <a:effectLst/>
-                        <a:latin typeface="Arial" pitchFamily="34" charset="0"/>
-                        <a:cs typeface="Arial" pitchFamily="34" charset="0"/>
-                      </a:endParaRPr>
-                    </a:p>
-                  </a:txBody>
-                  <a:tcPr anchor="ctr" horzOverflow="overflow">
-                    <a:lnL w="12700" cap="flat" cmpd="sng" algn="ctr">
-                      <a:solidFill>
-                        <a:schemeClr val="bg1"/>
-                      </a:solidFill>
-                      <a:prstDash val="solid"/>
-                      <a:round/>
-                      <a:headEnd type="none" w="med" len="med"/>
-                      <a:tailEnd type="none" w="med" len="med"/>
-                    </a:lnL>
-                    <a:lnR w="12700" cmpd="sng">
-                      <a:noFill/>
-                    </a:lnR>
-                    <a:lnT w="12700" cmpd="sng">
-                      <a:noFill/>
-                    </a:lnT>
-                    <a:lnB w="12700" cmpd="sng">
-                      <a:noFill/>
-                    </a:lnB>
-                    <a:lnTlToBr w="12700" cmpd="sng">
-                      <a:noFill/>
-                      <a:prstDash val="solid"/>
-                    </a:lnTlToBr>
-                    <a:lnBlToTr w="12700" cmpd="sng">
-                      <a:noFill/>
-                      <a:prstDash val="solid"/>
-                    </a:lnBlToTr>
-                  </a:tcPr>
-                </a:tc>
-                <a:extLst>
-                  <a:ext uri="{0D108BD9-81ED-4DB2-BD59-A6C34878D82A}">
-                    <a16:rowId xmlns:a16="http://schemas.microsoft.com/office/drawing/2014/main" val="10008"/>
-                  </a:ext>
-                </a:extLst>
-              </a:tr>
-              <a:tr h="270907">
-                <a:tc>
-                  <a:txBody>
-                    <a:bodyPr/>
-                    <a:lstStyle/>
-                    <a:p>
-                      <a:pPr marL="0" marR="0" lvl="0" indent="0" algn="l" defTabSz="914400" rtl="0" eaLnBrk="1" fontAlgn="base" latinLnBrk="0" hangingPunct="1">
-                        <a:lnSpc>
-                          <a:spcPct val="100000"/>
-                        </a:lnSpc>
-                        <a:spcBef>
-                          <a:spcPct val="0"/>
-                        </a:spcBef>
-                        <a:spcAft>
-                          <a:spcPct val="0"/>
-                        </a:spcAft>
-                        <a:buClrTx/>
-                        <a:buSzTx/>
-                        <a:buFontTx/>
-                        <a:buNone/>
-                        <a:tabLst/>
-                      </a:pPr>
-                      <a:endParaRPr kumimoji="0" lang="pt-BR" sz="1000" b="0" i="0" u="none" strike="noStrike" cap="none" normalizeH="0" baseline="0" dirty="0">
-                        <a:ln>
-                          <a:noFill/>
-                        </a:ln>
-                        <a:solidFill>
-                          <a:schemeClr val="bg1"/>
-                        </a:solidFill>
-                        <a:effectLst/>
-                        <a:latin typeface="Arial" pitchFamily="34" charset="0"/>
-                        <a:ea typeface="Calibri" pitchFamily="34" charset="0"/>
-                        <a:cs typeface="Arial" pitchFamily="34" charset="0"/>
-                      </a:endParaRPr>
-                    </a:p>
-                  </a:txBody>
-                  <a:tcPr marL="44450" marR="44450" marT="0" marB="0" anchor="ctr" horzOverflow="overflow">
-                    <a:lnL w="12700" cmpd="sng">
-                      <a:noFill/>
-                    </a:lnL>
-                    <a:lnR w="12700" cap="flat" cmpd="sng" algn="ctr">
-                      <a:solidFill>
-                        <a:schemeClr val="bg1"/>
-                      </a:solidFill>
-                      <a:prstDash val="solid"/>
-                      <a:round/>
-                      <a:headEnd type="none" w="med" len="med"/>
-                      <a:tailEnd type="none" w="med" len="med"/>
-                    </a:lnR>
-                    <a:lnT w="12700" cmpd="sng">
-                      <a:noFill/>
-                    </a:lnT>
-                    <a:lnB w="12700" cmpd="sng">
-                      <a:noFill/>
-                    </a:lnB>
-                    <a:lnTlToBr w="12700" cmpd="sng">
-                      <a:noFill/>
-                      <a:prstDash val="solid"/>
-                    </a:lnTlToBr>
-                    <a:lnBlToTr w="12700" cmpd="sng">
-                      <a:noFill/>
-                      <a:prstDash val="solid"/>
-                    </a:lnBlToTr>
-                  </a:tcPr>
-                </a:tc>
-                <a:tc>
-                  <a:txBody>
-                    <a:bodyPr/>
-                    <a:lstStyle/>
-                    <a:p>
-                      <a:pPr marL="0" marR="0" lvl="0" indent="0" algn="ctr" defTabSz="914400" rtl="0" eaLnBrk="1" fontAlgn="base" latinLnBrk="0" hangingPunct="1">
-                        <a:lnSpc>
-                          <a:spcPct val="100000"/>
-                        </a:lnSpc>
-                        <a:spcBef>
-                          <a:spcPct val="0"/>
-                        </a:spcBef>
-                        <a:spcAft>
-                          <a:spcPct val="0"/>
-                        </a:spcAft>
-                        <a:buClrTx/>
-                        <a:buSzTx/>
-                        <a:buFontTx/>
-                        <a:buNone/>
-                        <a:tabLst/>
-                      </a:pPr>
-                      <a:endParaRPr kumimoji="0" lang="pt-BR" sz="1000" b="0" i="0" u="none" strike="noStrike" cap="none" normalizeH="0" baseline="0" dirty="0">
-                        <a:ln>
-                          <a:noFill/>
-                        </a:ln>
-                        <a:solidFill>
-                          <a:schemeClr val="bg1"/>
-                        </a:solidFill>
-                        <a:effectLst/>
-                        <a:latin typeface="Arial" pitchFamily="34" charset="0"/>
-                        <a:cs typeface="Arial" pitchFamily="34" charset="0"/>
-                      </a:endParaRPr>
-                    </a:p>
-                  </a:txBody>
-                  <a:tcPr anchor="ctr" horzOverflow="overflow">
-                    <a:lnL w="12700" cap="flat" cmpd="sng" algn="ctr">
-                      <a:solidFill>
-                        <a:schemeClr val="bg1"/>
-                      </a:solidFill>
-                      <a:prstDash val="solid"/>
-                      <a:round/>
-                      <a:headEnd type="none" w="med" len="med"/>
-                      <a:tailEnd type="none" w="med" len="med"/>
-                    </a:lnL>
-                    <a:lnR w="12700" cmpd="sng">
-                      <a:noFill/>
-                    </a:lnR>
-                    <a:lnT w="12700" cmpd="sng">
-                      <a:noFill/>
-                    </a:lnT>
-                    <a:lnB w="12700" cmpd="sng">
-                      <a:noFill/>
-                    </a:lnB>
-                    <a:lnTlToBr w="12700" cmpd="sng">
-                      <a:noFill/>
-                      <a:prstDash val="solid"/>
-                    </a:lnTlToBr>
-                    <a:lnBlToTr w="12700" cmpd="sng">
-                      <a:noFill/>
-                      <a:prstDash val="solid"/>
-                    </a:lnBlToTr>
-                  </a:tcPr>
-                </a:tc>
-                <a:extLst>
-                  <a:ext uri="{0D108BD9-81ED-4DB2-BD59-A6C34878D82A}">
-                    <a16:rowId xmlns:a16="http://schemas.microsoft.com/office/drawing/2014/main" val="10009"/>
-                  </a:ext>
-                </a:extLst>
-              </a:tr>
-              <a:tr h="270907">
-                <a:tc>
-                  <a:txBody>
-                    <a:bodyPr/>
-                    <a:lstStyle/>
-                    <a:p>
-                      <a:pPr marL="0" marR="0" lvl="0" indent="0" algn="l" defTabSz="914400" rtl="0" eaLnBrk="1" fontAlgn="base" latinLnBrk="0" hangingPunct="1">
-                        <a:lnSpc>
-                          <a:spcPct val="100000"/>
-                        </a:lnSpc>
-                        <a:spcBef>
-                          <a:spcPct val="0"/>
-                        </a:spcBef>
-                        <a:spcAft>
-                          <a:spcPct val="0"/>
-                        </a:spcAft>
-                        <a:buClrTx/>
-                        <a:buSzTx/>
-                        <a:buFontTx/>
-                        <a:buNone/>
-                        <a:tabLst/>
-                      </a:pPr>
-                      <a:endParaRPr kumimoji="0" lang="pt-BR" sz="1000" b="0" i="0" u="none" strike="noStrike" cap="none" normalizeH="0" baseline="0" dirty="0">
-                        <a:ln>
-                          <a:noFill/>
-                        </a:ln>
-                        <a:solidFill>
-                          <a:schemeClr val="bg1"/>
-                        </a:solidFill>
-                        <a:effectLst/>
-                        <a:latin typeface="Arial" pitchFamily="34" charset="0"/>
-                        <a:ea typeface="Calibri" pitchFamily="34" charset="0"/>
-                        <a:cs typeface="Arial" pitchFamily="34" charset="0"/>
-                      </a:endParaRPr>
-                    </a:p>
-                  </a:txBody>
-                  <a:tcPr marL="44450" marR="44450" marT="0" marB="0" anchor="ctr" horzOverflow="overflow">
-                    <a:lnL w="12700" cmpd="sng">
-                      <a:noFill/>
-                    </a:lnL>
-                    <a:lnR w="12700" cap="flat" cmpd="sng" algn="ctr">
-                      <a:solidFill>
-                        <a:schemeClr val="bg1"/>
-                      </a:solidFill>
-                      <a:prstDash val="solid"/>
-                      <a:round/>
-                      <a:headEnd type="none" w="med" len="med"/>
-                      <a:tailEnd type="none" w="med" len="med"/>
-                    </a:lnR>
-                    <a:lnT w="12700" cmpd="sng">
-                      <a:noFill/>
-                    </a:lnT>
-                    <a:lnB w="12700" cmpd="sng">
-                      <a:noFill/>
-                    </a:lnB>
-                    <a:lnTlToBr w="12700" cmpd="sng">
-                      <a:noFill/>
-                      <a:prstDash val="solid"/>
-                    </a:lnTlToBr>
-                    <a:lnBlToTr w="12700" cmpd="sng">
-                      <a:noFill/>
-                      <a:prstDash val="solid"/>
-                    </a:lnBlToTr>
-                  </a:tcPr>
-                </a:tc>
-                <a:tc>
-                  <a:txBody>
-                    <a:bodyPr/>
-                    <a:lstStyle/>
-                    <a:p>
-                      <a:pPr marL="0" marR="0" lvl="0" indent="0" algn="ctr" defTabSz="914400" rtl="0" eaLnBrk="1" fontAlgn="base" latinLnBrk="0" hangingPunct="1">
-                        <a:lnSpc>
-                          <a:spcPct val="100000"/>
-                        </a:lnSpc>
-                        <a:spcBef>
-                          <a:spcPct val="0"/>
-                        </a:spcBef>
-                        <a:spcAft>
-                          <a:spcPct val="0"/>
-                        </a:spcAft>
-                        <a:buClrTx/>
-                        <a:buSzTx/>
-                        <a:buFontTx/>
-                        <a:buNone/>
-                        <a:tabLst/>
-                      </a:pPr>
-                      <a:endParaRPr kumimoji="0" lang="pt-BR" sz="1000" b="0" i="0" u="none" strike="noStrike" cap="none" normalizeH="0" baseline="0" dirty="0">
-                        <a:ln>
-                          <a:noFill/>
-                        </a:ln>
-                        <a:solidFill>
-                          <a:schemeClr val="bg1"/>
-                        </a:solidFill>
-                        <a:effectLst/>
-                        <a:latin typeface="Arial" pitchFamily="34" charset="0"/>
-                        <a:cs typeface="Arial" pitchFamily="34" charset="0"/>
-                      </a:endParaRPr>
-                    </a:p>
-                  </a:txBody>
-                  <a:tcPr anchor="ctr" horzOverflow="overflow">
-                    <a:lnL w="12700" cap="flat" cmpd="sng" algn="ctr">
-                      <a:solidFill>
-                        <a:schemeClr val="bg1"/>
-                      </a:solidFill>
-                      <a:prstDash val="solid"/>
-                      <a:round/>
-                      <a:headEnd type="none" w="med" len="med"/>
-                      <a:tailEnd type="none" w="med" len="med"/>
-                    </a:lnL>
-                    <a:lnR w="12700" cmpd="sng">
-                      <a:noFill/>
-                    </a:lnR>
-                    <a:lnT w="12700" cmpd="sng">
-                      <a:noFill/>
-                    </a:lnT>
-                    <a:lnB w="12700" cmpd="sng">
-                      <a:noFill/>
-                    </a:lnB>
-                    <a:lnTlToBr w="12700" cmpd="sng">
-                      <a:noFill/>
-                      <a:prstDash val="solid"/>
-                    </a:lnTlToBr>
-                    <a:lnBlToTr w="12700" cmpd="sng">
-                      <a:noFill/>
-                      <a:prstDash val="solid"/>
-                    </a:lnBlToTr>
-                  </a:tcPr>
-                </a:tc>
-                <a:extLst>
-                  <a:ext uri="{0D108BD9-81ED-4DB2-BD59-A6C34878D82A}">
-                    <a16:rowId xmlns:a16="http://schemas.microsoft.com/office/drawing/2014/main" val="10010"/>
-                  </a:ext>
-                </a:extLst>
-              </a:tr>
-              <a:tr h="270907">
-                <a:tc>
-                  <a:txBody>
-                    <a:bodyPr/>
-                    <a:lstStyle/>
-                    <a:p>
-                      <a:pPr marL="0" marR="0" lvl="0" indent="0" algn="l" defTabSz="914400" rtl="0" eaLnBrk="1" fontAlgn="base" latinLnBrk="0" hangingPunct="1">
-                        <a:lnSpc>
-                          <a:spcPct val="100000"/>
-                        </a:lnSpc>
-                        <a:spcBef>
-                          <a:spcPct val="0"/>
-                        </a:spcBef>
-                        <a:spcAft>
-                          <a:spcPct val="0"/>
-                        </a:spcAft>
-                        <a:buClrTx/>
-                        <a:buSzTx/>
-                        <a:buFontTx/>
-                        <a:buNone/>
-                        <a:tabLst/>
-                      </a:pPr>
-                      <a:endParaRPr kumimoji="0" lang="pt-BR" sz="1000" b="0" i="0" u="none" strike="noStrike" cap="none" normalizeH="0" baseline="0" dirty="0">
-                        <a:ln>
-                          <a:noFill/>
-                        </a:ln>
-                        <a:solidFill>
-                          <a:schemeClr val="bg1"/>
-                        </a:solidFill>
-                        <a:effectLst/>
-                        <a:latin typeface="Arial" pitchFamily="34" charset="0"/>
-                        <a:ea typeface="Calibri" pitchFamily="34" charset="0"/>
-                        <a:cs typeface="Arial" pitchFamily="34" charset="0"/>
-                      </a:endParaRPr>
-                    </a:p>
-                  </a:txBody>
-                  <a:tcPr marL="44450" marR="44450" marT="0" marB="0" anchor="ctr" horzOverflow="overflow">
-                    <a:lnL w="12700" cmpd="sng">
-                      <a:noFill/>
-                    </a:lnL>
-                    <a:lnR w="12700" cap="flat" cmpd="sng" algn="ctr">
-                      <a:solidFill>
-                        <a:schemeClr val="bg1"/>
-                      </a:solidFill>
-                      <a:prstDash val="solid"/>
-                      <a:round/>
-                      <a:headEnd type="none" w="med" len="med"/>
-                      <a:tailEnd type="none" w="med" len="med"/>
-                    </a:lnR>
-                    <a:lnT w="12700" cmpd="sng">
-                      <a:noFill/>
-                    </a:lnT>
-                    <a:lnB w="12700" cmpd="sng">
-                      <a:noFill/>
-                    </a:lnB>
-                    <a:lnTlToBr w="12700" cmpd="sng">
-                      <a:noFill/>
-                      <a:prstDash val="solid"/>
-                    </a:lnTlToBr>
-                    <a:lnBlToTr w="12700" cmpd="sng">
-                      <a:noFill/>
-                      <a:prstDash val="solid"/>
-                    </a:lnBlToTr>
-                  </a:tcPr>
-                </a:tc>
-                <a:tc>
-                  <a:txBody>
-                    <a:bodyPr/>
-                    <a:lstStyle/>
-                    <a:p>
-                      <a:pPr marL="0" marR="0" lvl="0" indent="0" algn="ctr" defTabSz="914400" rtl="0" eaLnBrk="1" fontAlgn="base" latinLnBrk="0" hangingPunct="1">
-                        <a:lnSpc>
-                          <a:spcPct val="100000"/>
-                        </a:lnSpc>
-                        <a:spcBef>
-                          <a:spcPct val="0"/>
-                        </a:spcBef>
-                        <a:spcAft>
-                          <a:spcPct val="0"/>
-                        </a:spcAft>
-                        <a:buClrTx/>
-                        <a:buSzTx/>
-                        <a:buFontTx/>
-                        <a:buNone/>
-                        <a:tabLst/>
-                      </a:pPr>
-                      <a:endParaRPr kumimoji="0" lang="pt-BR" sz="1000" b="0" i="0" u="none" strike="noStrike" cap="none" normalizeH="0" baseline="0" dirty="0">
-                        <a:ln>
-                          <a:noFill/>
-                        </a:ln>
-                        <a:solidFill>
-                          <a:schemeClr val="bg1"/>
-                        </a:solidFill>
-                        <a:effectLst/>
-                        <a:latin typeface="Arial" pitchFamily="34" charset="0"/>
-                        <a:cs typeface="Arial" pitchFamily="34" charset="0"/>
-                      </a:endParaRPr>
-                    </a:p>
-                  </a:txBody>
-                  <a:tcPr anchor="ctr" horzOverflow="overflow">
-                    <a:lnL w="12700" cap="flat" cmpd="sng" algn="ctr">
-                      <a:solidFill>
-                        <a:schemeClr val="bg1"/>
-                      </a:solidFill>
-                      <a:prstDash val="solid"/>
-                      <a:round/>
-                      <a:headEnd type="none" w="med" len="med"/>
-                      <a:tailEnd type="none" w="med" len="med"/>
-                    </a:lnL>
-                    <a:lnR w="12700" cmpd="sng">
-                      <a:noFill/>
-                    </a:lnR>
-                    <a:lnT w="12700" cmpd="sng">
-                      <a:noFill/>
-                    </a:lnT>
-                    <a:lnB w="12700" cmpd="sng">
-                      <a:noFill/>
-                    </a:lnB>
-                    <a:lnTlToBr w="12700" cmpd="sng">
-                      <a:noFill/>
-                      <a:prstDash val="solid"/>
-                    </a:lnTlToBr>
-                    <a:lnBlToTr w="12700" cmpd="sng">
-                      <a:noFill/>
-                      <a:prstDash val="solid"/>
-                    </a:lnBlToTr>
-                  </a:tcPr>
-                </a:tc>
-                <a:extLst>
-                  <a:ext uri="{0D108BD9-81ED-4DB2-BD59-A6C34878D82A}">
-                    <a16:rowId xmlns:a16="http://schemas.microsoft.com/office/drawing/2014/main" val="10011"/>
-                  </a:ext>
-                </a:extLst>
-              </a:tr>
-              <a:tr h="270907">
-                <a:tc>
-                  <a:txBody>
-                    <a:bodyPr/>
-                    <a:lstStyle/>
-                    <a:p>
-                      <a:pPr marL="0" marR="0" lvl="0" indent="0" algn="l" defTabSz="914400" rtl="0" eaLnBrk="1" fontAlgn="base" latinLnBrk="0" hangingPunct="1">
-                        <a:lnSpc>
-                          <a:spcPct val="100000"/>
-                        </a:lnSpc>
-                        <a:spcBef>
-                          <a:spcPct val="0"/>
-                        </a:spcBef>
-                        <a:spcAft>
-                          <a:spcPct val="0"/>
-                        </a:spcAft>
-                        <a:buClrTx/>
-                        <a:buSzTx/>
-                        <a:buFontTx/>
-                        <a:buNone/>
-                        <a:tabLst/>
-                      </a:pPr>
-                      <a:endParaRPr kumimoji="0" lang="pt-BR" sz="1000" b="0" i="0" u="none" strike="noStrike" cap="none" normalizeH="0" baseline="0" dirty="0">
-                        <a:ln>
-                          <a:noFill/>
-                        </a:ln>
-                        <a:solidFill>
-                          <a:schemeClr val="bg1"/>
-                        </a:solidFill>
-                        <a:effectLst/>
-                        <a:latin typeface="Arial" pitchFamily="34" charset="0"/>
-                        <a:ea typeface="Calibri" pitchFamily="34" charset="0"/>
-                        <a:cs typeface="Arial" pitchFamily="34" charset="0"/>
-                      </a:endParaRPr>
-                    </a:p>
-                  </a:txBody>
-                  <a:tcPr marL="44450" marR="44450" marT="0" marB="0" anchor="ctr" horzOverflow="overflow">
-                    <a:lnL w="12700" cmpd="sng">
-                      <a:noFill/>
-                    </a:lnL>
-                    <a:lnR w="12700" cap="flat" cmpd="sng" algn="ctr">
-                      <a:solidFill>
-                        <a:schemeClr val="bg1"/>
-                      </a:solidFill>
-                      <a:prstDash val="solid"/>
-                      <a:round/>
-                      <a:headEnd type="none" w="med" len="med"/>
-                      <a:tailEnd type="none" w="med" len="med"/>
-                    </a:lnR>
-                    <a:lnT w="12700" cmpd="sng">
-                      <a:noFill/>
-                    </a:lnT>
-                    <a:lnB w="12700" cmpd="sng">
-                      <a:noFill/>
-                    </a:lnB>
-                    <a:lnTlToBr w="12700" cmpd="sng">
-                      <a:noFill/>
-                      <a:prstDash val="solid"/>
-                    </a:lnTlToBr>
-                    <a:lnBlToTr w="12700" cmpd="sng">
-                      <a:noFill/>
-                      <a:prstDash val="solid"/>
-                    </a:lnBlToTr>
-                  </a:tcPr>
-                </a:tc>
-                <a:tc>
-                  <a:txBody>
-                    <a:bodyPr/>
-                    <a:lstStyle/>
-                    <a:p>
-                      <a:pPr marL="0" marR="0" lvl="0" indent="0" algn="ctr" defTabSz="914400" rtl="0" eaLnBrk="1" fontAlgn="base" latinLnBrk="0" hangingPunct="1">
-                        <a:lnSpc>
-                          <a:spcPct val="100000"/>
-                        </a:lnSpc>
-                        <a:spcBef>
-                          <a:spcPct val="0"/>
-                        </a:spcBef>
-                        <a:spcAft>
-                          <a:spcPct val="0"/>
-                        </a:spcAft>
-                        <a:buClrTx/>
-                        <a:buSzTx/>
-                        <a:buFontTx/>
-                        <a:buNone/>
-                        <a:tabLst/>
-                      </a:pPr>
-                      <a:endParaRPr kumimoji="0" lang="pt-BR" sz="1000" b="0" i="0" u="none" strike="noStrike" cap="none" normalizeH="0" baseline="0" dirty="0">
-                        <a:ln>
-                          <a:noFill/>
-                        </a:ln>
-                        <a:solidFill>
-                          <a:schemeClr val="bg1"/>
-                        </a:solidFill>
-                        <a:effectLst/>
-                        <a:latin typeface="Arial" pitchFamily="34" charset="0"/>
-                        <a:cs typeface="Arial" pitchFamily="34" charset="0"/>
-                      </a:endParaRPr>
-                    </a:p>
-                  </a:txBody>
-                  <a:tcPr anchor="ctr" horzOverflow="overflow">
-                    <a:lnL w="12700" cap="flat" cmpd="sng" algn="ctr">
-                      <a:solidFill>
-                        <a:schemeClr val="bg1"/>
-                      </a:solidFill>
-                      <a:prstDash val="solid"/>
-                      <a:round/>
-                      <a:headEnd type="none" w="med" len="med"/>
-                      <a:tailEnd type="none" w="med" len="med"/>
-                    </a:lnL>
-                    <a:lnR w="12700" cmpd="sng">
-                      <a:noFill/>
-                    </a:lnR>
-                    <a:lnT w="12700" cmpd="sng">
-                      <a:noFill/>
-                    </a:lnT>
-                    <a:lnB w="12700" cmpd="sng">
-                      <a:noFill/>
-                    </a:lnB>
-                    <a:lnTlToBr w="12700" cmpd="sng">
-                      <a:noFill/>
-                      <a:prstDash val="solid"/>
-                    </a:lnTlToBr>
-                    <a:lnBlToTr w="12700" cmpd="sng">
-                      <a:noFill/>
-                      <a:prstDash val="solid"/>
-                    </a:lnBlToTr>
-                  </a:tcPr>
-                </a:tc>
-                <a:extLst>
-                  <a:ext uri="{0D108BD9-81ED-4DB2-BD59-A6C34878D82A}">
-                    <a16:rowId xmlns:a16="http://schemas.microsoft.com/office/drawing/2014/main" val="10012"/>
-                  </a:ext>
-                </a:extLst>
-              </a:tr>
-              <a:tr h="270907">
-                <a:tc>
-                  <a:txBody>
-                    <a:bodyPr/>
-                    <a:lstStyle/>
-                    <a:p>
-                      <a:pPr marL="0" marR="0" lvl="0" indent="0" algn="l" defTabSz="914400" rtl="0" eaLnBrk="1" fontAlgn="base" latinLnBrk="0" hangingPunct="1">
-                        <a:lnSpc>
-                          <a:spcPct val="100000"/>
-                        </a:lnSpc>
-                        <a:spcBef>
-                          <a:spcPct val="0"/>
-                        </a:spcBef>
-                        <a:spcAft>
-                          <a:spcPct val="0"/>
-                        </a:spcAft>
-                        <a:buClrTx/>
-                        <a:buSzTx/>
-                        <a:buFontTx/>
-                        <a:buNone/>
-                        <a:tabLst/>
-                      </a:pPr>
-                      <a:endParaRPr kumimoji="0" lang="pt-BR" sz="1000" b="0" i="0" u="none" strike="noStrike" cap="none" normalizeH="0" baseline="0" dirty="0">
-                        <a:ln>
-                          <a:noFill/>
-                        </a:ln>
-                        <a:solidFill>
-                          <a:schemeClr val="bg1"/>
-                        </a:solidFill>
-                        <a:effectLst/>
-                        <a:latin typeface="Arial" pitchFamily="34" charset="0"/>
-                        <a:ea typeface="Calibri" pitchFamily="34" charset="0"/>
-                        <a:cs typeface="Arial" pitchFamily="34" charset="0"/>
-                      </a:endParaRPr>
-                    </a:p>
-                  </a:txBody>
-                  <a:tcPr marL="44450" marR="44450" marT="0" marB="0" anchor="ctr" horzOverflow="overflow">
-                    <a:lnL w="12700" cmpd="sng">
-                      <a:noFill/>
-                    </a:lnL>
-                    <a:lnR w="12700" cap="flat" cmpd="sng" algn="ctr">
-                      <a:solidFill>
-                        <a:schemeClr val="bg1"/>
-                      </a:solidFill>
-                      <a:prstDash val="solid"/>
-                      <a:round/>
-                      <a:headEnd type="none" w="med" len="med"/>
-                      <a:tailEnd type="none" w="med" len="med"/>
-                    </a:lnR>
-                    <a:lnT w="12700" cmpd="sng">
-                      <a:noFill/>
-                    </a:lnT>
-                    <a:lnB w="12700" cmpd="sng">
-                      <a:noFill/>
-                    </a:lnB>
-                    <a:lnTlToBr w="12700" cmpd="sng">
-                      <a:noFill/>
-                      <a:prstDash val="solid"/>
-                    </a:lnTlToBr>
-                    <a:lnBlToTr w="12700" cmpd="sng">
-                      <a:noFill/>
-                      <a:prstDash val="solid"/>
-                    </a:lnBlToTr>
-                  </a:tcPr>
-                </a:tc>
-                <a:tc>
-                  <a:txBody>
-                    <a:bodyPr/>
-                    <a:lstStyle/>
-                    <a:p>
-                      <a:pPr marL="0" marR="0" lvl="0" indent="0" algn="ctr" defTabSz="914400" rtl="0" eaLnBrk="1" fontAlgn="base" latinLnBrk="0" hangingPunct="1">
-                        <a:lnSpc>
-                          <a:spcPct val="100000"/>
-                        </a:lnSpc>
-                        <a:spcBef>
-                          <a:spcPct val="0"/>
-                        </a:spcBef>
-                        <a:spcAft>
-                          <a:spcPct val="0"/>
-                        </a:spcAft>
-                        <a:buClrTx/>
-                        <a:buSzTx/>
-                        <a:buFontTx/>
-                        <a:buNone/>
-                        <a:tabLst/>
-                      </a:pPr>
-                      <a:endParaRPr kumimoji="0" lang="pt-BR" sz="1000" b="0" i="0" u="none" strike="noStrike" cap="none" normalizeH="0" baseline="0" dirty="0">
-                        <a:ln>
-                          <a:noFill/>
-                        </a:ln>
-                        <a:solidFill>
-                          <a:schemeClr val="bg1"/>
-                        </a:solidFill>
-                        <a:effectLst/>
-                        <a:latin typeface="Arial" pitchFamily="34" charset="0"/>
-                        <a:cs typeface="Arial" pitchFamily="34" charset="0"/>
-                      </a:endParaRPr>
-                    </a:p>
-                  </a:txBody>
-                  <a:tcPr anchor="ctr" horzOverflow="overflow">
-                    <a:lnL w="12700" cap="flat" cmpd="sng" algn="ctr">
-                      <a:solidFill>
-                        <a:schemeClr val="bg1"/>
-                      </a:solidFill>
-                      <a:prstDash val="solid"/>
-                      <a:round/>
-                      <a:headEnd type="none" w="med" len="med"/>
-                      <a:tailEnd type="none" w="med" len="med"/>
-                    </a:lnL>
-                    <a:lnR w="12700" cmpd="sng">
-                      <a:noFill/>
-                    </a:lnR>
-                    <a:lnT w="12700" cmpd="sng">
-                      <a:noFill/>
-                    </a:lnT>
-                    <a:lnB w="12700" cmpd="sng">
-                      <a:noFill/>
-                    </a:lnB>
-                    <a:lnTlToBr w="12700" cmpd="sng">
-                      <a:noFill/>
-                      <a:prstDash val="solid"/>
-                    </a:lnTlToBr>
-                    <a:lnBlToTr w="12700" cmpd="sng">
-                      <a:noFill/>
-                      <a:prstDash val="solid"/>
-                    </a:lnBlToTr>
-                  </a:tcPr>
-                </a:tc>
-                <a:extLst>
-                  <a:ext uri="{0D108BD9-81ED-4DB2-BD59-A6C34878D82A}">
-                    <a16:rowId xmlns:a16="http://schemas.microsoft.com/office/drawing/2014/main" val="10013"/>
-                  </a:ext>
-                </a:extLst>
-              </a:tr>
-              <a:tr h="270907">
-                <a:tc>
-                  <a:txBody>
-                    <a:bodyPr/>
-                    <a:lstStyle/>
-                    <a:p>
-                      <a:pPr marL="0" marR="0" lvl="0" indent="0" algn="l" defTabSz="914400" rtl="0" eaLnBrk="1" fontAlgn="base" latinLnBrk="0" hangingPunct="1">
-                        <a:lnSpc>
-                          <a:spcPct val="100000"/>
-                        </a:lnSpc>
-                        <a:spcBef>
-                          <a:spcPct val="0"/>
-                        </a:spcBef>
-                        <a:spcAft>
-                          <a:spcPct val="0"/>
-                        </a:spcAft>
-                        <a:buClrTx/>
-                        <a:buSzTx/>
-                        <a:buFontTx/>
-                        <a:buNone/>
-                        <a:tabLst/>
-                      </a:pPr>
-                      <a:endParaRPr kumimoji="0" lang="pt-BR" sz="1000" b="0" i="0" u="none" strike="noStrike" cap="none" normalizeH="0" baseline="0" dirty="0">
-                        <a:ln>
-                          <a:noFill/>
-                        </a:ln>
-                        <a:solidFill>
-                          <a:schemeClr val="bg1"/>
-                        </a:solidFill>
-                        <a:effectLst/>
-                        <a:latin typeface="Arial" pitchFamily="34" charset="0"/>
-                        <a:ea typeface="Calibri" pitchFamily="34" charset="0"/>
-                        <a:cs typeface="Arial" pitchFamily="34" charset="0"/>
-                      </a:endParaRPr>
-                    </a:p>
-                  </a:txBody>
-                  <a:tcPr marL="44450" marR="44450" marT="0" marB="0" anchor="ctr" horzOverflow="overflow">
-                    <a:lnL w="12700" cmpd="sng">
-                      <a:noFill/>
-                    </a:lnL>
-                    <a:lnR w="12700" cap="flat" cmpd="sng" algn="ctr">
-                      <a:solidFill>
-                        <a:schemeClr val="bg1"/>
-                      </a:solidFill>
-                      <a:prstDash val="solid"/>
-                      <a:round/>
-                      <a:headEnd type="none" w="med" len="med"/>
-                      <a:tailEnd type="none" w="med" len="med"/>
-                    </a:lnR>
-                    <a:lnT w="12700" cmpd="sng">
-                      <a:noFill/>
-                    </a:lnT>
-                    <a:lnB w="12700" cmpd="sng">
-                      <a:noFill/>
-                    </a:lnB>
-                    <a:lnTlToBr w="12700" cmpd="sng">
-                      <a:noFill/>
-                      <a:prstDash val="solid"/>
-                    </a:lnTlToBr>
-                    <a:lnBlToTr w="12700" cmpd="sng">
-                      <a:noFill/>
-                      <a:prstDash val="solid"/>
-                    </a:lnBlToTr>
-                  </a:tcPr>
-                </a:tc>
-                <a:tc>
-                  <a:txBody>
-                    <a:bodyPr/>
-                    <a:lstStyle/>
-                    <a:p>
-                      <a:pPr marL="0" marR="0" lvl="0" indent="0" algn="ctr" defTabSz="914400" rtl="0" eaLnBrk="1" fontAlgn="base" latinLnBrk="0" hangingPunct="1">
-                        <a:lnSpc>
-                          <a:spcPct val="100000"/>
-                        </a:lnSpc>
-                        <a:spcBef>
-                          <a:spcPct val="0"/>
-                        </a:spcBef>
-                        <a:spcAft>
-                          <a:spcPct val="0"/>
-                        </a:spcAft>
-                        <a:buClrTx/>
-                        <a:buSzTx/>
-                        <a:buFontTx/>
-                        <a:buNone/>
-                        <a:tabLst/>
-                      </a:pPr>
-                      <a:endParaRPr kumimoji="0" lang="pt-BR" sz="1000" b="0" i="0" u="none" strike="noStrike" cap="none" normalizeH="0" baseline="0" dirty="0">
-                        <a:ln>
-                          <a:noFill/>
-                        </a:ln>
-                        <a:solidFill>
-                          <a:schemeClr val="bg1"/>
-                        </a:solidFill>
-                        <a:effectLst/>
-                        <a:latin typeface="Arial" pitchFamily="34" charset="0"/>
-                        <a:cs typeface="Arial" pitchFamily="34" charset="0"/>
-                      </a:endParaRPr>
-                    </a:p>
-                  </a:txBody>
-                  <a:tcPr anchor="ctr" horzOverflow="overflow">
-                    <a:lnL w="12700" cap="flat" cmpd="sng" algn="ctr">
-                      <a:solidFill>
-                        <a:schemeClr val="bg1"/>
-                      </a:solidFill>
-                      <a:prstDash val="solid"/>
-                      <a:round/>
-                      <a:headEnd type="none" w="med" len="med"/>
-                      <a:tailEnd type="none" w="med" len="med"/>
-                    </a:lnL>
-                    <a:lnR w="12700" cmpd="sng">
-                      <a:noFill/>
-                    </a:lnR>
-                    <a:lnT w="12700" cmpd="sng">
-                      <a:noFill/>
-                    </a:lnT>
-                    <a:lnB w="12700" cmpd="sng">
-                      <a:noFill/>
-                    </a:lnB>
-                    <a:lnTlToBr w="12700" cmpd="sng">
-                      <a:noFill/>
-                      <a:prstDash val="solid"/>
-                    </a:lnTlToBr>
-                    <a:lnBlToTr w="12700" cmpd="sng">
-                      <a:noFill/>
-                      <a:prstDash val="solid"/>
-                    </a:lnBlToTr>
-                  </a:tcPr>
-                </a:tc>
-                <a:extLst>
-                  <a:ext uri="{0D108BD9-81ED-4DB2-BD59-A6C34878D82A}">
-                    <a16:rowId xmlns:a16="http://schemas.microsoft.com/office/drawing/2014/main" val="10014"/>
-                  </a:ext>
-                </a:extLst>
-              </a:tr>
-              <a:tr h="270907">
-                <a:tc>
-                  <a:txBody>
-                    <a:bodyPr/>
-                    <a:lstStyle/>
-                    <a:p>
-                      <a:pPr marL="0" marR="0" lvl="0" indent="0" algn="l" defTabSz="914400" rtl="0" eaLnBrk="1" fontAlgn="base" latinLnBrk="0" hangingPunct="1">
-                        <a:lnSpc>
-                          <a:spcPct val="100000"/>
-                        </a:lnSpc>
-                        <a:spcBef>
-                          <a:spcPct val="0"/>
-                        </a:spcBef>
-                        <a:spcAft>
-                          <a:spcPct val="0"/>
-                        </a:spcAft>
-                        <a:buClrTx/>
-                        <a:buSzTx/>
-                        <a:buFontTx/>
-                        <a:buNone/>
-                        <a:tabLst/>
-                      </a:pPr>
-                      <a:endParaRPr kumimoji="0" lang="pt-BR" sz="1000" b="0" i="0" u="none" strike="noStrike" cap="none" normalizeH="0" baseline="0" dirty="0">
-                        <a:ln>
-                          <a:noFill/>
-                        </a:ln>
-                        <a:solidFill>
-                          <a:schemeClr val="bg1"/>
-                        </a:solidFill>
-                        <a:effectLst/>
-                        <a:latin typeface="Arial" pitchFamily="34" charset="0"/>
-                        <a:ea typeface="Calibri" pitchFamily="34" charset="0"/>
-                        <a:cs typeface="Arial" pitchFamily="34" charset="0"/>
-                      </a:endParaRPr>
-                    </a:p>
-                  </a:txBody>
-                  <a:tcPr marL="44450" marR="44450" marT="0" marB="0" anchor="ctr" horzOverflow="overflow">
-                    <a:lnL w="12700" cmpd="sng">
-                      <a:noFill/>
-                    </a:lnL>
-                    <a:lnR w="12700" cap="flat" cmpd="sng" algn="ctr">
-                      <a:solidFill>
-                        <a:schemeClr val="bg1"/>
-                      </a:solidFill>
-                      <a:prstDash val="solid"/>
-                      <a:round/>
-                      <a:headEnd type="none" w="med" len="med"/>
-                      <a:tailEnd type="none" w="med" len="med"/>
-                    </a:lnR>
-                    <a:lnT w="12700" cmpd="sng">
-                      <a:noFill/>
-                    </a:lnT>
-                    <a:lnB w="12700" cmpd="sng">
-                      <a:noFill/>
-                    </a:lnB>
-                    <a:lnTlToBr w="12700" cmpd="sng">
-                      <a:noFill/>
-                      <a:prstDash val="solid"/>
-                    </a:lnTlToBr>
-                    <a:lnBlToTr w="12700" cmpd="sng">
-                      <a:noFill/>
-                      <a:prstDash val="solid"/>
-                    </a:lnBlToTr>
-                  </a:tcPr>
-                </a:tc>
-                <a:tc>
-                  <a:txBody>
-                    <a:bodyPr/>
-                    <a:lstStyle/>
-                    <a:p>
-                      <a:pPr marL="0" marR="0" lvl="0" indent="0" algn="ctr" defTabSz="914400" rtl="0" eaLnBrk="1" fontAlgn="base" latinLnBrk="0" hangingPunct="1">
-                        <a:lnSpc>
-                          <a:spcPct val="100000"/>
-                        </a:lnSpc>
-                        <a:spcBef>
-                          <a:spcPct val="0"/>
-                        </a:spcBef>
-                        <a:spcAft>
-                          <a:spcPct val="0"/>
-                        </a:spcAft>
-                        <a:buClrTx/>
-                        <a:buSzTx/>
-                        <a:buFontTx/>
-                        <a:buNone/>
-                        <a:tabLst/>
-                      </a:pPr>
-                      <a:endParaRPr kumimoji="0" lang="pt-BR" sz="1000" b="0" i="0" u="none" strike="noStrike" cap="none" normalizeH="0" baseline="0" dirty="0">
-                        <a:ln>
-                          <a:noFill/>
-                        </a:ln>
-                        <a:solidFill>
-                          <a:schemeClr val="bg1"/>
-                        </a:solidFill>
-                        <a:effectLst/>
-                        <a:latin typeface="Arial" pitchFamily="34" charset="0"/>
-                        <a:cs typeface="Arial" pitchFamily="34" charset="0"/>
-                      </a:endParaRPr>
-                    </a:p>
-                  </a:txBody>
-                  <a:tcPr anchor="ctr" horzOverflow="overflow">
-                    <a:lnL w="12700" cap="flat" cmpd="sng" algn="ctr">
-                      <a:solidFill>
-                        <a:schemeClr val="bg1"/>
-                      </a:solidFill>
-                      <a:prstDash val="solid"/>
-                      <a:round/>
-                      <a:headEnd type="none" w="med" len="med"/>
-                      <a:tailEnd type="none" w="med" len="med"/>
-                    </a:lnL>
-                    <a:lnR w="12700" cmpd="sng">
-                      <a:noFill/>
-                    </a:lnR>
-                    <a:lnT w="12700" cmpd="sng">
-                      <a:noFill/>
-                    </a:lnT>
-                    <a:lnB w="12700" cmpd="sng">
-                      <a:noFill/>
-                    </a:lnB>
-                    <a:lnTlToBr w="12700" cmpd="sng">
-                      <a:noFill/>
-                      <a:prstDash val="solid"/>
-                    </a:lnTlToBr>
-                    <a:lnBlToTr w="12700" cmpd="sng">
-                      <a:noFill/>
-                      <a:prstDash val="solid"/>
-                    </a:lnBlToTr>
-                  </a:tcPr>
-                </a:tc>
-                <a:extLst>
-                  <a:ext uri="{0D108BD9-81ED-4DB2-BD59-A6C34878D82A}">
-                    <a16:rowId xmlns:a16="http://schemas.microsoft.com/office/drawing/2014/main" val="10015"/>
-                  </a:ext>
-                </a:extLst>
-              </a:tr>
-            </a:tbl>
-          </a:graphicData>
-        </a:graphic>
-      </p:graphicFrame>
-      <p:pic>
-        <p:nvPicPr>
-          <p:cNvPr id="6" name="Picture 2" descr="Blue Jelly Signs Bomb (Bombs) Icon Style 2"/>
-          <p:cNvPicPr>
-            <a:picLocks noChangeAspect="1" noChangeArrowheads="1"/>
-          </p:cNvPicPr>
-          <p:nvPr/>
-        </p:nvPicPr>
-        <p:blipFill>
-          <a:blip r:embed="rId2" cstate="print"/>
-          <a:srcRect/>
-          <a:stretch>
-            <a:fillRect/>
-          </a:stretch>
-        </p:blipFill>
-        <p:spPr bwMode="auto">
-          <a:xfrm>
-            <a:off x="275050" y="1265650"/>
-            <a:ext cx="252000" cy="252000"/>
-          </a:xfrm>
-          <a:prstGeom prst="rect">
-            <a:avLst/>
-          </a:prstGeom>
-          <a:noFill/>
-        </p:spPr>
-      </p:pic>
-    </p:spTree>
   </p:cSld>
   <p:clrMapOvr>
     <a:masterClrMapping/>
